--- a/Practical_deep_learning.pptx
+++ b/Practical_deep_learning.pptx
@@ -8,33 +8,35 @@
     <p:sldMasterId id="2147483695" r:id="rId8"/>
   </p:sldMasterIdLst>
   <p:notesMasterIdLst>
-    <p:notesMasterId r:id="rId30"/>
+    <p:notesMasterId r:id="rId32"/>
   </p:notesMasterIdLst>
   <p:handoutMasterIdLst>
-    <p:handoutMasterId r:id="rId31"/>
+    <p:handoutMasterId r:id="rId33"/>
   </p:handoutMasterIdLst>
   <p:sldIdLst>
     <p:sldId id="309" r:id="rId9"/>
-    <p:sldId id="278" r:id="rId10"/>
-    <p:sldId id="259" r:id="rId11"/>
-    <p:sldId id="310" r:id="rId12"/>
-    <p:sldId id="290" r:id="rId13"/>
-    <p:sldId id="284" r:id="rId14"/>
-    <p:sldId id="289" r:id="rId15"/>
-    <p:sldId id="285" r:id="rId16"/>
-    <p:sldId id="312" r:id="rId17"/>
-    <p:sldId id="311" r:id="rId18"/>
-    <p:sldId id="313" r:id="rId19"/>
-    <p:sldId id="293" r:id="rId20"/>
-    <p:sldId id="291" r:id="rId21"/>
-    <p:sldId id="314" r:id="rId22"/>
-    <p:sldId id="315" r:id="rId23"/>
-    <p:sldId id="316" r:id="rId24"/>
-    <p:sldId id="317" r:id="rId25"/>
-    <p:sldId id="318" r:id="rId26"/>
-    <p:sldId id="319" r:id="rId27"/>
-    <p:sldId id="320" r:id="rId28"/>
-    <p:sldId id="277" r:id="rId29"/>
+    <p:sldId id="321" r:id="rId10"/>
+    <p:sldId id="322" r:id="rId11"/>
+    <p:sldId id="278" r:id="rId12"/>
+    <p:sldId id="259" r:id="rId13"/>
+    <p:sldId id="310" r:id="rId14"/>
+    <p:sldId id="290" r:id="rId15"/>
+    <p:sldId id="284" r:id="rId16"/>
+    <p:sldId id="289" r:id="rId17"/>
+    <p:sldId id="285" r:id="rId18"/>
+    <p:sldId id="312" r:id="rId19"/>
+    <p:sldId id="311" r:id="rId20"/>
+    <p:sldId id="313" r:id="rId21"/>
+    <p:sldId id="293" r:id="rId22"/>
+    <p:sldId id="291" r:id="rId23"/>
+    <p:sldId id="314" r:id="rId24"/>
+    <p:sldId id="315" r:id="rId25"/>
+    <p:sldId id="316" r:id="rId26"/>
+    <p:sldId id="317" r:id="rId27"/>
+    <p:sldId id="318" r:id="rId28"/>
+    <p:sldId id="319" r:id="rId29"/>
+    <p:sldId id="320" r:id="rId30"/>
+    <p:sldId id="277" r:id="rId31"/>
   </p:sldIdLst>
   <p:sldSz cx="9144000" cy="5143500" type="screen16x9"/>
   <p:notesSz cx="6834188" cy="9979025"/>
@@ -135,7 +137,7 @@
   </p:defaultTextStyle>
   <p:extLst>
     <p:ext uri="{EFAFB233-063F-42B5-8137-9DF3F51BA10A}">
-      <p15:sldGuideLst xmlns:p15="http://schemas.microsoft.com/office/powerpoint/2012/main" xmlns="">
+      <p15:sldGuideLst xmlns="" xmlns:p15="http://schemas.microsoft.com/office/powerpoint/2012/main">
         <p15:guide id="1" orient="horz" pos="2723">
           <p15:clr>
             <a:srgbClr val="A4A3A4"/>
@@ -219,7 +221,7 @@
       </p15:sldGuideLst>
     </p:ext>
     <p:ext uri="{2D200454-40CA-4A62-9FC3-DE9A4176ACB9}">
-      <p15:notesGuideLst xmlns:p15="http://schemas.microsoft.com/office/powerpoint/2012/main" xmlns="">
+      <p15:notesGuideLst xmlns="" xmlns:p15="http://schemas.microsoft.com/office/powerpoint/2012/main">
         <p15:guide id="1" orient="horz" pos="3143">
           <p15:clr>
             <a:srgbClr val="A4A3A4"/>
@@ -318,7 +320,7 @@
           <a:p>
             <a:fld id="{9E158CDE-C114-442B-91BB-C02E4A897291}" type="datetimeFigureOut">
               <a:rPr lang="de-DE" smtClean="0"/>
-              <a:t>18.11.2017</a:t>
+              <a:t>12.12.2017</a:t>
             </a:fld>
             <a:endParaRPr lang="de-DE"/>
           </a:p>
@@ -719,70 +721,155 @@
       </p:grpSpPr>
       <p:sp>
         <p:nvSpPr>
-          <p:cNvPr id="4" name="Foliennummernplatzhalter 3"/>
-          <p:cNvSpPr>
-            <a:spLocks noGrp="1"/>
-          </p:cNvSpPr>
-          <p:nvPr>
-            <p:ph type="sldNum" sz="quarter" idx="10"/>
-          </p:nvPr>
-        </p:nvSpPr>
-        <p:spPr/>
-        <p:txBody>
-          <a:bodyPr/>
-          <a:lstStyle/>
-          <a:p>
-            <a:fld id="{F7608432-0240-4102-B75D-1C8A47998186}" type="slidenum">
-              <a:rPr lang="de-DE" smtClean="0"/>
-              <a:pPr/>
-              <a:t>3</a:t>
-            </a:fld>
-            <a:endParaRPr lang="de-DE" dirty="0"/>
-          </a:p>
-        </p:txBody>
-      </p:sp>
-      <p:sp>
-        <p:nvSpPr>
-          <p:cNvPr id="6" name="Folienbildplatzhalter 5"/>
-          <p:cNvSpPr>
-            <a:spLocks noGrp="1" noRot="1" noChangeAspect="1"/>
-          </p:cNvSpPr>
-          <p:nvPr>
-            <p:ph type="sldImg"/>
+          <p:cNvPr id="540" name="PlaceHolder 1"/>
+          <p:cNvSpPr>
+            <a:spLocks noGrp="1"/>
+          </p:cNvSpPr>
+          <p:nvPr>
+            <p:ph type="body"/>
           </p:nvPr>
         </p:nvSpPr>
         <p:spPr>
           <a:xfrm>
-            <a:off x="-1143000" y="0"/>
-            <a:ext cx="9139238" cy="5141913"/>
+            <a:off x="0" y="5676120"/>
+            <a:ext cx="6833880" cy="3907440"/>
           </a:xfrm>
+          <a:prstGeom prst="rect">
+            <a:avLst/>
+          </a:prstGeom>
         </p:spPr>
-      </p:sp>
-      <p:sp>
-        <p:nvSpPr>
-          <p:cNvPr id="7" name="Notizenplatzhalter 6"/>
-          <p:cNvSpPr>
-            <a:spLocks noGrp="1"/>
-          </p:cNvSpPr>
-          <p:nvPr>
-            <p:ph type="body" idx="1"/>
-          </p:nvPr>
-        </p:nvSpPr>
-        <p:spPr/>
-        <p:txBody>
-          <a:bodyPr/>
-          <a:lstStyle/>
-          <a:p>
-            <a:endParaRPr lang="de-CH"/>
+        <p:txBody>
+          <a:bodyPr lIns="252000" rIns="252000"/>
+          <a:lstStyle/>
+          <a:p>
+            <a:pPr>
+              <a:lnSpc>
+                <a:spcPct val="100000"/>
+              </a:lnSpc>
+            </a:pPr>
+            <a:r>
+              <a:rPr lang="en-US" sz="1200" b="0" strike="noStrike" spc="-1">
+                <a:solidFill>
+                  <a:srgbClr val="535353"/>
+                </a:solidFill>
+                <a:uFill>
+                  <a:solidFill>
+                    <a:srgbClr val="FFFFFF"/>
+                  </a:solidFill>
+                </a:uFill>
+                <a:latin typeface="Segoe UI"/>
+                <a:ea typeface="Segoe UI"/>
+              </a:rPr>
+              <a:t>“We are a non-affiliated and profitable company with over 600 employees. Regional proximity to our customers is one of our key considerations. We achieve this by operating 14 branch operations in Switzerland, Germany,  Austria and Danmark. We successfully completed more than 1900 customer projects during the last business year. Additionally, we also support our customers with over 200 Service Level Agreements. The basis for this sustained technological excellence is reflected in our research and development budget. Every year we invest around 5 million Swiss franks in analyzing and evaluating new technologies and developing our methods and products.”</a:t>
+            </a:r>
+            <a:endParaRPr lang="en-US" sz="1200" b="0" strike="noStrike" spc="-1">
+              <a:solidFill>
+                <a:srgbClr val="000000"/>
+              </a:solidFill>
+              <a:uFill>
+                <a:solidFill>
+                  <a:srgbClr val="FFFFFF"/>
+                </a:solidFill>
+              </a:uFill>
+              <a:latin typeface="Arial"/>
+            </a:endParaRPr>
+          </a:p>
+          <a:p>
+            <a:pPr>
+              <a:lnSpc>
+                <a:spcPct val="100000"/>
+              </a:lnSpc>
+            </a:pPr>
+            <a:endParaRPr lang="en-US" sz="1200" b="0" strike="noStrike" spc="-1">
+              <a:solidFill>
+                <a:srgbClr val="000000"/>
+              </a:solidFill>
+              <a:uFill>
+                <a:solidFill>
+                  <a:srgbClr val="FFFFFF"/>
+                </a:solidFill>
+              </a:uFill>
+              <a:latin typeface="Arial"/>
+            </a:endParaRPr>
+          </a:p>
+          <a:p>
+            <a:pPr>
+              <a:lnSpc>
+                <a:spcPct val="100000"/>
+              </a:lnSpc>
+            </a:pPr>
+            <a:endParaRPr lang="en-US" sz="1200" b="0" strike="noStrike" spc="-1">
+              <a:solidFill>
+                <a:srgbClr val="000000"/>
+              </a:solidFill>
+              <a:uFill>
+                <a:solidFill>
+                  <a:srgbClr val="FFFFFF"/>
+                </a:solidFill>
+              </a:uFill>
+              <a:latin typeface="Arial"/>
+            </a:endParaRPr>
+          </a:p>
+        </p:txBody>
+      </p:sp>
+      <p:sp>
+        <p:nvSpPr>
+          <p:cNvPr id="541" name="TextShape 2"/>
+          <p:cNvSpPr txBox="1"/>
+          <p:nvPr/>
+        </p:nvSpPr>
+        <p:spPr>
+          <a:xfrm>
+            <a:off x="3871080" y="9750240"/>
+            <a:ext cx="2961000" cy="226440"/>
+          </a:xfrm>
+          <a:prstGeom prst="rect">
+            <a:avLst/>
+          </a:prstGeom>
+          <a:noFill/>
+          <a:ln>
+            <a:noFill/>
+          </a:ln>
+        </p:spPr>
+        <p:txBody>
+          <a:bodyPr anchor="b"/>
+          <a:lstStyle/>
+          <a:p>
+            <a:pPr algn="r">
+              <a:lnSpc>
+                <a:spcPct val="100000"/>
+              </a:lnSpc>
+            </a:pPr>
+            <a:fld id="{07B77FEB-ADEE-49A4-A33E-F86F4F65D9CD}" type="slidenum">
+              <a:rPr lang="en-US" sz="1200" b="0" strike="noStrike" spc="-1">
+                <a:solidFill>
+                  <a:srgbClr val="000000"/>
+                </a:solidFill>
+                <a:uFill>
+                  <a:solidFill>
+                    <a:srgbClr val="FFFFFF"/>
+                  </a:solidFill>
+                </a:uFill>
+                <a:latin typeface="+mn-lt"/>
+                <a:ea typeface="+mn-ea"/>
+              </a:rPr>
+              <a:t>2</a:t>
+            </a:fld>
+            <a:endParaRPr lang="en-US" sz="1200" b="0" strike="noStrike" spc="-1">
+              <a:solidFill>
+                <a:srgbClr val="000000"/>
+              </a:solidFill>
+              <a:uFill>
+                <a:solidFill>
+                  <a:srgbClr val="FFFFFF"/>
+                </a:solidFill>
+              </a:uFill>
+              <a:latin typeface="Times New Roman"/>
+            </a:endParaRPr>
           </a:p>
         </p:txBody>
       </p:sp>
     </p:spTree>
-    <p:extLst>
-      <p:ext uri="{BB962C8B-B14F-4D97-AF65-F5344CB8AC3E}">
-        <p14:creationId xmlns:p14="http://schemas.microsoft.com/office/powerpoint/2010/main" val="2784502472"/>
-      </p:ext>
-    </p:extLst>
   </p:cSld>
   <p:clrMapOvr>
     <a:masterClrMapping/>
@@ -899,7 +986,31 @@
       </p:grpSpPr>
       <p:sp>
         <p:nvSpPr>
-          <p:cNvPr id="2" name="Folienbildplatzhalter 1"/>
+          <p:cNvPr id="4" name="Foliennummernplatzhalter 3"/>
+          <p:cNvSpPr>
+            <a:spLocks noGrp="1"/>
+          </p:cNvSpPr>
+          <p:nvPr>
+            <p:ph type="sldNum" sz="quarter" idx="10"/>
+          </p:nvPr>
+        </p:nvSpPr>
+        <p:spPr/>
+        <p:txBody>
+          <a:bodyPr/>
+          <a:lstStyle/>
+          <a:p>
+            <a:fld id="{F7608432-0240-4102-B75D-1C8A47998186}" type="slidenum">
+              <a:rPr lang="de-DE" smtClean="0"/>
+              <a:pPr/>
+              <a:t>7</a:t>
+            </a:fld>
+            <a:endParaRPr lang="de-DE" dirty="0"/>
+          </a:p>
+        </p:txBody>
+      </p:sp>
+      <p:sp>
+        <p:nvSpPr>
+          <p:cNvPr id="6" name="Folienbildplatzhalter 5"/>
           <p:cNvSpPr>
             <a:spLocks noGrp="1" noRot="1" noChangeAspect="1"/>
           </p:cNvSpPr>
@@ -916,6 +1027,72 @@
       </p:sp>
       <p:sp>
         <p:nvSpPr>
+          <p:cNvPr id="7" name="Notizenplatzhalter 6"/>
+          <p:cNvSpPr>
+            <a:spLocks noGrp="1"/>
+          </p:cNvSpPr>
+          <p:nvPr>
+            <p:ph type="body" idx="1"/>
+          </p:nvPr>
+        </p:nvSpPr>
+        <p:spPr/>
+        <p:txBody>
+          <a:bodyPr/>
+          <a:lstStyle/>
+          <a:p>
+            <a:endParaRPr lang="de-CH"/>
+          </a:p>
+        </p:txBody>
+      </p:sp>
+    </p:spTree>
+    <p:extLst>
+      <p:ext uri="{BB962C8B-B14F-4D97-AF65-F5344CB8AC3E}">
+        <p14:creationId xmlns:p14="http://schemas.microsoft.com/office/powerpoint/2010/main" val="2784502472"/>
+      </p:ext>
+    </p:extLst>
+  </p:cSld>
+  <p:clrMapOvr>
+    <a:masterClrMapping/>
+  </p:clrMapOvr>
+</p:notes>
+</file>
+
+<file path=ppt/notesSlides/notesSlide4.xml><?xml version="1.0" encoding="utf-8"?>
+<p:notes xmlns:a="http://schemas.openxmlformats.org/drawingml/2006/main" xmlns:r="http://schemas.openxmlformats.org/officeDocument/2006/relationships" xmlns:p="http://schemas.openxmlformats.org/presentationml/2006/main">
+  <p:cSld>
+    <p:spTree>
+      <p:nvGrpSpPr>
+        <p:cNvPr id="1" name=""/>
+        <p:cNvGrpSpPr/>
+        <p:nvPr/>
+      </p:nvGrpSpPr>
+      <p:grpSpPr>
+        <a:xfrm>
+          <a:off x="0" y="0"/>
+          <a:ext cx="0" cy="0"/>
+          <a:chOff x="0" y="0"/>
+          <a:chExt cx="0" cy="0"/>
+        </a:xfrm>
+      </p:grpSpPr>
+      <p:sp>
+        <p:nvSpPr>
+          <p:cNvPr id="2" name="Folienbildplatzhalter 1"/>
+          <p:cNvSpPr>
+            <a:spLocks noGrp="1" noRot="1" noChangeAspect="1"/>
+          </p:cNvSpPr>
+          <p:nvPr>
+            <p:ph type="sldImg"/>
+          </p:nvPr>
+        </p:nvSpPr>
+        <p:spPr>
+          <a:xfrm>
+            <a:off x="-1143000" y="0"/>
+            <a:ext cx="9139238" cy="5141913"/>
+          </a:xfrm>
+        </p:spPr>
+      </p:sp>
+      <p:sp>
+        <p:nvSpPr>
           <p:cNvPr id="3" name="Notizenplatzhalter 2"/>
           <p:cNvSpPr>
             <a:spLocks noGrp="1"/>
@@ -950,7 +1127,7 @@
           <a:p>
             <a:fld id="{F7608432-0240-4102-B75D-1C8A47998186}" type="slidenum">
               <a:rPr lang="de-DE" smtClean="0"/>
-              <a:t>6</a:t>
+              <a:t>8</a:t>
             </a:fld>
             <a:endParaRPr lang="de-DE"/>
           </a:p>
@@ -6953,6 +7130,36 @@
 </file>
 
 <file path=ppt/slideLayouts/slideLayout38.xml><?xml version="1.0" encoding="utf-8"?>
+<p:sldLayout xmlns:a="http://schemas.openxmlformats.org/drawingml/2006/main" xmlns:r="http://schemas.openxmlformats.org/officeDocument/2006/relationships" xmlns:p="http://schemas.openxmlformats.org/presentationml/2006/main" type="blank">
+  <p:cSld name="Blank Slide">
+    <p:spTree>
+      <p:nvGrpSpPr>
+        <p:cNvPr id="1" name=""/>
+        <p:cNvGrpSpPr/>
+        <p:nvPr/>
+      </p:nvGrpSpPr>
+      <p:grpSpPr>
+        <a:xfrm>
+          <a:off x="0" y="0"/>
+          <a:ext cx="0" cy="0"/>
+          <a:chOff x="0" y="0"/>
+          <a:chExt cx="0" cy="0"/>
+        </a:xfrm>
+      </p:grpSpPr>
+    </p:spTree>
+    <p:extLst>
+      <p:ext uri="{BB962C8B-B14F-4D97-AF65-F5344CB8AC3E}">
+        <p14:creationId xmlns:p14="http://schemas.microsoft.com/office/powerpoint/2010/main" val="3631922301"/>
+      </p:ext>
+    </p:extLst>
+  </p:cSld>
+  <p:clrMapOvr>
+    <a:masterClrMapping/>
+  </p:clrMapOvr>
+</p:sldLayout>
+</file>
+
+<file path=ppt/slideLayouts/slideLayout39.xml><?xml version="1.0" encoding="utf-8"?>
 <p:sldLayout xmlns:a="http://schemas.openxmlformats.org/drawingml/2006/main" xmlns:r="http://schemas.openxmlformats.org/officeDocument/2006/relationships" xmlns:p="http://schemas.openxmlformats.org/presentationml/2006/main" type="title" preserve="1">
   <p:cSld name="Title Slide">
     <p:spTree>
@@ -7198,180 +7405,6 @@
 </p:sldLayout>
 </file>
 
-<file path=ppt/slideLayouts/slideLayout39.xml><?xml version="1.0" encoding="utf-8"?>
-<p:sldLayout xmlns:a="http://schemas.openxmlformats.org/drawingml/2006/main" xmlns:r="http://schemas.openxmlformats.org/officeDocument/2006/relationships" xmlns:p="http://schemas.openxmlformats.org/presentationml/2006/main" type="obj" preserve="1">
-  <p:cSld name="Title and Content">
-    <p:spTree>
-      <p:nvGrpSpPr>
-        <p:cNvPr id="1" name=""/>
-        <p:cNvGrpSpPr/>
-        <p:nvPr/>
-      </p:nvGrpSpPr>
-      <p:grpSpPr>
-        <a:xfrm>
-          <a:off x="0" y="0"/>
-          <a:ext cx="0" cy="0"/>
-          <a:chOff x="0" y="0"/>
-          <a:chExt cx="0" cy="0"/>
-        </a:xfrm>
-      </p:grpSpPr>
-      <p:sp>
-        <p:nvSpPr>
-          <p:cNvPr id="2" name="Title 1"/>
-          <p:cNvSpPr>
-            <a:spLocks noGrp="1"/>
-          </p:cNvSpPr>
-          <p:nvPr>
-            <p:ph type="title"/>
-          </p:nvPr>
-        </p:nvSpPr>
-        <p:spPr/>
-        <p:txBody>
-          <a:bodyPr/>
-          <a:lstStyle/>
-          <a:p>
-            <a:r>
-              <a:rPr lang="en-US" smtClean="0"/>
-              <a:t>Click to edit Master title style</a:t>
-            </a:r>
-            <a:endParaRPr lang="en-US"/>
-          </a:p>
-        </p:txBody>
-      </p:sp>
-      <p:sp>
-        <p:nvSpPr>
-          <p:cNvPr id="3" name="Content Placeholder 2"/>
-          <p:cNvSpPr>
-            <a:spLocks noGrp="1"/>
-          </p:cNvSpPr>
-          <p:nvPr>
-            <p:ph idx="1"/>
-          </p:nvPr>
-        </p:nvSpPr>
-        <p:spPr/>
-        <p:txBody>
-          <a:bodyPr/>
-          <a:lstStyle/>
-          <a:p>
-            <a:pPr lvl="0"/>
-            <a:r>
-              <a:rPr lang="en-US" smtClean="0"/>
-              <a:t>Click to edit Master text styles</a:t>
-            </a:r>
-          </a:p>
-          <a:p>
-            <a:pPr lvl="1"/>
-            <a:r>
-              <a:rPr lang="en-US" smtClean="0"/>
-              <a:t>Second level</a:t>
-            </a:r>
-          </a:p>
-          <a:p>
-            <a:pPr lvl="2"/>
-            <a:r>
-              <a:rPr lang="en-US" smtClean="0"/>
-              <a:t>Third level</a:t>
-            </a:r>
-          </a:p>
-          <a:p>
-            <a:pPr lvl="3"/>
-            <a:r>
-              <a:rPr lang="en-US" smtClean="0"/>
-              <a:t>Fourth level</a:t>
-            </a:r>
-          </a:p>
-          <a:p>
-            <a:pPr lvl="4"/>
-            <a:r>
-              <a:rPr lang="en-US" smtClean="0"/>
-              <a:t>Fifth level</a:t>
-            </a:r>
-            <a:endParaRPr lang="en-US"/>
-          </a:p>
-        </p:txBody>
-      </p:sp>
-      <p:sp>
-        <p:nvSpPr>
-          <p:cNvPr id="4" name="Date Placeholder 3"/>
-          <p:cNvSpPr>
-            <a:spLocks noGrp="1"/>
-          </p:cNvSpPr>
-          <p:nvPr>
-            <p:ph type="dt" sz="half" idx="10"/>
-          </p:nvPr>
-        </p:nvSpPr>
-        <p:spPr/>
-        <p:txBody>
-          <a:bodyPr/>
-          <a:lstStyle/>
-          <a:p>
-            <a:r>
-              <a:rPr lang="en-US" smtClean="0"/>
-              <a:t>2017/13/12</a:t>
-            </a:r>
-            <a:endParaRPr lang="en-US"/>
-          </a:p>
-        </p:txBody>
-      </p:sp>
-      <p:sp>
-        <p:nvSpPr>
-          <p:cNvPr id="5" name="Footer Placeholder 4"/>
-          <p:cNvSpPr>
-            <a:spLocks noGrp="1"/>
-          </p:cNvSpPr>
-          <p:nvPr>
-            <p:ph type="ftr" sz="quarter" idx="11"/>
-          </p:nvPr>
-        </p:nvSpPr>
-        <p:spPr/>
-        <p:txBody>
-          <a:bodyPr/>
-          <a:lstStyle/>
-          <a:p>
-            <a:r>
-              <a:rPr lang="en-US" smtClean="0"/>
-              <a:t>Practical Deep Learning</a:t>
-            </a:r>
-            <a:endParaRPr lang="en-US"/>
-          </a:p>
-        </p:txBody>
-      </p:sp>
-      <p:sp>
-        <p:nvSpPr>
-          <p:cNvPr id="6" name="Slide Number Placeholder 5"/>
-          <p:cNvSpPr>
-            <a:spLocks noGrp="1"/>
-          </p:cNvSpPr>
-          <p:nvPr>
-            <p:ph type="sldNum" sz="quarter" idx="12"/>
-          </p:nvPr>
-        </p:nvSpPr>
-        <p:spPr/>
-        <p:txBody>
-          <a:bodyPr/>
-          <a:lstStyle/>
-          <a:p>
-            <a:fld id="{723BFCA0-EC82-4E35-82BE-148B7D6B5EEE}" type="slidenum">
-              <a:rPr lang="en-US" smtClean="0"/>
-              <a:t>‹#›</a:t>
-            </a:fld>
-            <a:endParaRPr lang="en-US"/>
-          </a:p>
-        </p:txBody>
-      </p:sp>
-    </p:spTree>
-    <p:extLst>
-      <p:ext uri="{BB962C8B-B14F-4D97-AF65-F5344CB8AC3E}">
-        <p14:creationId xmlns:p14="http://schemas.microsoft.com/office/powerpoint/2010/main" val="2570160548"/>
-      </p:ext>
-    </p:extLst>
-  </p:cSld>
-  <p:clrMapOvr>
-    <a:masterClrMapping/>
-  </p:clrMapOvr>
-</p:sldLayout>
-</file>
-
 <file path=ppt/slideLayouts/slideLayout4.xml><?xml version="1.0" encoding="utf-8"?>
 <p:sldLayout xmlns:a="http://schemas.openxmlformats.org/drawingml/2006/main" xmlns:r="http://schemas.openxmlformats.org/officeDocument/2006/relationships" xmlns:p="http://schemas.openxmlformats.org/presentationml/2006/main" preserve="1">
   <p:cSld name="Headline">
@@ -7496,6 +7529,180 @@
 </file>
 
 <file path=ppt/slideLayouts/slideLayout40.xml><?xml version="1.0" encoding="utf-8"?>
+<p:sldLayout xmlns:a="http://schemas.openxmlformats.org/drawingml/2006/main" xmlns:r="http://schemas.openxmlformats.org/officeDocument/2006/relationships" xmlns:p="http://schemas.openxmlformats.org/presentationml/2006/main" type="obj" preserve="1">
+  <p:cSld name="Title and Content">
+    <p:spTree>
+      <p:nvGrpSpPr>
+        <p:cNvPr id="1" name=""/>
+        <p:cNvGrpSpPr/>
+        <p:nvPr/>
+      </p:nvGrpSpPr>
+      <p:grpSpPr>
+        <a:xfrm>
+          <a:off x="0" y="0"/>
+          <a:ext cx="0" cy="0"/>
+          <a:chOff x="0" y="0"/>
+          <a:chExt cx="0" cy="0"/>
+        </a:xfrm>
+      </p:grpSpPr>
+      <p:sp>
+        <p:nvSpPr>
+          <p:cNvPr id="2" name="Title 1"/>
+          <p:cNvSpPr>
+            <a:spLocks noGrp="1"/>
+          </p:cNvSpPr>
+          <p:nvPr>
+            <p:ph type="title"/>
+          </p:nvPr>
+        </p:nvSpPr>
+        <p:spPr/>
+        <p:txBody>
+          <a:bodyPr/>
+          <a:lstStyle/>
+          <a:p>
+            <a:r>
+              <a:rPr lang="en-US" smtClean="0"/>
+              <a:t>Click to edit Master title style</a:t>
+            </a:r>
+            <a:endParaRPr lang="en-US"/>
+          </a:p>
+        </p:txBody>
+      </p:sp>
+      <p:sp>
+        <p:nvSpPr>
+          <p:cNvPr id="3" name="Content Placeholder 2"/>
+          <p:cNvSpPr>
+            <a:spLocks noGrp="1"/>
+          </p:cNvSpPr>
+          <p:nvPr>
+            <p:ph idx="1"/>
+          </p:nvPr>
+        </p:nvSpPr>
+        <p:spPr/>
+        <p:txBody>
+          <a:bodyPr/>
+          <a:lstStyle/>
+          <a:p>
+            <a:pPr lvl="0"/>
+            <a:r>
+              <a:rPr lang="en-US" smtClean="0"/>
+              <a:t>Click to edit Master text styles</a:t>
+            </a:r>
+          </a:p>
+          <a:p>
+            <a:pPr lvl="1"/>
+            <a:r>
+              <a:rPr lang="en-US" smtClean="0"/>
+              <a:t>Second level</a:t>
+            </a:r>
+          </a:p>
+          <a:p>
+            <a:pPr lvl="2"/>
+            <a:r>
+              <a:rPr lang="en-US" smtClean="0"/>
+              <a:t>Third level</a:t>
+            </a:r>
+          </a:p>
+          <a:p>
+            <a:pPr lvl="3"/>
+            <a:r>
+              <a:rPr lang="en-US" smtClean="0"/>
+              <a:t>Fourth level</a:t>
+            </a:r>
+          </a:p>
+          <a:p>
+            <a:pPr lvl="4"/>
+            <a:r>
+              <a:rPr lang="en-US" smtClean="0"/>
+              <a:t>Fifth level</a:t>
+            </a:r>
+            <a:endParaRPr lang="en-US"/>
+          </a:p>
+        </p:txBody>
+      </p:sp>
+      <p:sp>
+        <p:nvSpPr>
+          <p:cNvPr id="4" name="Date Placeholder 3"/>
+          <p:cNvSpPr>
+            <a:spLocks noGrp="1"/>
+          </p:cNvSpPr>
+          <p:nvPr>
+            <p:ph type="dt" sz="half" idx="10"/>
+          </p:nvPr>
+        </p:nvSpPr>
+        <p:spPr/>
+        <p:txBody>
+          <a:bodyPr/>
+          <a:lstStyle/>
+          <a:p>
+            <a:r>
+              <a:rPr lang="en-US" smtClean="0"/>
+              <a:t>2017/13/12</a:t>
+            </a:r>
+            <a:endParaRPr lang="en-US"/>
+          </a:p>
+        </p:txBody>
+      </p:sp>
+      <p:sp>
+        <p:nvSpPr>
+          <p:cNvPr id="5" name="Footer Placeholder 4"/>
+          <p:cNvSpPr>
+            <a:spLocks noGrp="1"/>
+          </p:cNvSpPr>
+          <p:nvPr>
+            <p:ph type="ftr" sz="quarter" idx="11"/>
+          </p:nvPr>
+        </p:nvSpPr>
+        <p:spPr/>
+        <p:txBody>
+          <a:bodyPr/>
+          <a:lstStyle/>
+          <a:p>
+            <a:r>
+              <a:rPr lang="en-US" smtClean="0"/>
+              <a:t>Practical Deep Learning</a:t>
+            </a:r>
+            <a:endParaRPr lang="en-US"/>
+          </a:p>
+        </p:txBody>
+      </p:sp>
+      <p:sp>
+        <p:nvSpPr>
+          <p:cNvPr id="6" name="Slide Number Placeholder 5"/>
+          <p:cNvSpPr>
+            <a:spLocks noGrp="1"/>
+          </p:cNvSpPr>
+          <p:nvPr>
+            <p:ph type="sldNum" sz="quarter" idx="12"/>
+          </p:nvPr>
+        </p:nvSpPr>
+        <p:spPr/>
+        <p:txBody>
+          <a:bodyPr/>
+          <a:lstStyle/>
+          <a:p>
+            <a:fld id="{723BFCA0-EC82-4E35-82BE-148B7D6B5EEE}" type="slidenum">
+              <a:rPr lang="en-US" smtClean="0"/>
+              <a:t>‹#›</a:t>
+            </a:fld>
+            <a:endParaRPr lang="en-US"/>
+          </a:p>
+        </p:txBody>
+      </p:sp>
+    </p:spTree>
+    <p:extLst>
+      <p:ext uri="{BB962C8B-B14F-4D97-AF65-F5344CB8AC3E}">
+        <p14:creationId xmlns:p14="http://schemas.microsoft.com/office/powerpoint/2010/main" val="2570160548"/>
+      </p:ext>
+    </p:extLst>
+  </p:cSld>
+  <p:clrMapOvr>
+    <a:masterClrMapping/>
+  </p:clrMapOvr>
+</p:sldLayout>
+</file>
+
+<file path=ppt/slideLayouts/slideLayout41.xml><?xml version="1.0" encoding="utf-8"?>
 <p:sldLayout xmlns:a="http://schemas.openxmlformats.org/drawingml/2006/main" xmlns:r="http://schemas.openxmlformats.org/officeDocument/2006/relationships" xmlns:p="http://schemas.openxmlformats.org/presentationml/2006/main" type="secHead" preserve="1">
   <p:cSld name="Section Header">
     <p:spTree>
@@ -7745,7 +7952,7 @@
 </p:sldLayout>
 </file>
 
-<file path=ppt/slideLayouts/slideLayout41.xml><?xml version="1.0" encoding="utf-8"?>
+<file path=ppt/slideLayouts/slideLayout42.xml><?xml version="1.0" encoding="utf-8"?>
 <p:sldLayout xmlns:a="http://schemas.openxmlformats.org/drawingml/2006/main" xmlns:r="http://schemas.openxmlformats.org/officeDocument/2006/relationships" xmlns:p="http://schemas.openxmlformats.org/presentationml/2006/main" type="twoObj" preserve="1">
   <p:cSld name="Two Content">
     <p:spTree>
@@ -8037,7 +8244,7 @@
 </p:sldLayout>
 </file>
 
-<file path=ppt/slideLayouts/slideLayout42.xml><?xml version="1.0" encoding="utf-8"?>
+<file path=ppt/slideLayouts/slideLayout43.xml><?xml version="1.0" encoding="utf-8"?>
 <p:sldLayout xmlns:a="http://schemas.openxmlformats.org/drawingml/2006/main" xmlns:r="http://schemas.openxmlformats.org/officeDocument/2006/relationships" xmlns:p="http://schemas.openxmlformats.org/presentationml/2006/main" type="twoTxTwoObj" preserve="1">
   <p:cSld name="Comparison">
     <p:spTree>
@@ -8463,7 +8670,7 @@
 </p:sldLayout>
 </file>
 
-<file path=ppt/slideLayouts/slideLayout43.xml><?xml version="1.0" encoding="utf-8"?>
+<file path=ppt/slideLayouts/slideLayout44.xml><?xml version="1.0" encoding="utf-8"?>
 <p:sldLayout xmlns:a="http://schemas.openxmlformats.org/drawingml/2006/main" xmlns:r="http://schemas.openxmlformats.org/officeDocument/2006/relationships" xmlns:p="http://schemas.openxmlformats.org/presentationml/2006/main" type="titleOnly" preserve="1">
   <p:cSld name="Title Only">
     <p:spTree>
@@ -8585,7 +8792,7 @@
 </p:sldLayout>
 </file>
 
-<file path=ppt/slideLayouts/slideLayout44.xml><?xml version="1.0" encoding="utf-8"?>
+<file path=ppt/slideLayouts/slideLayout45.xml><?xml version="1.0" encoding="utf-8"?>
 <p:sldLayout xmlns:a="http://schemas.openxmlformats.org/drawingml/2006/main" xmlns:r="http://schemas.openxmlformats.org/officeDocument/2006/relationships" xmlns:p="http://schemas.openxmlformats.org/presentationml/2006/main" type="blank" preserve="1">
   <p:cSld name="Blank">
     <p:spTree>
@@ -8684,7 +8891,7 @@
 </p:sldLayout>
 </file>
 
-<file path=ppt/slideLayouts/slideLayout45.xml><?xml version="1.0" encoding="utf-8"?>
+<file path=ppt/slideLayouts/slideLayout46.xml><?xml version="1.0" encoding="utf-8"?>
 <p:sldLayout xmlns:a="http://schemas.openxmlformats.org/drawingml/2006/main" xmlns:r="http://schemas.openxmlformats.org/officeDocument/2006/relationships" xmlns:p="http://schemas.openxmlformats.org/presentationml/2006/main" type="objTx" preserve="1">
   <p:cSld name="Content with Caption">
     <p:spTree>
@@ -8965,7 +9172,7 @@
 </p:sldLayout>
 </file>
 
-<file path=ppt/slideLayouts/slideLayout46.xml><?xml version="1.0" encoding="utf-8"?>
+<file path=ppt/slideLayouts/slideLayout47.xml><?xml version="1.0" encoding="utf-8"?>
 <p:sldLayout xmlns:a="http://schemas.openxmlformats.org/drawingml/2006/main" xmlns:r="http://schemas.openxmlformats.org/officeDocument/2006/relationships" xmlns:p="http://schemas.openxmlformats.org/presentationml/2006/main" type="picTx" preserve="1">
   <p:cSld name="Picture with Caption">
     <p:spTree>
@@ -9222,7 +9429,7 @@
 </p:sldLayout>
 </file>
 
-<file path=ppt/slideLayouts/slideLayout47.xml><?xml version="1.0" encoding="utf-8"?>
+<file path=ppt/slideLayouts/slideLayout48.xml><?xml version="1.0" encoding="utf-8"?>
 <p:sldLayout xmlns:a="http://schemas.openxmlformats.org/drawingml/2006/main" xmlns:r="http://schemas.openxmlformats.org/officeDocument/2006/relationships" xmlns:p="http://schemas.openxmlformats.org/presentationml/2006/main" type="vertTx" preserve="1">
   <p:cSld name="Title and Vertical Text">
     <p:spTree>
@@ -9396,7 +9603,7 @@
 </p:sldLayout>
 </file>
 
-<file path=ppt/slideLayouts/slideLayout48.xml><?xml version="1.0" encoding="utf-8"?>
+<file path=ppt/slideLayouts/slideLayout49.xml><?xml version="1.0" encoding="utf-8"?>
 <p:sldLayout xmlns:a="http://schemas.openxmlformats.org/drawingml/2006/main" xmlns:r="http://schemas.openxmlformats.org/officeDocument/2006/relationships" xmlns:p="http://schemas.openxmlformats.org/presentationml/2006/main" type="vertTitleAndTx" preserve="1">
   <p:cSld name="Vertical Title and Text">
     <p:spTree>
@@ -12332,7 +12539,7 @@
           </a:ln>
           <a:extLst>
             <a:ext uri="{C572A759-6A51-4108-AA02-DFA0A04FC94B}">
-              <ma14:wrappingTextBoxFlag xmlns:ma14="http://schemas.microsoft.com/office/mac/drawingml/2011/main" xmlns="" val="1"/>
+              <ma14:wrappingTextBoxFlag xmlns="" xmlns:ma14="http://schemas.microsoft.com/office/mac/drawingml/2011/main" val="1"/>
             </a:ext>
           </a:extLst>
         </p:spPr>
@@ -12371,7 +12578,7 @@
           </a:ln>
           <a:extLst>
             <a:ext uri="{C572A759-6A51-4108-AA02-DFA0A04FC94B}">
-              <ma14:wrappingTextBoxFlag xmlns:ma14="http://schemas.microsoft.com/office/mac/drawingml/2011/main" xmlns="" val="1"/>
+              <ma14:wrappingTextBoxFlag xmlns="" xmlns:ma14="http://schemas.microsoft.com/office/mac/drawingml/2011/main" val="1"/>
             </a:ext>
           </a:extLst>
         </p:spPr>
@@ -12471,6 +12678,7 @@
     <p:sldLayoutId id="2147483729" r:id="rId10"/>
     <p:sldLayoutId id="2147483730" r:id="rId11"/>
     <p:sldLayoutId id="2147483731" r:id="rId12"/>
+    <p:sldLayoutId id="2147483732" r:id="rId13"/>
   </p:sldLayoutIdLst>
   <p:transition spd="med"/>
   <p:hf hdr="0"/>
@@ -13867,7 +14075,7 @@
           </a:ln>
           <a:extLst>
             <a:ext uri="{C572A759-6A51-4108-AA02-DFA0A04FC94B}">
-              <ma14:wrappingTextBoxFlag xmlns:ma14="http://schemas.microsoft.com/office/mac/drawingml/2011/main" xmlns="" val="1"/>
+              <ma14:wrappingTextBoxFlag xmlns="" xmlns:ma14="http://schemas.microsoft.com/office/mac/drawingml/2011/main" val="1"/>
             </a:ext>
           </a:extLst>
         </p:spPr>
@@ -13930,7 +14138,7 @@
           </a:effectLst>
           <a:extLst>
             <a:ext uri="{C572A759-6A51-4108-AA02-DFA0A04FC94B}">
-              <ma14:wrappingTextBoxFlag xmlns:ma14="http://schemas.microsoft.com/office/mac/drawingml/2011/main" xmlns="" val="1"/>
+              <ma14:wrappingTextBoxFlag xmlns="" xmlns:ma14="http://schemas.microsoft.com/office/mac/drawingml/2011/main" val="1"/>
             </a:ext>
           </a:extLst>
         </p:spPr>
@@ -14000,7 +14208,7 @@
           </a:ln>
           <a:extLst>
             <a:ext uri="{C572A759-6A51-4108-AA02-DFA0A04FC94B}">
-              <ma14:wrappingTextBoxFlag xmlns:ma14="http://schemas.microsoft.com/office/mac/drawingml/2011/main" xmlns="" val="1"/>
+              <ma14:wrappingTextBoxFlag xmlns="" xmlns:ma14="http://schemas.microsoft.com/office/mac/drawingml/2011/main" val="1"/>
             </a:ext>
           </a:extLst>
         </p:spPr>
@@ -14062,7 +14270,7 @@
           </a:ln>
           <a:extLst>
             <a:ext uri="{C572A759-6A51-4108-AA02-DFA0A04FC94B}">
-              <ma14:wrappingTextBoxFlag xmlns:ma14="http://schemas.microsoft.com/office/mac/drawingml/2011/main" xmlns="" val="1"/>
+              <ma14:wrappingTextBoxFlag xmlns="" xmlns:ma14="http://schemas.microsoft.com/office/mac/drawingml/2011/main" val="1"/>
             </a:ext>
           </a:extLst>
         </p:spPr>
@@ -14140,7 +14348,7 @@
           <a:p>
             <a:r>
               <a:rPr lang="en-US" dirty="0" smtClean="0"/>
-              <a:t>Second, we need to reduce that error</a:t>
+              <a:t>A deep neural network </a:t>
             </a:r>
             <a:endParaRPr lang="en-US" dirty="0"/>
           </a:p>
@@ -14188,6 +14396,524 @@
               <a:rPr lang="de-DE" smtClean="0"/>
               <a:pPr/>
               <a:t>10</a:t>
+            </a:fld>
+            <a:endParaRPr lang="de-DE"/>
+          </a:p>
+        </p:txBody>
+      </p:sp>
+      <p:sp>
+        <p:nvSpPr>
+          <p:cNvPr id="5" name="Date Placeholder 4"/>
+          <p:cNvSpPr>
+            <a:spLocks noGrp="1"/>
+          </p:cNvSpPr>
+          <p:nvPr>
+            <p:ph type="dt" sz="half" idx="12"/>
+          </p:nvPr>
+        </p:nvSpPr>
+        <p:spPr/>
+        <p:txBody>
+          <a:bodyPr/>
+          <a:lstStyle/>
+          <a:p>
+            <a:r>
+              <a:rPr lang="en-US" smtClean="0"/>
+              <a:t>2017/13/12</a:t>
+            </a:r>
+            <a:endParaRPr lang="en-US"/>
+          </a:p>
+        </p:txBody>
+      </p:sp>
+      <p:sp>
+        <p:nvSpPr>
+          <p:cNvPr id="11" name="TextBox 10"/>
+          <p:cNvSpPr txBox="1"/>
+          <p:nvPr/>
+        </p:nvSpPr>
+        <p:spPr>
+          <a:xfrm>
+            <a:off x="916806" y="4017844"/>
+            <a:ext cx="2983216" cy="123111"/>
+          </a:xfrm>
+          <a:prstGeom prst="rect">
+            <a:avLst/>
+          </a:prstGeom>
+          <a:noFill/>
+        </p:spPr>
+        <p:txBody>
+          <a:bodyPr wrap="square" lIns="0" tIns="0" rIns="0" bIns="0" rtlCol="0">
+            <a:spAutoFit/>
+          </a:bodyPr>
+          <a:lstStyle/>
+          <a:p>
+            <a:r>
+              <a:rPr lang="en-US" sz="800" dirty="0"/>
+              <a:t>Source: </a:t>
+            </a:r>
+            <a:r>
+              <a:rPr lang="en-US" sz="800" dirty="0" err="1" smtClean="0"/>
+              <a:t>Stergiou</a:t>
+            </a:r>
+            <a:r>
+              <a:rPr lang="en-US" sz="800" dirty="0" smtClean="0"/>
+              <a:t> &amp; </a:t>
+            </a:r>
+            <a:r>
+              <a:rPr lang="en-US" sz="800" dirty="0" err="1" smtClean="0"/>
+              <a:t>Siganos</a:t>
+            </a:r>
+            <a:r>
+              <a:rPr lang="en-US" sz="800" dirty="0" smtClean="0"/>
+              <a:t>, Artificial Neurons</a:t>
+            </a:r>
+          </a:p>
+        </p:txBody>
+      </p:sp>
+      <p:pic>
+        <p:nvPicPr>
+          <p:cNvPr id="7" name="Picture 6"/>
+          <p:cNvPicPr>
+            <a:picLocks noChangeAspect="1"/>
+          </p:cNvPicPr>
+          <p:nvPr/>
+        </p:nvPicPr>
+        <p:blipFill>
+          <a:blip r:embed="rId2">
+            <a:extLst>
+              <a:ext uri="{28A0092B-C50C-407E-A947-70E740481C1C}">
+                <a14:useLocalDpi xmlns:a14="http://schemas.microsoft.com/office/drawing/2010/main" val="0"/>
+              </a:ext>
+            </a:extLst>
+          </a:blip>
+          <a:stretch>
+            <a:fillRect/>
+          </a:stretch>
+        </p:blipFill>
+        <p:spPr>
+          <a:xfrm>
+            <a:off x="627233" y="1068609"/>
+            <a:ext cx="4497768" cy="2825111"/>
+          </a:xfrm>
+          <a:prstGeom prst="rect">
+            <a:avLst/>
+          </a:prstGeom>
+        </p:spPr>
+      </p:pic>
+    </p:spTree>
+    <p:extLst>
+      <p:ext uri="{BB962C8B-B14F-4D97-AF65-F5344CB8AC3E}">
+        <p14:creationId xmlns:p14="http://schemas.microsoft.com/office/powerpoint/2010/main" val="2370443966"/>
+      </p:ext>
+    </p:extLst>
+  </p:cSld>
+  <p:clrMapOvr>
+    <a:masterClrMapping/>
+  </p:clrMapOvr>
+  <p:timing>
+    <p:tnLst>
+      <p:par>
+        <p:cTn id="1" dur="indefinite" restart="never" nodeType="tmRoot"/>
+      </p:par>
+    </p:tnLst>
+  </p:timing>
+</p:sld>
+</file>
+
+<file path=ppt/slides/slide11.xml><?xml version="1.0" encoding="utf-8"?>
+<p:sld xmlns:a="http://schemas.openxmlformats.org/drawingml/2006/main" xmlns:r="http://schemas.openxmlformats.org/officeDocument/2006/relationships" xmlns:p="http://schemas.openxmlformats.org/presentationml/2006/main">
+  <p:cSld>
+    <p:spTree>
+      <p:nvGrpSpPr>
+        <p:cNvPr id="1" name=""/>
+        <p:cNvGrpSpPr/>
+        <p:nvPr/>
+      </p:nvGrpSpPr>
+      <p:grpSpPr>
+        <a:xfrm>
+          <a:off x="0" y="0"/>
+          <a:ext cx="0" cy="0"/>
+          <a:chOff x="0" y="0"/>
+          <a:chExt cx="0" cy="0"/>
+        </a:xfrm>
+      </p:grpSpPr>
+      <p:sp>
+        <p:nvSpPr>
+          <p:cNvPr id="2" name="Title 1"/>
+          <p:cNvSpPr>
+            <a:spLocks noGrp="1"/>
+          </p:cNvSpPr>
+          <p:nvPr>
+            <p:ph type="title"/>
+          </p:nvPr>
+        </p:nvSpPr>
+        <p:spPr/>
+        <p:txBody>
+          <a:bodyPr/>
+          <a:lstStyle/>
+          <a:p>
+            <a:r>
+              <a:rPr lang="en-US" dirty="0" smtClean="0"/>
+              <a:t>First, we need a loss function</a:t>
+            </a:r>
+            <a:endParaRPr lang="en-US" dirty="0"/>
+          </a:p>
+        </p:txBody>
+      </p:sp>
+      <p:sp>
+        <p:nvSpPr>
+          <p:cNvPr id="3" name="Footer Placeholder 2"/>
+          <p:cNvSpPr>
+            <a:spLocks noGrp="1"/>
+          </p:cNvSpPr>
+          <p:nvPr>
+            <p:ph type="ftr" sz="quarter" idx="10"/>
+          </p:nvPr>
+        </p:nvSpPr>
+        <p:spPr/>
+        <p:txBody>
+          <a:bodyPr/>
+          <a:lstStyle/>
+          <a:p>
+            <a:r>
+              <a:rPr lang="en-US" smtClean="0"/>
+              <a:t>Practical Deep Learning</a:t>
+            </a:r>
+            <a:endParaRPr lang="de-DE"/>
+          </a:p>
+        </p:txBody>
+      </p:sp>
+      <p:sp>
+        <p:nvSpPr>
+          <p:cNvPr id="4" name="Slide Number Placeholder 3"/>
+          <p:cNvSpPr>
+            <a:spLocks noGrp="1"/>
+          </p:cNvSpPr>
+          <p:nvPr>
+            <p:ph type="sldNum" sz="quarter" idx="11"/>
+          </p:nvPr>
+        </p:nvSpPr>
+        <p:spPr/>
+        <p:txBody>
+          <a:bodyPr/>
+          <a:lstStyle/>
+          <a:p>
+            <a:fld id="{CAA1D080-129B-CB43-9B9B-B053798F4C9F}" type="slidenum">
+              <a:rPr lang="de-DE" smtClean="0"/>
+              <a:pPr/>
+              <a:t>11</a:t>
+            </a:fld>
+            <a:endParaRPr lang="de-DE"/>
+          </a:p>
+        </p:txBody>
+      </p:sp>
+      <p:sp>
+        <p:nvSpPr>
+          <p:cNvPr id="5" name="Date Placeholder 4"/>
+          <p:cNvSpPr>
+            <a:spLocks noGrp="1"/>
+          </p:cNvSpPr>
+          <p:nvPr>
+            <p:ph type="dt" sz="half" idx="12"/>
+          </p:nvPr>
+        </p:nvSpPr>
+        <p:spPr/>
+        <p:txBody>
+          <a:bodyPr/>
+          <a:lstStyle/>
+          <a:p>
+            <a:r>
+              <a:rPr lang="en-US" smtClean="0"/>
+              <a:t>2017/13/12</a:t>
+            </a:r>
+            <a:endParaRPr lang="en-US"/>
+          </a:p>
+        </p:txBody>
+      </p:sp>
+      <p:sp>
+        <p:nvSpPr>
+          <p:cNvPr id="6" name="Content Placeholder 5"/>
+          <p:cNvSpPr>
+            <a:spLocks noGrp="1"/>
+          </p:cNvSpPr>
+          <p:nvPr>
+            <p:ph sz="quarter" idx="13"/>
+          </p:nvPr>
+        </p:nvSpPr>
+        <p:spPr/>
+        <p:txBody>
+          <a:bodyPr/>
+          <a:lstStyle/>
+          <a:p>
+            <a:endParaRPr lang="en-US" dirty="0" smtClean="0"/>
+          </a:p>
+          <a:p>
+            <a:endParaRPr lang="en-US" dirty="0" smtClean="0"/>
+          </a:p>
+          <a:p>
+            <a:endParaRPr lang="en-US" dirty="0"/>
+          </a:p>
+          <a:p>
+            <a:r>
+              <a:rPr lang="en-US" dirty="0" smtClean="0"/>
+              <a:t>… that is, a way to quantify our current error.</a:t>
+            </a:r>
+          </a:p>
+          <a:p>
+            <a:endParaRPr lang="en-US" dirty="0" smtClean="0"/>
+          </a:p>
+          <a:p>
+            <a:endParaRPr lang="en-US" dirty="0" smtClean="0"/>
+          </a:p>
+          <a:p>
+            <a:endParaRPr lang="en-US" dirty="0" smtClean="0"/>
+          </a:p>
+          <a:p>
+            <a:endParaRPr lang="en-US" dirty="0" smtClean="0"/>
+          </a:p>
+          <a:p>
+            <a:endParaRPr lang="en-US" dirty="0"/>
+          </a:p>
+          <a:p>
+            <a:endParaRPr lang="en-US" sz="1400" i="1" dirty="0" smtClean="0"/>
+          </a:p>
+          <a:p>
+            <a:r>
+              <a:rPr lang="en-US" sz="1400" i="1" dirty="0" smtClean="0">
+                <a:solidFill>
+                  <a:schemeClr val="accent2"/>
+                </a:solidFill>
+              </a:rPr>
+              <a:t>You said 98% probability it was a cat… but it’s a dog!</a:t>
+            </a:r>
+          </a:p>
+          <a:p>
+            <a:endParaRPr lang="en-US" dirty="0"/>
+          </a:p>
+          <a:p>
+            <a:r>
+              <a:rPr lang="en-US" sz="1400" i="1" dirty="0" smtClean="0">
+                <a:solidFill>
+                  <a:schemeClr val="accent2"/>
+                </a:solidFill>
+              </a:rPr>
+              <a:t>You said sales were </a:t>
+            </a:r>
+            <a:r>
+              <a:rPr lang="en-US" sz="1400" i="1" dirty="0" err="1" smtClean="0">
+                <a:solidFill>
+                  <a:schemeClr val="accent2"/>
+                </a:solidFill>
+              </a:rPr>
+              <a:t>gonna</a:t>
+            </a:r>
+            <a:r>
+              <a:rPr lang="en-US" sz="1400" i="1" dirty="0" smtClean="0">
+                <a:solidFill>
+                  <a:schemeClr val="accent2"/>
+                </a:solidFill>
+              </a:rPr>
+              <a:t> to up by 5%... but really they went down by 0.7%!</a:t>
+            </a:r>
+            <a:endParaRPr lang="en-US" sz="1400" i="1" dirty="0">
+              <a:solidFill>
+                <a:schemeClr val="accent2"/>
+              </a:solidFill>
+            </a:endParaRPr>
+          </a:p>
+        </p:txBody>
+      </p:sp>
+      <p:pic>
+        <p:nvPicPr>
+          <p:cNvPr id="7" name="Picture 6"/>
+          <p:cNvPicPr>
+            <a:picLocks noChangeAspect="1"/>
+          </p:cNvPicPr>
+          <p:nvPr/>
+        </p:nvPicPr>
+        <p:blipFill>
+          <a:blip r:embed="rId2">
+            <a:extLst>
+              <a:ext uri="{28A0092B-C50C-407E-A947-70E740481C1C}">
+                <a14:useLocalDpi xmlns:a14="http://schemas.microsoft.com/office/drawing/2010/main" val="0"/>
+              </a:ext>
+            </a:extLst>
+          </a:blip>
+          <a:stretch>
+            <a:fillRect/>
+          </a:stretch>
+        </p:blipFill>
+        <p:spPr>
+          <a:xfrm>
+            <a:off x="6109855" y="917469"/>
+            <a:ext cx="2569388" cy="1613868"/>
+          </a:xfrm>
+          <a:prstGeom prst="rect">
+            <a:avLst/>
+          </a:prstGeom>
+        </p:spPr>
+      </p:pic>
+      <p:pic>
+        <p:nvPicPr>
+          <p:cNvPr id="8" name="Picture 7"/>
+          <p:cNvPicPr>
+            <a:picLocks noChangeAspect="1"/>
+          </p:cNvPicPr>
+          <p:nvPr/>
+        </p:nvPicPr>
+        <p:blipFill>
+          <a:blip r:embed="rId3">
+            <a:extLst>
+              <a:ext uri="{28A0092B-C50C-407E-A947-70E740481C1C}">
+                <a14:useLocalDpi xmlns:a14="http://schemas.microsoft.com/office/drawing/2010/main" val="0"/>
+              </a:ext>
+            </a:extLst>
+          </a:blip>
+          <a:stretch>
+            <a:fillRect/>
+          </a:stretch>
+        </p:blipFill>
+        <p:spPr>
+          <a:xfrm>
+            <a:off x="6798056" y="2708683"/>
+            <a:ext cx="2189648" cy="851530"/>
+          </a:xfrm>
+          <a:prstGeom prst="rect">
+            <a:avLst/>
+          </a:prstGeom>
+        </p:spPr>
+      </p:pic>
+      <p:pic>
+        <p:nvPicPr>
+          <p:cNvPr id="9" name="Picture 8"/>
+          <p:cNvPicPr>
+            <a:picLocks noChangeAspect="1"/>
+          </p:cNvPicPr>
+          <p:nvPr/>
+        </p:nvPicPr>
+        <p:blipFill>
+          <a:blip r:embed="rId4">
+            <a:extLst>
+              <a:ext uri="{28A0092B-C50C-407E-A947-70E740481C1C}">
+                <a14:useLocalDpi xmlns:a14="http://schemas.microsoft.com/office/drawing/2010/main" val="0"/>
+              </a:ext>
+            </a:extLst>
+          </a:blip>
+          <a:stretch>
+            <a:fillRect/>
+          </a:stretch>
+        </p:blipFill>
+        <p:spPr>
+          <a:xfrm>
+            <a:off x="4875818" y="2358325"/>
+            <a:ext cx="1922238" cy="700717"/>
+          </a:xfrm>
+          <a:prstGeom prst="rect">
+            <a:avLst/>
+          </a:prstGeom>
+        </p:spPr>
+      </p:pic>
+    </p:spTree>
+    <p:extLst>
+      <p:ext uri="{BB962C8B-B14F-4D97-AF65-F5344CB8AC3E}">
+        <p14:creationId xmlns:p14="http://schemas.microsoft.com/office/powerpoint/2010/main" val="3885465388"/>
+      </p:ext>
+    </p:extLst>
+  </p:cSld>
+  <p:clrMapOvr>
+    <a:masterClrMapping/>
+  </p:clrMapOvr>
+  <p:timing>
+    <p:tnLst>
+      <p:par>
+        <p:cTn id="1" dur="indefinite" restart="never" nodeType="tmRoot"/>
+      </p:par>
+    </p:tnLst>
+  </p:timing>
+</p:sld>
+</file>
+
+<file path=ppt/slides/slide12.xml><?xml version="1.0" encoding="utf-8"?>
+<p:sld xmlns:a="http://schemas.openxmlformats.org/drawingml/2006/main" xmlns:r="http://schemas.openxmlformats.org/officeDocument/2006/relationships" xmlns:p="http://schemas.openxmlformats.org/presentationml/2006/main">
+  <p:cSld>
+    <p:spTree>
+      <p:nvGrpSpPr>
+        <p:cNvPr id="1" name=""/>
+        <p:cNvGrpSpPr/>
+        <p:nvPr/>
+      </p:nvGrpSpPr>
+      <p:grpSpPr>
+        <a:xfrm>
+          <a:off x="0" y="0"/>
+          <a:ext cx="0" cy="0"/>
+          <a:chOff x="0" y="0"/>
+          <a:chExt cx="0" cy="0"/>
+        </a:xfrm>
+      </p:grpSpPr>
+      <p:sp>
+        <p:nvSpPr>
+          <p:cNvPr id="2" name="Title 1"/>
+          <p:cNvSpPr>
+            <a:spLocks noGrp="1"/>
+          </p:cNvSpPr>
+          <p:nvPr>
+            <p:ph type="title"/>
+          </p:nvPr>
+        </p:nvSpPr>
+        <p:spPr/>
+        <p:txBody>
+          <a:bodyPr/>
+          <a:lstStyle/>
+          <a:p>
+            <a:r>
+              <a:rPr lang="en-US" dirty="0" smtClean="0"/>
+              <a:t>Second, we need to reduce that error</a:t>
+            </a:r>
+            <a:endParaRPr lang="en-US" dirty="0"/>
+          </a:p>
+        </p:txBody>
+      </p:sp>
+      <p:sp>
+        <p:nvSpPr>
+          <p:cNvPr id="3" name="Footer Placeholder 2"/>
+          <p:cNvSpPr>
+            <a:spLocks noGrp="1"/>
+          </p:cNvSpPr>
+          <p:nvPr>
+            <p:ph type="ftr" sz="quarter" idx="10"/>
+          </p:nvPr>
+        </p:nvSpPr>
+        <p:spPr/>
+        <p:txBody>
+          <a:bodyPr/>
+          <a:lstStyle/>
+          <a:p>
+            <a:r>
+              <a:rPr lang="en-US" smtClean="0"/>
+              <a:t>Practical Deep Learning</a:t>
+            </a:r>
+            <a:endParaRPr lang="de-DE"/>
+          </a:p>
+        </p:txBody>
+      </p:sp>
+      <p:sp>
+        <p:nvSpPr>
+          <p:cNvPr id="4" name="Slide Number Placeholder 3"/>
+          <p:cNvSpPr>
+            <a:spLocks noGrp="1"/>
+          </p:cNvSpPr>
+          <p:nvPr>
+            <p:ph type="sldNum" sz="quarter" idx="11"/>
+          </p:nvPr>
+        </p:nvSpPr>
+        <p:spPr/>
+        <p:txBody>
+          <a:bodyPr/>
+          <a:lstStyle/>
+          <a:p>
+            <a:fld id="{CAA1D080-129B-CB43-9B9B-B053798F4C9F}" type="slidenum">
+              <a:rPr lang="de-DE" smtClean="0"/>
+              <a:pPr/>
+              <a:t>12</a:t>
             </a:fld>
             <a:endParaRPr lang="de-DE"/>
           </a:p>
@@ -14360,7 +15086,7 @@
 </p:sld>
 </file>
 
-<file path=ppt/slides/slide11.xml><?xml version="1.0" encoding="utf-8"?>
+<file path=ppt/slides/slide13.xml><?xml version="1.0" encoding="utf-8"?>
 <p:sld xmlns:a="http://schemas.openxmlformats.org/drawingml/2006/main" xmlns:r="http://schemas.openxmlformats.org/officeDocument/2006/relationships" xmlns:p="http://schemas.openxmlformats.org/presentationml/2006/main">
   <p:cSld>
     <p:spTree>
@@ -14449,7 +15175,7 @@
             <a:fld id="{CAA1D080-129B-CB43-9B9B-B053798F4C9F}" type="slidenum">
               <a:rPr lang="de-DE" smtClean="0"/>
               <a:pPr/>
-              <a:t>11</a:t>
+              <a:t>13</a:t>
             </a:fld>
             <a:endParaRPr lang="de-DE"/>
           </a:p>
@@ -14622,7 +15348,7 @@
 </p:sld>
 </file>
 
-<file path=ppt/slides/slide12.xml><?xml version="1.0" encoding="utf-8"?>
+<file path=ppt/slides/slide14.xml><?xml version="1.0" encoding="utf-8"?>
 <p:sld xmlns:a="http://schemas.openxmlformats.org/drawingml/2006/main" xmlns:r="http://schemas.openxmlformats.org/officeDocument/2006/relationships" xmlns:p="http://schemas.openxmlformats.org/presentationml/2006/main">
   <p:cSld>
     <p:spTree>
@@ -14688,7 +15414,7 @@
               <a:pPr>
                 <a:defRPr/>
               </a:pPr>
-              <a:t>12</a:t>
+              <a:t>14</a:t>
             </a:fld>
             <a:endParaRPr lang="de-DE" dirty="0"/>
           </a:p>
@@ -14860,7 +15586,7 @@
 </p:sld>
 </file>
 
-<file path=ppt/slides/slide13.xml><?xml version="1.0" encoding="utf-8"?>
+<file path=ppt/slides/slide15.xml><?xml version="1.0" encoding="utf-8"?>
 <p:sld xmlns:a="http://schemas.openxmlformats.org/drawingml/2006/main" xmlns:r="http://schemas.openxmlformats.org/officeDocument/2006/relationships" xmlns:p="http://schemas.openxmlformats.org/presentationml/2006/main">
   <p:cSld>
     <p:spTree>
@@ -14941,7 +15667,7 @@
             <a:fld id="{CAA1D080-129B-CB43-9B9B-B053798F4C9F}" type="slidenum">
               <a:rPr lang="de-DE" smtClean="0"/>
               <a:pPr/>
-              <a:t>13</a:t>
+              <a:t>15</a:t>
             </a:fld>
             <a:endParaRPr lang="de-DE"/>
           </a:p>
@@ -15139,7 +15865,7 @@
 </p:sld>
 </file>
 
-<file path=ppt/slides/slide14.xml><?xml version="1.0" encoding="utf-8"?>
+<file path=ppt/slides/slide16.xml><?xml version="1.0" encoding="utf-8"?>
 <p:sld xmlns:a="http://schemas.openxmlformats.org/drawingml/2006/main" xmlns:r="http://schemas.openxmlformats.org/officeDocument/2006/relationships" xmlns:p="http://schemas.openxmlformats.org/presentationml/2006/main">
   <p:cSld>
     <p:spTree>
@@ -15224,7 +15950,7 @@
             <a:fld id="{CAA1D080-129B-CB43-9B9B-B053798F4C9F}" type="slidenum">
               <a:rPr lang="de-DE" smtClean="0"/>
               <a:pPr/>
-              <a:t>14</a:t>
+              <a:t>16</a:t>
             </a:fld>
             <a:endParaRPr lang="de-DE"/>
           </a:p>
@@ -15600,1153 +16326,6 @@
     <p:extLst>
       <p:ext uri="{BB962C8B-B14F-4D97-AF65-F5344CB8AC3E}">
         <p14:creationId xmlns:p14="http://schemas.microsoft.com/office/powerpoint/2010/main" val="3056683690"/>
-      </p:ext>
-    </p:extLst>
-  </p:cSld>
-  <p:clrMapOvr>
-    <a:masterClrMapping/>
-  </p:clrMapOvr>
-</p:sld>
-</file>
-
-<file path=ppt/slides/slide15.xml><?xml version="1.0" encoding="utf-8"?>
-<p:sld xmlns:a="http://schemas.openxmlformats.org/drawingml/2006/main" xmlns:r="http://schemas.openxmlformats.org/officeDocument/2006/relationships" xmlns:p="http://schemas.openxmlformats.org/presentationml/2006/main">
-  <p:cSld>
-    <p:spTree>
-      <p:nvGrpSpPr>
-        <p:cNvPr id="1" name=""/>
-        <p:cNvGrpSpPr/>
-        <p:nvPr/>
-      </p:nvGrpSpPr>
-      <p:grpSpPr>
-        <a:xfrm>
-          <a:off x="0" y="0"/>
-          <a:ext cx="0" cy="0"/>
-          <a:chOff x="0" y="0"/>
-          <a:chExt cx="0" cy="0"/>
-        </a:xfrm>
-      </p:grpSpPr>
-      <p:sp>
-        <p:nvSpPr>
-          <p:cNvPr id="2" name="Title 1"/>
-          <p:cNvSpPr>
-            <a:spLocks noGrp="1"/>
-          </p:cNvSpPr>
-          <p:nvPr>
-            <p:ph type="title"/>
-          </p:nvPr>
-        </p:nvSpPr>
-        <p:spPr/>
-        <p:txBody>
-          <a:bodyPr/>
-          <a:lstStyle/>
-          <a:p>
-            <a:r>
-              <a:rPr lang="en-US" dirty="0" err="1" smtClean="0"/>
-              <a:t>TensorFlow</a:t>
-            </a:r>
-            <a:r>
-              <a:rPr lang="en-US" dirty="0" smtClean="0"/>
-              <a:t>: Google Glamour included</a:t>
-            </a:r>
-            <a:endParaRPr lang="en-US" dirty="0"/>
-          </a:p>
-        </p:txBody>
-      </p:sp>
-      <p:sp>
-        <p:nvSpPr>
-          <p:cNvPr id="3" name="Footer Placeholder 2"/>
-          <p:cNvSpPr>
-            <a:spLocks noGrp="1"/>
-          </p:cNvSpPr>
-          <p:nvPr>
-            <p:ph type="ftr" sz="quarter" idx="10"/>
-          </p:nvPr>
-        </p:nvSpPr>
-        <p:spPr/>
-        <p:txBody>
-          <a:bodyPr/>
-          <a:lstStyle/>
-          <a:p>
-            <a:r>
-              <a:rPr lang="en-US" smtClean="0"/>
-              <a:t>Practical Deep Learning</a:t>
-            </a:r>
-            <a:endParaRPr lang="de-DE"/>
-          </a:p>
-        </p:txBody>
-      </p:sp>
-      <p:sp>
-        <p:nvSpPr>
-          <p:cNvPr id="4" name="Slide Number Placeholder 3"/>
-          <p:cNvSpPr>
-            <a:spLocks noGrp="1"/>
-          </p:cNvSpPr>
-          <p:nvPr>
-            <p:ph type="sldNum" sz="quarter" idx="11"/>
-          </p:nvPr>
-        </p:nvSpPr>
-        <p:spPr/>
-        <p:txBody>
-          <a:bodyPr/>
-          <a:lstStyle/>
-          <a:p>
-            <a:fld id="{CAA1D080-129B-CB43-9B9B-B053798F4C9F}" type="slidenum">
-              <a:rPr lang="de-DE" smtClean="0"/>
-              <a:pPr/>
-              <a:t>15</a:t>
-            </a:fld>
-            <a:endParaRPr lang="de-DE"/>
-          </a:p>
-        </p:txBody>
-      </p:sp>
-      <p:sp>
-        <p:nvSpPr>
-          <p:cNvPr id="5" name="Date Placeholder 4"/>
-          <p:cNvSpPr>
-            <a:spLocks noGrp="1"/>
-          </p:cNvSpPr>
-          <p:nvPr>
-            <p:ph type="dt" sz="half" idx="12"/>
-          </p:nvPr>
-        </p:nvSpPr>
-        <p:spPr/>
-        <p:txBody>
-          <a:bodyPr/>
-          <a:lstStyle/>
-          <a:p>
-            <a:r>
-              <a:rPr lang="en-US" smtClean="0"/>
-              <a:t>2017/13/12</a:t>
-            </a:r>
-            <a:endParaRPr lang="de-DE"/>
-          </a:p>
-        </p:txBody>
-      </p:sp>
-      <p:sp>
-        <p:nvSpPr>
-          <p:cNvPr id="6" name="Content Placeholder 5"/>
-          <p:cNvSpPr>
-            <a:spLocks noGrp="1"/>
-          </p:cNvSpPr>
-          <p:nvPr>
-            <p:ph sz="quarter" idx="13"/>
-          </p:nvPr>
-        </p:nvSpPr>
-        <p:spPr/>
-        <p:txBody>
-          <a:bodyPr/>
-          <a:lstStyle/>
-          <a:p>
-            <a:endParaRPr lang="en-US" dirty="0"/>
-          </a:p>
-          <a:p>
-            <a:pPr marL="285750" indent="-285750">
-              <a:buFontTx/>
-              <a:buChar char="-"/>
-            </a:pPr>
-            <a:r>
-              <a:rPr lang="en-US" dirty="0" smtClean="0"/>
-              <a:t>Probably the best-known deep learning </a:t>
-            </a:r>
-            <a:r>
-              <a:rPr lang="en-US" dirty="0" smtClean="0"/>
-              <a:t>framework outside the DL community</a:t>
-            </a:r>
-            <a:endParaRPr lang="en-US" dirty="0" smtClean="0"/>
-          </a:p>
-          <a:p>
-            <a:pPr marL="285750" indent="-285750">
-              <a:buFontTx/>
-              <a:buChar char="-"/>
-            </a:pPr>
-            <a:r>
-              <a:rPr lang="en-US" dirty="0" smtClean="0"/>
-              <a:t>Originally developed by the Google Brain team</a:t>
-            </a:r>
-          </a:p>
-          <a:p>
-            <a:pPr marL="285750" indent="-285750">
-              <a:buFontTx/>
-              <a:buChar char="-"/>
-            </a:pPr>
-            <a:r>
-              <a:rPr lang="en-US" dirty="0" smtClean="0"/>
-              <a:t>Super-fast release cycle</a:t>
-            </a:r>
-          </a:p>
-          <a:p>
-            <a:pPr marL="285750" indent="-285750">
-              <a:buFontTx/>
-              <a:buChar char="-"/>
-            </a:pPr>
-            <a:r>
-              <a:rPr lang="en-US" dirty="0" smtClean="0"/>
-              <a:t>Core framework not the easiest to use, but </a:t>
-            </a:r>
-            <a:r>
-              <a:rPr lang="en-US" dirty="0" smtClean="0"/>
-              <a:t>comes with several </a:t>
-            </a:r>
-            <a:r>
-              <a:rPr lang="en-US" dirty="0" smtClean="0"/>
-              <a:t>higher-level APIs on top</a:t>
-            </a:r>
-            <a:endParaRPr lang="en-US" dirty="0"/>
-          </a:p>
-          <a:p>
-            <a:pPr marL="285750" indent="-285750">
-              <a:buFontTx/>
-              <a:buChar char="-"/>
-            </a:pPr>
-            <a:endParaRPr lang="en-US" dirty="0"/>
-          </a:p>
-        </p:txBody>
-      </p:sp>
-      <p:sp>
-        <p:nvSpPr>
-          <p:cNvPr id="8" name="TextBox 7"/>
-          <p:cNvSpPr txBox="1"/>
-          <p:nvPr/>
-        </p:nvSpPr>
-        <p:spPr>
-          <a:xfrm>
-            <a:off x="736808" y="2520268"/>
-            <a:ext cx="5633763" cy="2031325"/>
-          </a:xfrm>
-          <a:prstGeom prst="rect">
-            <a:avLst/>
-          </a:prstGeom>
-        </p:spPr>
-        <p:style>
-          <a:lnRef idx="1">
-            <a:schemeClr val="accent1"/>
-          </a:lnRef>
-          <a:fillRef idx="3">
-            <a:schemeClr val="accent1"/>
-          </a:fillRef>
-          <a:effectRef idx="2">
-            <a:schemeClr val="accent1"/>
-          </a:effectRef>
-          <a:fontRef idx="minor">
-            <a:schemeClr val="lt1"/>
-          </a:fontRef>
-        </p:style>
-        <p:txBody>
-          <a:bodyPr wrap="square" lIns="0" tIns="0" rIns="0" bIns="0" rtlCol="0">
-            <a:spAutoFit/>
-          </a:bodyPr>
-          <a:lstStyle/>
-          <a:p>
-            <a:r>
-              <a:rPr lang="en-US" sz="1200" dirty="0">
-                <a:latin typeface="Lucida Sans Typewriter" pitchFamily="49" charset="0"/>
-              </a:rPr>
-              <a:t>W = </a:t>
-            </a:r>
-            <a:r>
-              <a:rPr lang="en-US" sz="1200" dirty="0" err="1">
-                <a:latin typeface="Lucida Sans Typewriter" pitchFamily="49" charset="0"/>
-              </a:rPr>
-              <a:t>tf.Variable</a:t>
-            </a:r>
-            <a:r>
-              <a:rPr lang="en-US" sz="1200" dirty="0">
-                <a:latin typeface="Lucida Sans Typewriter" pitchFamily="49" charset="0"/>
-              </a:rPr>
-              <a:t>([.3], </a:t>
-            </a:r>
-            <a:r>
-              <a:rPr lang="en-US" sz="1200" dirty="0" err="1">
-                <a:latin typeface="Lucida Sans Typewriter" pitchFamily="49" charset="0"/>
-              </a:rPr>
-              <a:t>dtype</a:t>
-            </a:r>
-            <a:r>
-              <a:rPr lang="en-US" sz="1200" dirty="0">
-                <a:latin typeface="Lucida Sans Typewriter" pitchFamily="49" charset="0"/>
-              </a:rPr>
-              <a:t>=tf.float32)</a:t>
-            </a:r>
-            <a:br>
-              <a:rPr lang="en-US" sz="1200" dirty="0">
-                <a:latin typeface="Lucida Sans Typewriter" pitchFamily="49" charset="0"/>
-              </a:rPr>
-            </a:br>
-            <a:r>
-              <a:rPr lang="en-US" sz="1200" dirty="0">
-                <a:latin typeface="Lucida Sans Typewriter" pitchFamily="49" charset="0"/>
-              </a:rPr>
-              <a:t>b = </a:t>
-            </a:r>
-            <a:r>
-              <a:rPr lang="en-US" sz="1200" dirty="0" err="1">
-                <a:latin typeface="Lucida Sans Typewriter" pitchFamily="49" charset="0"/>
-              </a:rPr>
-              <a:t>tf.Variable</a:t>
-            </a:r>
-            <a:r>
-              <a:rPr lang="en-US" sz="1200" dirty="0">
-                <a:latin typeface="Lucida Sans Typewriter" pitchFamily="49" charset="0"/>
-              </a:rPr>
-              <a:t>([-.3], </a:t>
-            </a:r>
-            <a:r>
-              <a:rPr lang="en-US" sz="1200" dirty="0" err="1">
-                <a:latin typeface="Lucida Sans Typewriter" pitchFamily="49" charset="0"/>
-              </a:rPr>
-              <a:t>dtype</a:t>
-            </a:r>
-            <a:r>
-              <a:rPr lang="en-US" sz="1200" dirty="0">
-                <a:latin typeface="Lucida Sans Typewriter" pitchFamily="49" charset="0"/>
-              </a:rPr>
-              <a:t>=tf.float32)</a:t>
-            </a:r>
-            <a:br>
-              <a:rPr lang="en-US" sz="1200" dirty="0">
-                <a:latin typeface="Lucida Sans Typewriter" pitchFamily="49" charset="0"/>
-              </a:rPr>
-            </a:br>
-            <a:r>
-              <a:rPr lang="en-US" sz="1200" dirty="0">
-                <a:latin typeface="Lucida Sans Typewriter" pitchFamily="49" charset="0"/>
-              </a:rPr>
-              <a:t>x = </a:t>
-            </a:r>
-            <a:r>
-              <a:rPr lang="en-US" sz="1200" dirty="0" err="1">
-                <a:latin typeface="Lucida Sans Typewriter" pitchFamily="49" charset="0"/>
-              </a:rPr>
-              <a:t>tf.placeholder</a:t>
-            </a:r>
-            <a:r>
-              <a:rPr lang="en-US" sz="1200" dirty="0">
-                <a:latin typeface="Lucida Sans Typewriter" pitchFamily="49" charset="0"/>
-              </a:rPr>
-              <a:t>(tf.float32)</a:t>
-            </a:r>
-            <a:br>
-              <a:rPr lang="en-US" sz="1200" dirty="0">
-                <a:latin typeface="Lucida Sans Typewriter" pitchFamily="49" charset="0"/>
-              </a:rPr>
-            </a:br>
-            <a:r>
-              <a:rPr lang="en-US" sz="1200" dirty="0" err="1">
-                <a:latin typeface="Lucida Sans Typewriter" pitchFamily="49" charset="0"/>
-              </a:rPr>
-              <a:t>linear_model</a:t>
-            </a:r>
-            <a:r>
-              <a:rPr lang="en-US" sz="1200" dirty="0">
-                <a:latin typeface="Lucida Sans Typewriter" pitchFamily="49" charset="0"/>
-              </a:rPr>
-              <a:t> = W*x + b </a:t>
-            </a:r>
-            <a:endParaRPr lang="en-US" sz="1200" dirty="0" smtClean="0">
-              <a:latin typeface="Lucida Sans Typewriter" pitchFamily="49" charset="0"/>
-            </a:endParaRPr>
-          </a:p>
-          <a:p>
-            <a:r>
-              <a:rPr lang="en-US" sz="1200" dirty="0" smtClean="0">
-                <a:latin typeface="Lucida Sans Typewriter" pitchFamily="49" charset="0"/>
-              </a:rPr>
-              <a:t>y </a:t>
-            </a:r>
-            <a:r>
-              <a:rPr lang="en-US" sz="1200" dirty="0">
-                <a:latin typeface="Lucida Sans Typewriter" pitchFamily="49" charset="0"/>
-              </a:rPr>
-              <a:t>= </a:t>
-            </a:r>
-            <a:r>
-              <a:rPr lang="en-US" sz="1200" dirty="0" err="1">
-                <a:latin typeface="Lucida Sans Typewriter" pitchFamily="49" charset="0"/>
-              </a:rPr>
-              <a:t>tf.placeholder</a:t>
-            </a:r>
-            <a:r>
-              <a:rPr lang="en-US" sz="1200" dirty="0">
-                <a:latin typeface="Lucida Sans Typewriter" pitchFamily="49" charset="0"/>
-              </a:rPr>
-              <a:t>(tf.float32)</a:t>
-            </a:r>
-            <a:br>
-              <a:rPr lang="en-US" sz="1200" dirty="0">
-                <a:latin typeface="Lucida Sans Typewriter" pitchFamily="49" charset="0"/>
-              </a:rPr>
-            </a:br>
-            <a:r>
-              <a:rPr lang="en-US" sz="1200" dirty="0" err="1">
-                <a:latin typeface="Lucida Sans Typewriter" pitchFamily="49" charset="0"/>
-              </a:rPr>
-              <a:t>squared_deltas</a:t>
-            </a:r>
-            <a:r>
-              <a:rPr lang="en-US" sz="1200" dirty="0">
-                <a:latin typeface="Lucida Sans Typewriter" pitchFamily="49" charset="0"/>
-              </a:rPr>
-              <a:t> = </a:t>
-            </a:r>
-            <a:r>
-              <a:rPr lang="en-US" sz="1200" dirty="0" err="1">
-                <a:latin typeface="Lucida Sans Typewriter" pitchFamily="49" charset="0"/>
-              </a:rPr>
-              <a:t>tf.square</a:t>
-            </a:r>
-            <a:r>
-              <a:rPr lang="en-US" sz="1200" dirty="0">
-                <a:latin typeface="Lucida Sans Typewriter" pitchFamily="49" charset="0"/>
-              </a:rPr>
-              <a:t>(</a:t>
-            </a:r>
-            <a:r>
-              <a:rPr lang="en-US" sz="1200" dirty="0" err="1">
-                <a:latin typeface="Lucida Sans Typewriter" pitchFamily="49" charset="0"/>
-              </a:rPr>
-              <a:t>linear_model</a:t>
-            </a:r>
-            <a:r>
-              <a:rPr lang="en-US" sz="1200" dirty="0">
-                <a:latin typeface="Lucida Sans Typewriter" pitchFamily="49" charset="0"/>
-              </a:rPr>
-              <a:t> - y)</a:t>
-            </a:r>
-            <a:br>
-              <a:rPr lang="en-US" sz="1200" dirty="0">
-                <a:latin typeface="Lucida Sans Typewriter" pitchFamily="49" charset="0"/>
-              </a:rPr>
-            </a:br>
-            <a:r>
-              <a:rPr lang="en-US" sz="1200" dirty="0">
-                <a:latin typeface="Lucida Sans Typewriter" pitchFamily="49" charset="0"/>
-              </a:rPr>
-              <a:t>loss = </a:t>
-            </a:r>
-            <a:r>
-              <a:rPr lang="en-US" sz="1200" dirty="0" err="1">
-                <a:latin typeface="Lucida Sans Typewriter" pitchFamily="49" charset="0"/>
-              </a:rPr>
-              <a:t>tf.reduce_sum</a:t>
-            </a:r>
-            <a:r>
-              <a:rPr lang="en-US" sz="1200" dirty="0">
-                <a:latin typeface="Lucida Sans Typewriter" pitchFamily="49" charset="0"/>
-              </a:rPr>
-              <a:t>(</a:t>
-            </a:r>
-            <a:r>
-              <a:rPr lang="en-US" sz="1200" dirty="0" err="1">
-                <a:latin typeface="Lucida Sans Typewriter" pitchFamily="49" charset="0"/>
-              </a:rPr>
-              <a:t>squared_deltas</a:t>
-            </a:r>
-            <a:r>
-              <a:rPr lang="en-US" sz="1200" dirty="0" smtClean="0">
-                <a:latin typeface="Lucida Sans Typewriter" pitchFamily="49" charset="0"/>
-              </a:rPr>
-              <a:t>)</a:t>
-            </a:r>
-          </a:p>
-          <a:p>
-            <a:r>
-              <a:rPr lang="en-US" sz="1200" dirty="0" err="1">
-                <a:latin typeface="Lucida Sans Typewriter" pitchFamily="49" charset="0"/>
-              </a:rPr>
-              <a:t>init</a:t>
-            </a:r>
-            <a:r>
-              <a:rPr lang="en-US" sz="1200" dirty="0">
-                <a:latin typeface="Lucida Sans Typewriter" pitchFamily="49" charset="0"/>
-              </a:rPr>
-              <a:t> = </a:t>
-            </a:r>
-            <a:r>
-              <a:rPr lang="en-US" sz="1200" dirty="0" err="1">
-                <a:latin typeface="Lucida Sans Typewriter" pitchFamily="49" charset="0"/>
-              </a:rPr>
-              <a:t>tf.global_variables_initializer</a:t>
-            </a:r>
-            <a:r>
-              <a:rPr lang="en-US" sz="1200" dirty="0">
-                <a:latin typeface="Lucida Sans Typewriter" pitchFamily="49" charset="0"/>
-              </a:rPr>
-              <a:t>()</a:t>
-            </a:r>
-            <a:br>
-              <a:rPr lang="en-US" sz="1200" dirty="0">
-                <a:latin typeface="Lucida Sans Typewriter" pitchFamily="49" charset="0"/>
-              </a:rPr>
-            </a:br>
-            <a:r>
-              <a:rPr lang="en-US" sz="1200" dirty="0" err="1">
-                <a:latin typeface="Lucida Sans Typewriter" pitchFamily="49" charset="0"/>
-              </a:rPr>
-              <a:t>sess</a:t>
-            </a:r>
-            <a:r>
-              <a:rPr lang="en-US" sz="1200" dirty="0">
-                <a:latin typeface="Lucida Sans Typewriter" pitchFamily="49" charset="0"/>
-              </a:rPr>
-              <a:t> = </a:t>
-            </a:r>
-            <a:r>
-              <a:rPr lang="en-US" sz="1200" dirty="0" err="1">
-                <a:latin typeface="Lucida Sans Typewriter" pitchFamily="49" charset="0"/>
-              </a:rPr>
-              <a:t>tf.Session</a:t>
-            </a:r>
-            <a:r>
-              <a:rPr lang="en-US" sz="1200" dirty="0">
-                <a:latin typeface="Lucida Sans Typewriter" pitchFamily="49" charset="0"/>
-              </a:rPr>
-              <a:t>()</a:t>
-            </a:r>
-            <a:r>
-              <a:rPr lang="en-US" sz="1200" dirty="0"/>
-              <a:t/>
-            </a:r>
-            <a:br>
-              <a:rPr lang="en-US" sz="1200" dirty="0"/>
-            </a:br>
-            <a:r>
-              <a:rPr lang="en-US" sz="1200" dirty="0" err="1" smtClean="0">
-                <a:latin typeface="Lucida Sans Typewriter" pitchFamily="49" charset="0"/>
-              </a:rPr>
-              <a:t>sess.run</a:t>
-            </a:r>
-            <a:r>
-              <a:rPr lang="en-US" sz="1200" dirty="0" smtClean="0">
-                <a:latin typeface="Lucida Sans Typewriter" pitchFamily="49" charset="0"/>
-              </a:rPr>
-              <a:t>(</a:t>
-            </a:r>
-            <a:r>
-              <a:rPr lang="en-US" sz="1200" dirty="0" err="1" smtClean="0">
-                <a:latin typeface="Lucida Sans Typewriter" pitchFamily="49" charset="0"/>
-              </a:rPr>
-              <a:t>init</a:t>
-            </a:r>
-            <a:r>
-              <a:rPr lang="en-US" sz="1200" dirty="0">
-                <a:latin typeface="Lucida Sans Typewriter" pitchFamily="49" charset="0"/>
-              </a:rPr>
-              <a:t>)</a:t>
-            </a:r>
-          </a:p>
-          <a:p>
-            <a:r>
-              <a:rPr lang="en-US" sz="1200" dirty="0" smtClean="0">
-                <a:latin typeface="Lucida Sans Typewriter" pitchFamily="49" charset="0"/>
-              </a:rPr>
-              <a:t>print(</a:t>
-            </a:r>
-            <a:r>
-              <a:rPr lang="en-US" sz="1200" dirty="0" err="1" smtClean="0">
-                <a:latin typeface="Lucida Sans Typewriter" pitchFamily="49" charset="0"/>
-              </a:rPr>
-              <a:t>sess.run</a:t>
-            </a:r>
-            <a:r>
-              <a:rPr lang="en-US" sz="1200" dirty="0" smtClean="0">
-                <a:latin typeface="Lucida Sans Typewriter" pitchFamily="49" charset="0"/>
-              </a:rPr>
-              <a:t>(loss</a:t>
-            </a:r>
-            <a:r>
-              <a:rPr lang="en-US" sz="1200" dirty="0">
-                <a:latin typeface="Lucida Sans Typewriter" pitchFamily="49" charset="0"/>
-              </a:rPr>
-              <a:t>, {x: [1, 2, 3, 4], y: [0, -1, -2, -3</a:t>
-            </a:r>
-            <a:r>
-              <a:rPr lang="en-US" sz="1200" dirty="0" smtClean="0">
-                <a:latin typeface="Lucida Sans Typewriter" pitchFamily="49" charset="0"/>
-              </a:rPr>
-              <a:t>]}))</a:t>
-            </a:r>
-          </a:p>
-        </p:txBody>
-      </p:sp>
-    </p:spTree>
-    <p:extLst>
-      <p:ext uri="{BB962C8B-B14F-4D97-AF65-F5344CB8AC3E}">
-        <p14:creationId xmlns:p14="http://schemas.microsoft.com/office/powerpoint/2010/main" val="3502455836"/>
-      </p:ext>
-    </p:extLst>
-  </p:cSld>
-  <p:clrMapOvr>
-    <a:masterClrMapping/>
-  </p:clrMapOvr>
-</p:sld>
-</file>
-
-<file path=ppt/slides/slide16.xml><?xml version="1.0" encoding="utf-8"?>
-<p:sld xmlns:a="http://schemas.openxmlformats.org/drawingml/2006/main" xmlns:r="http://schemas.openxmlformats.org/officeDocument/2006/relationships" xmlns:p="http://schemas.openxmlformats.org/presentationml/2006/main">
-  <p:cSld>
-    <p:spTree>
-      <p:nvGrpSpPr>
-        <p:cNvPr id="1" name=""/>
-        <p:cNvGrpSpPr/>
-        <p:nvPr/>
-      </p:nvGrpSpPr>
-      <p:grpSpPr>
-        <a:xfrm>
-          <a:off x="0" y="0"/>
-          <a:ext cx="0" cy="0"/>
-          <a:chOff x="0" y="0"/>
-          <a:chExt cx="0" cy="0"/>
-        </a:xfrm>
-      </p:grpSpPr>
-      <p:sp>
-        <p:nvSpPr>
-          <p:cNvPr id="2" name="Title 1"/>
-          <p:cNvSpPr>
-            <a:spLocks noGrp="1"/>
-          </p:cNvSpPr>
-          <p:nvPr>
-            <p:ph type="title"/>
-          </p:nvPr>
-        </p:nvSpPr>
-        <p:spPr/>
-        <p:txBody>
-          <a:bodyPr/>
-          <a:lstStyle/>
-          <a:p>
-            <a:r>
-              <a:rPr lang="en-US" dirty="0" err="1" smtClean="0"/>
-              <a:t>PyTorch</a:t>
-            </a:r>
-            <a:r>
-              <a:rPr lang="en-US" dirty="0" smtClean="0"/>
-              <a:t>: Dynamical neural networks with Python</a:t>
-            </a:r>
-            <a:endParaRPr lang="en-US" dirty="0"/>
-          </a:p>
-        </p:txBody>
-      </p:sp>
-      <p:sp>
-        <p:nvSpPr>
-          <p:cNvPr id="3" name="Footer Placeholder 2"/>
-          <p:cNvSpPr>
-            <a:spLocks noGrp="1"/>
-          </p:cNvSpPr>
-          <p:nvPr>
-            <p:ph type="ftr" sz="quarter" idx="10"/>
-          </p:nvPr>
-        </p:nvSpPr>
-        <p:spPr/>
-        <p:txBody>
-          <a:bodyPr/>
-          <a:lstStyle/>
-          <a:p>
-            <a:r>
-              <a:rPr lang="en-US" smtClean="0"/>
-              <a:t>Practical Deep Learning</a:t>
-            </a:r>
-            <a:endParaRPr lang="de-DE"/>
-          </a:p>
-        </p:txBody>
-      </p:sp>
-      <p:sp>
-        <p:nvSpPr>
-          <p:cNvPr id="4" name="Slide Number Placeholder 3"/>
-          <p:cNvSpPr>
-            <a:spLocks noGrp="1"/>
-          </p:cNvSpPr>
-          <p:nvPr>
-            <p:ph type="sldNum" sz="quarter" idx="11"/>
-          </p:nvPr>
-        </p:nvSpPr>
-        <p:spPr/>
-        <p:txBody>
-          <a:bodyPr/>
-          <a:lstStyle/>
-          <a:p>
-            <a:fld id="{CAA1D080-129B-CB43-9B9B-B053798F4C9F}" type="slidenum">
-              <a:rPr lang="de-DE" smtClean="0"/>
-              <a:pPr/>
-              <a:t>16</a:t>
-            </a:fld>
-            <a:endParaRPr lang="de-DE"/>
-          </a:p>
-        </p:txBody>
-      </p:sp>
-      <p:sp>
-        <p:nvSpPr>
-          <p:cNvPr id="5" name="Date Placeholder 4"/>
-          <p:cNvSpPr>
-            <a:spLocks noGrp="1"/>
-          </p:cNvSpPr>
-          <p:nvPr>
-            <p:ph type="dt" sz="half" idx="12"/>
-          </p:nvPr>
-        </p:nvSpPr>
-        <p:spPr/>
-        <p:txBody>
-          <a:bodyPr/>
-          <a:lstStyle/>
-          <a:p>
-            <a:r>
-              <a:rPr lang="en-US" smtClean="0"/>
-              <a:t>2017/13/12</a:t>
-            </a:r>
-            <a:endParaRPr lang="de-DE"/>
-          </a:p>
-        </p:txBody>
-      </p:sp>
-      <p:sp>
-        <p:nvSpPr>
-          <p:cNvPr id="6" name="Content Placeholder 5"/>
-          <p:cNvSpPr>
-            <a:spLocks noGrp="1"/>
-          </p:cNvSpPr>
-          <p:nvPr>
-            <p:ph sz="quarter" idx="13"/>
-          </p:nvPr>
-        </p:nvSpPr>
-        <p:spPr/>
-        <p:txBody>
-          <a:bodyPr/>
-          <a:lstStyle/>
-          <a:p>
-            <a:endParaRPr lang="en-US" dirty="0"/>
-          </a:p>
-          <a:p>
-            <a:pPr marL="285750" indent="-285750">
-              <a:buFontTx/>
-              <a:buChar char="-"/>
-            </a:pPr>
-            <a:r>
-              <a:rPr lang="en-US" dirty="0" smtClean="0"/>
-              <a:t>Torch (</a:t>
-            </a:r>
-            <a:r>
-              <a:rPr lang="en-US" dirty="0" err="1" smtClean="0"/>
-              <a:t>Lua</a:t>
-            </a:r>
-            <a:r>
-              <a:rPr lang="en-US" dirty="0" smtClean="0"/>
-              <a:t>) ported to Python</a:t>
-            </a:r>
-          </a:p>
-          <a:p>
-            <a:pPr marL="285750" indent="-285750">
-              <a:buFontTx/>
-              <a:buChar char="-"/>
-            </a:pPr>
-            <a:r>
-              <a:rPr lang="en-US" dirty="0" smtClean="0"/>
-              <a:t>Developed at and open-sourced by Facebook</a:t>
-            </a:r>
-          </a:p>
-          <a:p>
-            <a:pPr marL="285750" indent="-285750">
-              <a:buFontTx/>
-              <a:buChar char="-"/>
-            </a:pPr>
-            <a:r>
-              <a:rPr lang="en-US" dirty="0" smtClean="0"/>
-              <a:t>Fast on-GPU tensor computations (alternative to </a:t>
-            </a:r>
-            <a:r>
-              <a:rPr lang="en-US" dirty="0" err="1" smtClean="0"/>
-              <a:t>numpy</a:t>
-            </a:r>
-            <a:r>
-              <a:rPr lang="en-US" dirty="0" smtClean="0"/>
-              <a:t>)</a:t>
-            </a:r>
-          </a:p>
-          <a:p>
-            <a:pPr marL="285750" indent="-285750">
-              <a:buFontTx/>
-              <a:buChar char="-"/>
-            </a:pPr>
-            <a:r>
-              <a:rPr lang="en-US" dirty="0" smtClean="0"/>
-              <a:t>Dynamical computation graphs</a:t>
-            </a:r>
-          </a:p>
-          <a:p>
-            <a:pPr marL="285750" indent="-285750">
-              <a:buFontTx/>
-              <a:buChar char="-"/>
-            </a:pPr>
-            <a:r>
-              <a:rPr lang="en-US" dirty="0" smtClean="0"/>
-              <a:t>Rapidly gaining popularity</a:t>
-            </a:r>
-          </a:p>
-          <a:p>
-            <a:pPr marL="285750" indent="-285750">
-              <a:buFontTx/>
-              <a:buChar char="-"/>
-            </a:pPr>
-            <a:endParaRPr lang="en-US" dirty="0"/>
-          </a:p>
-          <a:p>
-            <a:pPr marL="285750" indent="-285750">
-              <a:buFontTx/>
-              <a:buChar char="-"/>
-            </a:pPr>
-            <a:endParaRPr lang="en-US" dirty="0"/>
-          </a:p>
-        </p:txBody>
-      </p:sp>
-      <p:sp>
-        <p:nvSpPr>
-          <p:cNvPr id="8" name="TextBox 7"/>
-          <p:cNvSpPr txBox="1"/>
-          <p:nvPr/>
-        </p:nvSpPr>
-        <p:spPr>
-          <a:xfrm>
-            <a:off x="736808" y="2743200"/>
-            <a:ext cx="7216961" cy="1661993"/>
-          </a:xfrm>
-          <a:prstGeom prst="rect">
-            <a:avLst/>
-          </a:prstGeom>
-        </p:spPr>
-        <p:style>
-          <a:lnRef idx="1">
-            <a:schemeClr val="accent1"/>
-          </a:lnRef>
-          <a:fillRef idx="3">
-            <a:schemeClr val="accent1"/>
-          </a:fillRef>
-          <a:effectRef idx="2">
-            <a:schemeClr val="accent1"/>
-          </a:effectRef>
-          <a:fontRef idx="minor">
-            <a:schemeClr val="lt1"/>
-          </a:fontRef>
-        </p:style>
-        <p:txBody>
-          <a:bodyPr wrap="square" lIns="0" tIns="0" rIns="0" bIns="0" rtlCol="0">
-            <a:spAutoFit/>
-          </a:bodyPr>
-          <a:lstStyle/>
-          <a:p>
-            <a:r>
-              <a:rPr lang="en-US" sz="1200" dirty="0">
-                <a:latin typeface="Lucida Sans Typewriter" pitchFamily="49" charset="0"/>
-              </a:rPr>
-              <a:t>model = Linear(</a:t>
-            </a:r>
-            <a:r>
-              <a:rPr lang="en-US" sz="1200" dirty="0" err="1">
-                <a:latin typeface="Lucida Sans Typewriter" pitchFamily="49" charset="0"/>
-              </a:rPr>
-              <a:t>input_dim</a:t>
-            </a:r>
-            <a:r>
-              <a:rPr lang="en-US" sz="1200" dirty="0">
-                <a:latin typeface="Lucida Sans Typewriter" pitchFamily="49" charset="0"/>
-              </a:rPr>
-              <a:t>, </a:t>
-            </a:r>
-            <a:r>
-              <a:rPr lang="en-US" sz="1200" dirty="0" err="1">
-                <a:latin typeface="Lucida Sans Typewriter" pitchFamily="49" charset="0"/>
-              </a:rPr>
-              <a:t>output_dim</a:t>
-            </a:r>
-            <a:r>
-              <a:rPr lang="en-US" sz="1200" dirty="0">
-                <a:latin typeface="Lucida Sans Typewriter" pitchFamily="49" charset="0"/>
-              </a:rPr>
-              <a:t>)</a:t>
-            </a:r>
-          </a:p>
-          <a:p>
-            <a:r>
-              <a:rPr lang="en-US" sz="1200" dirty="0" err="1">
-                <a:latin typeface="Lucida Sans Typewriter" pitchFamily="49" charset="0"/>
-              </a:rPr>
-              <a:t>loss_fn</a:t>
-            </a:r>
-            <a:r>
-              <a:rPr lang="en-US" sz="1200" dirty="0">
-                <a:latin typeface="Lucida Sans Typewriter" pitchFamily="49" charset="0"/>
-              </a:rPr>
-              <a:t> = </a:t>
-            </a:r>
-            <a:r>
-              <a:rPr lang="en-US" sz="1200" dirty="0" err="1">
-                <a:latin typeface="Lucida Sans Typewriter" pitchFamily="49" charset="0"/>
-              </a:rPr>
-              <a:t>torch.nn.MSELoss</a:t>
-            </a:r>
-            <a:r>
-              <a:rPr lang="en-US" sz="1200" dirty="0">
-                <a:latin typeface="Lucida Sans Typewriter" pitchFamily="49" charset="0"/>
-              </a:rPr>
-              <a:t>()</a:t>
-            </a:r>
-          </a:p>
-          <a:p>
-            <a:r>
-              <a:rPr lang="en-US" sz="1200" dirty="0">
-                <a:latin typeface="Lucida Sans Typewriter" pitchFamily="49" charset="0"/>
-              </a:rPr>
-              <a:t>optimizer = </a:t>
-            </a:r>
-            <a:r>
-              <a:rPr lang="en-US" sz="1200" dirty="0" err="1">
-                <a:latin typeface="Lucida Sans Typewriter" pitchFamily="49" charset="0"/>
-              </a:rPr>
-              <a:t>torch.optim.Adam</a:t>
-            </a:r>
-            <a:r>
-              <a:rPr lang="en-US" sz="1200" dirty="0">
-                <a:latin typeface="Lucida Sans Typewriter" pitchFamily="49" charset="0"/>
-              </a:rPr>
-              <a:t>(</a:t>
-            </a:r>
-            <a:r>
-              <a:rPr lang="en-US" sz="1200" dirty="0" err="1">
-                <a:latin typeface="Lucida Sans Typewriter" pitchFamily="49" charset="0"/>
-              </a:rPr>
-              <a:t>model.parameters</a:t>
-            </a:r>
-            <a:r>
-              <a:rPr lang="en-US" sz="1200" dirty="0">
-                <a:latin typeface="Lucida Sans Typewriter" pitchFamily="49" charset="0"/>
-              </a:rPr>
-              <a:t>(), </a:t>
-            </a:r>
-            <a:r>
-              <a:rPr lang="en-US" sz="1200" dirty="0" err="1">
-                <a:latin typeface="Lucida Sans Typewriter" pitchFamily="49" charset="0"/>
-              </a:rPr>
-              <a:t>lr</a:t>
-            </a:r>
-            <a:r>
-              <a:rPr lang="en-US" sz="1200" dirty="0">
-                <a:latin typeface="Lucida Sans Typewriter" pitchFamily="49" charset="0"/>
-              </a:rPr>
-              <a:t>=</a:t>
-            </a:r>
-            <a:r>
-              <a:rPr lang="en-US" sz="1200" dirty="0" err="1">
-                <a:latin typeface="Lucida Sans Typewriter" pitchFamily="49" charset="0"/>
-              </a:rPr>
-              <a:t>learning_rate</a:t>
-            </a:r>
-            <a:r>
-              <a:rPr lang="en-US" sz="1200" dirty="0" smtClean="0">
-                <a:latin typeface="Lucida Sans Typewriter" pitchFamily="49" charset="0"/>
-              </a:rPr>
-              <a:t>)</a:t>
-            </a:r>
-          </a:p>
-          <a:p>
-            <a:r>
-              <a:rPr lang="en-US" sz="1200" dirty="0">
-                <a:latin typeface="Lucida Sans Typewriter" pitchFamily="49" charset="0"/>
-              </a:rPr>
-              <a:t>for epoch in range(</a:t>
-            </a:r>
-            <a:r>
-              <a:rPr lang="en-US" sz="1200" dirty="0" err="1">
-                <a:latin typeface="Lucida Sans Typewriter" pitchFamily="49" charset="0"/>
-              </a:rPr>
-              <a:t>num_epochs</a:t>
-            </a:r>
-            <a:r>
-              <a:rPr lang="en-US" sz="1200" dirty="0">
-                <a:latin typeface="Lucida Sans Typewriter" pitchFamily="49" charset="0"/>
-              </a:rPr>
-              <a:t>):</a:t>
-            </a:r>
-          </a:p>
-          <a:p>
-            <a:r>
-              <a:rPr lang="en-US" sz="1200" dirty="0">
-                <a:latin typeface="Lucida Sans Typewriter" pitchFamily="49" charset="0"/>
-              </a:rPr>
-              <a:t> </a:t>
-            </a:r>
-            <a:r>
-              <a:rPr lang="en-US" sz="1200" dirty="0" smtClean="0">
-                <a:latin typeface="Lucida Sans Typewriter" pitchFamily="49" charset="0"/>
-              </a:rPr>
-              <a:t> </a:t>
-            </a:r>
-            <a:r>
-              <a:rPr lang="en-US" sz="1200" dirty="0" err="1" smtClean="0">
-                <a:latin typeface="Lucida Sans Typewriter" pitchFamily="49" charset="0"/>
-              </a:rPr>
-              <a:t>y_pred</a:t>
-            </a:r>
-            <a:r>
-              <a:rPr lang="en-US" sz="1200" dirty="0" smtClean="0">
-                <a:latin typeface="Lucida Sans Typewriter" pitchFamily="49" charset="0"/>
-              </a:rPr>
-              <a:t> </a:t>
-            </a:r>
-            <a:r>
-              <a:rPr lang="en-US" sz="1200" dirty="0">
-                <a:latin typeface="Lucida Sans Typewriter" pitchFamily="49" charset="0"/>
-              </a:rPr>
-              <a:t>= </a:t>
-            </a:r>
-            <a:r>
-              <a:rPr lang="en-US" sz="1200" dirty="0" smtClean="0">
-                <a:latin typeface="Lucida Sans Typewriter" pitchFamily="49" charset="0"/>
-              </a:rPr>
-              <a:t>model(</a:t>
-            </a:r>
-            <a:r>
-              <a:rPr lang="en-US" sz="1200" dirty="0" err="1" smtClean="0">
-                <a:latin typeface="Lucida Sans Typewriter" pitchFamily="49" charset="0"/>
-              </a:rPr>
-              <a:t>X_train</a:t>
-            </a:r>
-            <a:r>
-              <a:rPr lang="en-US" sz="1200" dirty="0" smtClean="0">
-                <a:latin typeface="Lucida Sans Typewriter" pitchFamily="49" charset="0"/>
-              </a:rPr>
-              <a:t>)</a:t>
-            </a:r>
-            <a:endParaRPr lang="en-US" sz="1200" dirty="0">
-              <a:latin typeface="Lucida Sans Typewriter" pitchFamily="49" charset="0"/>
-            </a:endParaRPr>
-          </a:p>
-          <a:p>
-            <a:r>
-              <a:rPr lang="en-US" sz="1200" dirty="0">
-                <a:latin typeface="Lucida Sans Typewriter" pitchFamily="49" charset="0"/>
-              </a:rPr>
-              <a:t>  </a:t>
-            </a:r>
-            <a:r>
-              <a:rPr lang="en-US" sz="1200" dirty="0" err="1">
-                <a:latin typeface="Lucida Sans Typewriter" pitchFamily="49" charset="0"/>
-              </a:rPr>
-              <a:t>loss_var</a:t>
-            </a:r>
-            <a:r>
-              <a:rPr lang="en-US" sz="1200" dirty="0">
-                <a:latin typeface="Lucida Sans Typewriter" pitchFamily="49" charset="0"/>
-              </a:rPr>
-              <a:t> = </a:t>
-            </a:r>
-            <a:r>
-              <a:rPr lang="en-US" sz="1200" dirty="0" err="1">
-                <a:latin typeface="Lucida Sans Typewriter" pitchFamily="49" charset="0"/>
-              </a:rPr>
-              <a:t>loss_fn</a:t>
-            </a:r>
-            <a:r>
-              <a:rPr lang="en-US" sz="1200" dirty="0">
-                <a:latin typeface="Lucida Sans Typewriter" pitchFamily="49" charset="0"/>
-              </a:rPr>
-              <a:t>(</a:t>
-            </a:r>
-            <a:r>
-              <a:rPr lang="en-US" sz="1200" dirty="0" err="1">
-                <a:latin typeface="Lucida Sans Typewriter" pitchFamily="49" charset="0"/>
-              </a:rPr>
-              <a:t>y_pred</a:t>
-            </a:r>
-            <a:r>
-              <a:rPr lang="en-US" sz="1200" dirty="0">
-                <a:latin typeface="Lucida Sans Typewriter" pitchFamily="49" charset="0"/>
-              </a:rPr>
-              <a:t>, </a:t>
-            </a:r>
-            <a:r>
-              <a:rPr lang="en-US" sz="1200" dirty="0" err="1">
-                <a:latin typeface="Lucida Sans Typewriter" pitchFamily="49" charset="0"/>
-              </a:rPr>
-              <a:t>y_train</a:t>
-            </a:r>
-            <a:r>
-              <a:rPr lang="en-US" sz="1200" dirty="0" smtClean="0">
-                <a:latin typeface="Lucida Sans Typewriter" pitchFamily="49" charset="0"/>
-              </a:rPr>
-              <a:t>) </a:t>
-            </a:r>
-          </a:p>
-          <a:p>
-            <a:r>
-              <a:rPr lang="en-US" sz="1200" dirty="0">
-                <a:latin typeface="Lucida Sans Typewriter" pitchFamily="49" charset="0"/>
-              </a:rPr>
-              <a:t> </a:t>
-            </a:r>
-            <a:r>
-              <a:rPr lang="en-US" sz="1200" dirty="0" smtClean="0">
-                <a:latin typeface="Lucida Sans Typewriter" pitchFamily="49" charset="0"/>
-              </a:rPr>
-              <a:t> </a:t>
-            </a:r>
-            <a:r>
-              <a:rPr lang="en-US" sz="1200" dirty="0" err="1" smtClean="0">
-                <a:latin typeface="Lucida Sans Typewriter" pitchFamily="49" charset="0"/>
-              </a:rPr>
-              <a:t>optimizer.zero_grad</a:t>
-            </a:r>
-            <a:r>
-              <a:rPr lang="en-US" sz="1200" dirty="0" smtClean="0">
-                <a:latin typeface="Lucida Sans Typewriter" pitchFamily="49" charset="0"/>
-              </a:rPr>
-              <a:t>()</a:t>
-            </a:r>
-          </a:p>
-          <a:p>
-            <a:r>
-              <a:rPr lang="en-US" sz="1200" dirty="0" smtClean="0">
-                <a:latin typeface="Lucida Sans Typewriter" pitchFamily="49" charset="0"/>
-              </a:rPr>
-              <a:t>  </a:t>
-            </a:r>
-            <a:r>
-              <a:rPr lang="en-US" sz="1200" dirty="0" err="1" smtClean="0">
-                <a:latin typeface="Lucida Sans Typewriter" pitchFamily="49" charset="0"/>
-              </a:rPr>
-              <a:t>loss_var.backward</a:t>
-            </a:r>
-            <a:r>
-              <a:rPr lang="en-US" sz="1200" dirty="0" smtClean="0">
-                <a:latin typeface="Lucida Sans Typewriter" pitchFamily="49" charset="0"/>
-              </a:rPr>
-              <a:t>()</a:t>
-            </a:r>
-          </a:p>
-          <a:p>
-            <a:r>
-              <a:rPr lang="en-US" sz="1200" dirty="0" smtClean="0">
-                <a:latin typeface="Lucida Sans Typewriter" pitchFamily="49" charset="0"/>
-              </a:rPr>
-              <a:t>  </a:t>
-            </a:r>
-            <a:r>
-              <a:rPr lang="en-US" sz="1200" dirty="0" err="1" smtClean="0">
-                <a:latin typeface="Lucida Sans Typewriter" pitchFamily="49" charset="0"/>
-              </a:rPr>
-              <a:t>optimizer.step</a:t>
-            </a:r>
-            <a:r>
-              <a:rPr lang="en-US" sz="1200" dirty="0" smtClean="0">
-                <a:latin typeface="Lucida Sans Typewriter" pitchFamily="49" charset="0"/>
-              </a:rPr>
-              <a:t>() </a:t>
-            </a:r>
-            <a:endParaRPr lang="en-US" sz="1200" dirty="0" smtClean="0">
-              <a:latin typeface="Lucida Sans Typewriter" pitchFamily="49" charset="0"/>
-            </a:endParaRPr>
-          </a:p>
-        </p:txBody>
-      </p:sp>
-    </p:spTree>
-    <p:extLst>
-      <p:ext uri="{BB962C8B-B14F-4D97-AF65-F5344CB8AC3E}">
-        <p14:creationId xmlns:p14="http://schemas.microsoft.com/office/powerpoint/2010/main" val="1763595360"/>
       </p:ext>
     </p:extLst>
   </p:cSld>
@@ -16789,8 +16368,12 @@
           <a:lstStyle/>
           <a:p>
             <a:r>
+              <a:rPr lang="en-US" dirty="0" err="1" smtClean="0"/>
+              <a:t>TensorFlow</a:t>
+            </a:r>
+            <a:r>
               <a:rPr lang="en-US" dirty="0" smtClean="0"/>
-              <a:t>Case study: Distinguishing sports</a:t>
+              <a:t>: Google Glamour included</a:t>
             </a:r>
             <a:endParaRPr lang="en-US" dirty="0"/>
           </a:p>
@@ -16838,6 +16421,1133 @@
               <a:rPr lang="de-DE" smtClean="0"/>
               <a:pPr/>
               <a:t>17</a:t>
+            </a:fld>
+            <a:endParaRPr lang="de-DE"/>
+          </a:p>
+        </p:txBody>
+      </p:sp>
+      <p:sp>
+        <p:nvSpPr>
+          <p:cNvPr id="5" name="Date Placeholder 4"/>
+          <p:cNvSpPr>
+            <a:spLocks noGrp="1"/>
+          </p:cNvSpPr>
+          <p:nvPr>
+            <p:ph type="dt" sz="half" idx="12"/>
+          </p:nvPr>
+        </p:nvSpPr>
+        <p:spPr/>
+        <p:txBody>
+          <a:bodyPr/>
+          <a:lstStyle/>
+          <a:p>
+            <a:r>
+              <a:rPr lang="en-US" smtClean="0"/>
+              <a:t>2017/13/12</a:t>
+            </a:r>
+            <a:endParaRPr lang="de-DE"/>
+          </a:p>
+        </p:txBody>
+      </p:sp>
+      <p:sp>
+        <p:nvSpPr>
+          <p:cNvPr id="6" name="Content Placeholder 5"/>
+          <p:cNvSpPr>
+            <a:spLocks noGrp="1"/>
+          </p:cNvSpPr>
+          <p:nvPr>
+            <p:ph sz="quarter" idx="13"/>
+          </p:nvPr>
+        </p:nvSpPr>
+        <p:spPr/>
+        <p:txBody>
+          <a:bodyPr/>
+          <a:lstStyle/>
+          <a:p>
+            <a:endParaRPr lang="en-US" dirty="0"/>
+          </a:p>
+          <a:p>
+            <a:pPr marL="285750" indent="-285750">
+              <a:buFontTx/>
+              <a:buChar char="-"/>
+            </a:pPr>
+            <a:r>
+              <a:rPr lang="en-US" dirty="0" smtClean="0"/>
+              <a:t>Probably the best-known deep learning framework outside the DL community</a:t>
+            </a:r>
+          </a:p>
+          <a:p>
+            <a:pPr marL="285750" indent="-285750">
+              <a:buFontTx/>
+              <a:buChar char="-"/>
+            </a:pPr>
+            <a:r>
+              <a:rPr lang="en-US" dirty="0" smtClean="0"/>
+              <a:t>Originally developed by the Google Brain team</a:t>
+            </a:r>
+          </a:p>
+          <a:p>
+            <a:pPr marL="285750" indent="-285750">
+              <a:buFontTx/>
+              <a:buChar char="-"/>
+            </a:pPr>
+            <a:r>
+              <a:rPr lang="en-US" dirty="0" smtClean="0"/>
+              <a:t>Super-fast release cycle</a:t>
+            </a:r>
+          </a:p>
+          <a:p>
+            <a:pPr marL="285750" indent="-285750">
+              <a:buFontTx/>
+              <a:buChar char="-"/>
+            </a:pPr>
+            <a:r>
+              <a:rPr lang="en-US" dirty="0" smtClean="0"/>
+              <a:t>Core framework not the easiest to use, but comes with several higher-level APIs on top</a:t>
+            </a:r>
+            <a:endParaRPr lang="en-US" dirty="0"/>
+          </a:p>
+          <a:p>
+            <a:pPr marL="285750" indent="-285750">
+              <a:buFontTx/>
+              <a:buChar char="-"/>
+            </a:pPr>
+            <a:endParaRPr lang="en-US" dirty="0"/>
+          </a:p>
+        </p:txBody>
+      </p:sp>
+      <p:sp>
+        <p:nvSpPr>
+          <p:cNvPr id="8" name="TextBox 7"/>
+          <p:cNvSpPr txBox="1"/>
+          <p:nvPr/>
+        </p:nvSpPr>
+        <p:spPr>
+          <a:xfrm>
+            <a:off x="736808" y="2520268"/>
+            <a:ext cx="5633763" cy="2031325"/>
+          </a:xfrm>
+          <a:prstGeom prst="rect">
+            <a:avLst/>
+          </a:prstGeom>
+        </p:spPr>
+        <p:style>
+          <a:lnRef idx="1">
+            <a:schemeClr val="accent1"/>
+          </a:lnRef>
+          <a:fillRef idx="3">
+            <a:schemeClr val="accent1"/>
+          </a:fillRef>
+          <a:effectRef idx="2">
+            <a:schemeClr val="accent1"/>
+          </a:effectRef>
+          <a:fontRef idx="minor">
+            <a:schemeClr val="lt1"/>
+          </a:fontRef>
+        </p:style>
+        <p:txBody>
+          <a:bodyPr wrap="square" lIns="0" tIns="0" rIns="0" bIns="0" rtlCol="0">
+            <a:spAutoFit/>
+          </a:bodyPr>
+          <a:lstStyle/>
+          <a:p>
+            <a:r>
+              <a:rPr lang="en-US" sz="1200" dirty="0">
+                <a:latin typeface="Lucida Sans Typewriter" pitchFamily="49" charset="0"/>
+              </a:rPr>
+              <a:t>W = </a:t>
+            </a:r>
+            <a:r>
+              <a:rPr lang="en-US" sz="1200" dirty="0" err="1">
+                <a:latin typeface="Lucida Sans Typewriter" pitchFamily="49" charset="0"/>
+              </a:rPr>
+              <a:t>tf.Variable</a:t>
+            </a:r>
+            <a:r>
+              <a:rPr lang="en-US" sz="1200" dirty="0">
+                <a:latin typeface="Lucida Sans Typewriter" pitchFamily="49" charset="0"/>
+              </a:rPr>
+              <a:t>([.3], </a:t>
+            </a:r>
+            <a:r>
+              <a:rPr lang="en-US" sz="1200" dirty="0" err="1">
+                <a:latin typeface="Lucida Sans Typewriter" pitchFamily="49" charset="0"/>
+              </a:rPr>
+              <a:t>dtype</a:t>
+            </a:r>
+            <a:r>
+              <a:rPr lang="en-US" sz="1200" dirty="0">
+                <a:latin typeface="Lucida Sans Typewriter" pitchFamily="49" charset="0"/>
+              </a:rPr>
+              <a:t>=tf.float32)</a:t>
+            </a:r>
+            <a:br>
+              <a:rPr lang="en-US" sz="1200" dirty="0">
+                <a:latin typeface="Lucida Sans Typewriter" pitchFamily="49" charset="0"/>
+              </a:rPr>
+            </a:br>
+            <a:r>
+              <a:rPr lang="en-US" sz="1200" dirty="0">
+                <a:latin typeface="Lucida Sans Typewriter" pitchFamily="49" charset="0"/>
+              </a:rPr>
+              <a:t>b = </a:t>
+            </a:r>
+            <a:r>
+              <a:rPr lang="en-US" sz="1200" dirty="0" err="1">
+                <a:latin typeface="Lucida Sans Typewriter" pitchFamily="49" charset="0"/>
+              </a:rPr>
+              <a:t>tf.Variable</a:t>
+            </a:r>
+            <a:r>
+              <a:rPr lang="en-US" sz="1200" dirty="0">
+                <a:latin typeface="Lucida Sans Typewriter" pitchFamily="49" charset="0"/>
+              </a:rPr>
+              <a:t>([-.3], </a:t>
+            </a:r>
+            <a:r>
+              <a:rPr lang="en-US" sz="1200" dirty="0" err="1">
+                <a:latin typeface="Lucida Sans Typewriter" pitchFamily="49" charset="0"/>
+              </a:rPr>
+              <a:t>dtype</a:t>
+            </a:r>
+            <a:r>
+              <a:rPr lang="en-US" sz="1200" dirty="0">
+                <a:latin typeface="Lucida Sans Typewriter" pitchFamily="49" charset="0"/>
+              </a:rPr>
+              <a:t>=tf.float32)</a:t>
+            </a:r>
+            <a:br>
+              <a:rPr lang="en-US" sz="1200" dirty="0">
+                <a:latin typeface="Lucida Sans Typewriter" pitchFamily="49" charset="0"/>
+              </a:rPr>
+            </a:br>
+            <a:r>
+              <a:rPr lang="en-US" sz="1200" dirty="0">
+                <a:latin typeface="Lucida Sans Typewriter" pitchFamily="49" charset="0"/>
+              </a:rPr>
+              <a:t>x = </a:t>
+            </a:r>
+            <a:r>
+              <a:rPr lang="en-US" sz="1200" dirty="0" err="1">
+                <a:latin typeface="Lucida Sans Typewriter" pitchFamily="49" charset="0"/>
+              </a:rPr>
+              <a:t>tf.placeholder</a:t>
+            </a:r>
+            <a:r>
+              <a:rPr lang="en-US" sz="1200" dirty="0">
+                <a:latin typeface="Lucida Sans Typewriter" pitchFamily="49" charset="0"/>
+              </a:rPr>
+              <a:t>(tf.float32)</a:t>
+            </a:r>
+            <a:br>
+              <a:rPr lang="en-US" sz="1200" dirty="0">
+                <a:latin typeface="Lucida Sans Typewriter" pitchFamily="49" charset="0"/>
+              </a:rPr>
+            </a:br>
+            <a:r>
+              <a:rPr lang="en-US" sz="1200" dirty="0" err="1">
+                <a:latin typeface="Lucida Sans Typewriter" pitchFamily="49" charset="0"/>
+              </a:rPr>
+              <a:t>linear_model</a:t>
+            </a:r>
+            <a:r>
+              <a:rPr lang="en-US" sz="1200" dirty="0">
+                <a:latin typeface="Lucida Sans Typewriter" pitchFamily="49" charset="0"/>
+              </a:rPr>
+              <a:t> = W*x + b </a:t>
+            </a:r>
+            <a:endParaRPr lang="en-US" sz="1200" dirty="0" smtClean="0">
+              <a:latin typeface="Lucida Sans Typewriter" pitchFamily="49" charset="0"/>
+            </a:endParaRPr>
+          </a:p>
+          <a:p>
+            <a:r>
+              <a:rPr lang="en-US" sz="1200" dirty="0" smtClean="0">
+                <a:latin typeface="Lucida Sans Typewriter" pitchFamily="49" charset="0"/>
+              </a:rPr>
+              <a:t>y </a:t>
+            </a:r>
+            <a:r>
+              <a:rPr lang="en-US" sz="1200" dirty="0">
+                <a:latin typeface="Lucida Sans Typewriter" pitchFamily="49" charset="0"/>
+              </a:rPr>
+              <a:t>= </a:t>
+            </a:r>
+            <a:r>
+              <a:rPr lang="en-US" sz="1200" dirty="0" err="1">
+                <a:latin typeface="Lucida Sans Typewriter" pitchFamily="49" charset="0"/>
+              </a:rPr>
+              <a:t>tf.placeholder</a:t>
+            </a:r>
+            <a:r>
+              <a:rPr lang="en-US" sz="1200" dirty="0">
+                <a:latin typeface="Lucida Sans Typewriter" pitchFamily="49" charset="0"/>
+              </a:rPr>
+              <a:t>(tf.float32)</a:t>
+            </a:r>
+            <a:br>
+              <a:rPr lang="en-US" sz="1200" dirty="0">
+                <a:latin typeface="Lucida Sans Typewriter" pitchFamily="49" charset="0"/>
+              </a:rPr>
+            </a:br>
+            <a:r>
+              <a:rPr lang="en-US" sz="1200" dirty="0" err="1">
+                <a:latin typeface="Lucida Sans Typewriter" pitchFamily="49" charset="0"/>
+              </a:rPr>
+              <a:t>squared_deltas</a:t>
+            </a:r>
+            <a:r>
+              <a:rPr lang="en-US" sz="1200" dirty="0">
+                <a:latin typeface="Lucida Sans Typewriter" pitchFamily="49" charset="0"/>
+              </a:rPr>
+              <a:t> = </a:t>
+            </a:r>
+            <a:r>
+              <a:rPr lang="en-US" sz="1200" dirty="0" err="1">
+                <a:latin typeface="Lucida Sans Typewriter" pitchFamily="49" charset="0"/>
+              </a:rPr>
+              <a:t>tf.square</a:t>
+            </a:r>
+            <a:r>
+              <a:rPr lang="en-US" sz="1200" dirty="0">
+                <a:latin typeface="Lucida Sans Typewriter" pitchFamily="49" charset="0"/>
+              </a:rPr>
+              <a:t>(</a:t>
+            </a:r>
+            <a:r>
+              <a:rPr lang="en-US" sz="1200" dirty="0" err="1">
+                <a:latin typeface="Lucida Sans Typewriter" pitchFamily="49" charset="0"/>
+              </a:rPr>
+              <a:t>linear_model</a:t>
+            </a:r>
+            <a:r>
+              <a:rPr lang="en-US" sz="1200" dirty="0">
+                <a:latin typeface="Lucida Sans Typewriter" pitchFamily="49" charset="0"/>
+              </a:rPr>
+              <a:t> - y)</a:t>
+            </a:r>
+            <a:br>
+              <a:rPr lang="en-US" sz="1200" dirty="0">
+                <a:latin typeface="Lucida Sans Typewriter" pitchFamily="49" charset="0"/>
+              </a:rPr>
+            </a:br>
+            <a:r>
+              <a:rPr lang="en-US" sz="1200" dirty="0">
+                <a:latin typeface="Lucida Sans Typewriter" pitchFamily="49" charset="0"/>
+              </a:rPr>
+              <a:t>loss = </a:t>
+            </a:r>
+            <a:r>
+              <a:rPr lang="en-US" sz="1200" dirty="0" err="1">
+                <a:latin typeface="Lucida Sans Typewriter" pitchFamily="49" charset="0"/>
+              </a:rPr>
+              <a:t>tf.reduce_sum</a:t>
+            </a:r>
+            <a:r>
+              <a:rPr lang="en-US" sz="1200" dirty="0">
+                <a:latin typeface="Lucida Sans Typewriter" pitchFamily="49" charset="0"/>
+              </a:rPr>
+              <a:t>(</a:t>
+            </a:r>
+            <a:r>
+              <a:rPr lang="en-US" sz="1200" dirty="0" err="1">
+                <a:latin typeface="Lucida Sans Typewriter" pitchFamily="49" charset="0"/>
+              </a:rPr>
+              <a:t>squared_deltas</a:t>
+            </a:r>
+            <a:r>
+              <a:rPr lang="en-US" sz="1200" dirty="0" smtClean="0">
+                <a:latin typeface="Lucida Sans Typewriter" pitchFamily="49" charset="0"/>
+              </a:rPr>
+              <a:t>)</a:t>
+            </a:r>
+          </a:p>
+          <a:p>
+            <a:r>
+              <a:rPr lang="en-US" sz="1200" dirty="0" err="1">
+                <a:latin typeface="Lucida Sans Typewriter" pitchFamily="49" charset="0"/>
+              </a:rPr>
+              <a:t>init</a:t>
+            </a:r>
+            <a:r>
+              <a:rPr lang="en-US" sz="1200" dirty="0">
+                <a:latin typeface="Lucida Sans Typewriter" pitchFamily="49" charset="0"/>
+              </a:rPr>
+              <a:t> = </a:t>
+            </a:r>
+            <a:r>
+              <a:rPr lang="en-US" sz="1200" dirty="0" err="1">
+                <a:latin typeface="Lucida Sans Typewriter" pitchFamily="49" charset="0"/>
+              </a:rPr>
+              <a:t>tf.global_variables_initializer</a:t>
+            </a:r>
+            <a:r>
+              <a:rPr lang="en-US" sz="1200" dirty="0">
+                <a:latin typeface="Lucida Sans Typewriter" pitchFamily="49" charset="0"/>
+              </a:rPr>
+              <a:t>()</a:t>
+            </a:r>
+            <a:br>
+              <a:rPr lang="en-US" sz="1200" dirty="0">
+                <a:latin typeface="Lucida Sans Typewriter" pitchFamily="49" charset="0"/>
+              </a:rPr>
+            </a:br>
+            <a:r>
+              <a:rPr lang="en-US" sz="1200" dirty="0" err="1">
+                <a:latin typeface="Lucida Sans Typewriter" pitchFamily="49" charset="0"/>
+              </a:rPr>
+              <a:t>sess</a:t>
+            </a:r>
+            <a:r>
+              <a:rPr lang="en-US" sz="1200" dirty="0">
+                <a:latin typeface="Lucida Sans Typewriter" pitchFamily="49" charset="0"/>
+              </a:rPr>
+              <a:t> = </a:t>
+            </a:r>
+            <a:r>
+              <a:rPr lang="en-US" sz="1200" dirty="0" err="1">
+                <a:latin typeface="Lucida Sans Typewriter" pitchFamily="49" charset="0"/>
+              </a:rPr>
+              <a:t>tf.Session</a:t>
+            </a:r>
+            <a:r>
+              <a:rPr lang="en-US" sz="1200" dirty="0">
+                <a:latin typeface="Lucida Sans Typewriter" pitchFamily="49" charset="0"/>
+              </a:rPr>
+              <a:t>()</a:t>
+            </a:r>
+            <a:r>
+              <a:rPr lang="en-US" sz="1200" dirty="0"/>
+              <a:t/>
+            </a:r>
+            <a:br>
+              <a:rPr lang="en-US" sz="1200" dirty="0"/>
+            </a:br>
+            <a:r>
+              <a:rPr lang="en-US" sz="1200" dirty="0" err="1" smtClean="0">
+                <a:latin typeface="Lucida Sans Typewriter" pitchFamily="49" charset="0"/>
+              </a:rPr>
+              <a:t>sess.run</a:t>
+            </a:r>
+            <a:r>
+              <a:rPr lang="en-US" sz="1200" dirty="0" smtClean="0">
+                <a:latin typeface="Lucida Sans Typewriter" pitchFamily="49" charset="0"/>
+              </a:rPr>
+              <a:t>(</a:t>
+            </a:r>
+            <a:r>
+              <a:rPr lang="en-US" sz="1200" dirty="0" err="1" smtClean="0">
+                <a:latin typeface="Lucida Sans Typewriter" pitchFamily="49" charset="0"/>
+              </a:rPr>
+              <a:t>init</a:t>
+            </a:r>
+            <a:r>
+              <a:rPr lang="en-US" sz="1200" dirty="0">
+                <a:latin typeface="Lucida Sans Typewriter" pitchFamily="49" charset="0"/>
+              </a:rPr>
+              <a:t>)</a:t>
+            </a:r>
+          </a:p>
+          <a:p>
+            <a:r>
+              <a:rPr lang="en-US" sz="1200" dirty="0" smtClean="0">
+                <a:latin typeface="Lucida Sans Typewriter" pitchFamily="49" charset="0"/>
+              </a:rPr>
+              <a:t>print(</a:t>
+            </a:r>
+            <a:r>
+              <a:rPr lang="en-US" sz="1200" dirty="0" err="1" smtClean="0">
+                <a:latin typeface="Lucida Sans Typewriter" pitchFamily="49" charset="0"/>
+              </a:rPr>
+              <a:t>sess.run</a:t>
+            </a:r>
+            <a:r>
+              <a:rPr lang="en-US" sz="1200" dirty="0" smtClean="0">
+                <a:latin typeface="Lucida Sans Typewriter" pitchFamily="49" charset="0"/>
+              </a:rPr>
+              <a:t>(loss</a:t>
+            </a:r>
+            <a:r>
+              <a:rPr lang="en-US" sz="1200" dirty="0">
+                <a:latin typeface="Lucida Sans Typewriter" pitchFamily="49" charset="0"/>
+              </a:rPr>
+              <a:t>, {x: [1, 2, 3, 4], y: [0, -1, -2, -3</a:t>
+            </a:r>
+            <a:r>
+              <a:rPr lang="en-US" sz="1200" dirty="0" smtClean="0">
+                <a:latin typeface="Lucida Sans Typewriter" pitchFamily="49" charset="0"/>
+              </a:rPr>
+              <a:t>]}))</a:t>
+            </a:r>
+          </a:p>
+        </p:txBody>
+      </p:sp>
+    </p:spTree>
+    <p:extLst>
+      <p:ext uri="{BB962C8B-B14F-4D97-AF65-F5344CB8AC3E}">
+        <p14:creationId xmlns:p14="http://schemas.microsoft.com/office/powerpoint/2010/main" val="3502455836"/>
+      </p:ext>
+    </p:extLst>
+  </p:cSld>
+  <p:clrMapOvr>
+    <a:masterClrMapping/>
+  </p:clrMapOvr>
+</p:sld>
+</file>
+
+<file path=ppt/slides/slide18.xml><?xml version="1.0" encoding="utf-8"?>
+<p:sld xmlns:a="http://schemas.openxmlformats.org/drawingml/2006/main" xmlns:r="http://schemas.openxmlformats.org/officeDocument/2006/relationships" xmlns:p="http://schemas.openxmlformats.org/presentationml/2006/main">
+  <p:cSld>
+    <p:spTree>
+      <p:nvGrpSpPr>
+        <p:cNvPr id="1" name=""/>
+        <p:cNvGrpSpPr/>
+        <p:nvPr/>
+      </p:nvGrpSpPr>
+      <p:grpSpPr>
+        <a:xfrm>
+          <a:off x="0" y="0"/>
+          <a:ext cx="0" cy="0"/>
+          <a:chOff x="0" y="0"/>
+          <a:chExt cx="0" cy="0"/>
+        </a:xfrm>
+      </p:grpSpPr>
+      <p:sp>
+        <p:nvSpPr>
+          <p:cNvPr id="2" name="Title 1"/>
+          <p:cNvSpPr>
+            <a:spLocks noGrp="1"/>
+          </p:cNvSpPr>
+          <p:nvPr>
+            <p:ph type="title"/>
+          </p:nvPr>
+        </p:nvSpPr>
+        <p:spPr/>
+        <p:txBody>
+          <a:bodyPr/>
+          <a:lstStyle/>
+          <a:p>
+            <a:r>
+              <a:rPr lang="en-US" dirty="0" err="1" smtClean="0"/>
+              <a:t>PyTorch</a:t>
+            </a:r>
+            <a:r>
+              <a:rPr lang="en-US" dirty="0" smtClean="0"/>
+              <a:t>: Dynamical neural networks with Python</a:t>
+            </a:r>
+            <a:endParaRPr lang="en-US" dirty="0"/>
+          </a:p>
+        </p:txBody>
+      </p:sp>
+      <p:sp>
+        <p:nvSpPr>
+          <p:cNvPr id="3" name="Footer Placeholder 2"/>
+          <p:cNvSpPr>
+            <a:spLocks noGrp="1"/>
+          </p:cNvSpPr>
+          <p:nvPr>
+            <p:ph type="ftr" sz="quarter" idx="10"/>
+          </p:nvPr>
+        </p:nvSpPr>
+        <p:spPr/>
+        <p:txBody>
+          <a:bodyPr/>
+          <a:lstStyle/>
+          <a:p>
+            <a:r>
+              <a:rPr lang="en-US" smtClean="0"/>
+              <a:t>Practical Deep Learning</a:t>
+            </a:r>
+            <a:endParaRPr lang="de-DE"/>
+          </a:p>
+        </p:txBody>
+      </p:sp>
+      <p:sp>
+        <p:nvSpPr>
+          <p:cNvPr id="4" name="Slide Number Placeholder 3"/>
+          <p:cNvSpPr>
+            <a:spLocks noGrp="1"/>
+          </p:cNvSpPr>
+          <p:nvPr>
+            <p:ph type="sldNum" sz="quarter" idx="11"/>
+          </p:nvPr>
+        </p:nvSpPr>
+        <p:spPr/>
+        <p:txBody>
+          <a:bodyPr/>
+          <a:lstStyle/>
+          <a:p>
+            <a:fld id="{CAA1D080-129B-CB43-9B9B-B053798F4C9F}" type="slidenum">
+              <a:rPr lang="de-DE" smtClean="0"/>
+              <a:pPr/>
+              <a:t>18</a:t>
+            </a:fld>
+            <a:endParaRPr lang="de-DE"/>
+          </a:p>
+        </p:txBody>
+      </p:sp>
+      <p:sp>
+        <p:nvSpPr>
+          <p:cNvPr id="5" name="Date Placeholder 4"/>
+          <p:cNvSpPr>
+            <a:spLocks noGrp="1"/>
+          </p:cNvSpPr>
+          <p:nvPr>
+            <p:ph type="dt" sz="half" idx="12"/>
+          </p:nvPr>
+        </p:nvSpPr>
+        <p:spPr/>
+        <p:txBody>
+          <a:bodyPr/>
+          <a:lstStyle/>
+          <a:p>
+            <a:r>
+              <a:rPr lang="en-US" smtClean="0"/>
+              <a:t>2017/13/12</a:t>
+            </a:r>
+            <a:endParaRPr lang="de-DE"/>
+          </a:p>
+        </p:txBody>
+      </p:sp>
+      <p:sp>
+        <p:nvSpPr>
+          <p:cNvPr id="6" name="Content Placeholder 5"/>
+          <p:cNvSpPr>
+            <a:spLocks noGrp="1"/>
+          </p:cNvSpPr>
+          <p:nvPr>
+            <p:ph sz="quarter" idx="13"/>
+          </p:nvPr>
+        </p:nvSpPr>
+        <p:spPr/>
+        <p:txBody>
+          <a:bodyPr/>
+          <a:lstStyle/>
+          <a:p>
+            <a:endParaRPr lang="en-US" dirty="0"/>
+          </a:p>
+          <a:p>
+            <a:pPr marL="285750" indent="-285750">
+              <a:buFontTx/>
+              <a:buChar char="-"/>
+            </a:pPr>
+            <a:r>
+              <a:rPr lang="en-US" dirty="0" smtClean="0"/>
+              <a:t>Torch (</a:t>
+            </a:r>
+            <a:r>
+              <a:rPr lang="en-US" dirty="0" err="1" smtClean="0"/>
+              <a:t>Lua</a:t>
+            </a:r>
+            <a:r>
+              <a:rPr lang="en-US" dirty="0" smtClean="0"/>
+              <a:t>) ported to Python</a:t>
+            </a:r>
+          </a:p>
+          <a:p>
+            <a:pPr marL="285750" indent="-285750">
+              <a:buFontTx/>
+              <a:buChar char="-"/>
+            </a:pPr>
+            <a:r>
+              <a:rPr lang="en-US" dirty="0" smtClean="0"/>
+              <a:t>Developed at and open-sourced by Facebook</a:t>
+            </a:r>
+          </a:p>
+          <a:p>
+            <a:pPr marL="285750" indent="-285750">
+              <a:buFontTx/>
+              <a:buChar char="-"/>
+            </a:pPr>
+            <a:r>
+              <a:rPr lang="en-US" dirty="0" smtClean="0"/>
+              <a:t>Fast on-GPU tensor computations (alternative to </a:t>
+            </a:r>
+            <a:r>
+              <a:rPr lang="en-US" dirty="0" err="1" smtClean="0"/>
+              <a:t>numpy</a:t>
+            </a:r>
+            <a:r>
+              <a:rPr lang="en-US" dirty="0" smtClean="0"/>
+              <a:t>)</a:t>
+            </a:r>
+          </a:p>
+          <a:p>
+            <a:pPr marL="285750" indent="-285750">
+              <a:buFontTx/>
+              <a:buChar char="-"/>
+            </a:pPr>
+            <a:r>
+              <a:rPr lang="en-US" dirty="0" smtClean="0"/>
+              <a:t>Dynamical computation graphs</a:t>
+            </a:r>
+          </a:p>
+          <a:p>
+            <a:pPr marL="285750" indent="-285750">
+              <a:buFontTx/>
+              <a:buChar char="-"/>
+            </a:pPr>
+            <a:r>
+              <a:rPr lang="en-US" dirty="0" smtClean="0"/>
+              <a:t>Rapidly gaining popularity</a:t>
+            </a:r>
+          </a:p>
+          <a:p>
+            <a:pPr marL="285750" indent="-285750">
+              <a:buFontTx/>
+              <a:buChar char="-"/>
+            </a:pPr>
+            <a:endParaRPr lang="en-US" dirty="0"/>
+          </a:p>
+          <a:p>
+            <a:pPr marL="285750" indent="-285750">
+              <a:buFontTx/>
+              <a:buChar char="-"/>
+            </a:pPr>
+            <a:endParaRPr lang="en-US" dirty="0"/>
+          </a:p>
+        </p:txBody>
+      </p:sp>
+      <p:sp>
+        <p:nvSpPr>
+          <p:cNvPr id="8" name="TextBox 7"/>
+          <p:cNvSpPr txBox="1"/>
+          <p:nvPr/>
+        </p:nvSpPr>
+        <p:spPr>
+          <a:xfrm>
+            <a:off x="736808" y="2743200"/>
+            <a:ext cx="7216961" cy="1661993"/>
+          </a:xfrm>
+          <a:prstGeom prst="rect">
+            <a:avLst/>
+          </a:prstGeom>
+        </p:spPr>
+        <p:style>
+          <a:lnRef idx="1">
+            <a:schemeClr val="accent1"/>
+          </a:lnRef>
+          <a:fillRef idx="3">
+            <a:schemeClr val="accent1"/>
+          </a:fillRef>
+          <a:effectRef idx="2">
+            <a:schemeClr val="accent1"/>
+          </a:effectRef>
+          <a:fontRef idx="minor">
+            <a:schemeClr val="lt1"/>
+          </a:fontRef>
+        </p:style>
+        <p:txBody>
+          <a:bodyPr wrap="square" lIns="0" tIns="0" rIns="0" bIns="0" rtlCol="0">
+            <a:spAutoFit/>
+          </a:bodyPr>
+          <a:lstStyle/>
+          <a:p>
+            <a:r>
+              <a:rPr lang="en-US" sz="1200" dirty="0">
+                <a:latin typeface="Lucida Sans Typewriter" pitchFamily="49" charset="0"/>
+              </a:rPr>
+              <a:t>model = Linear(</a:t>
+            </a:r>
+            <a:r>
+              <a:rPr lang="en-US" sz="1200" dirty="0" err="1">
+                <a:latin typeface="Lucida Sans Typewriter" pitchFamily="49" charset="0"/>
+              </a:rPr>
+              <a:t>input_dim</a:t>
+            </a:r>
+            <a:r>
+              <a:rPr lang="en-US" sz="1200" dirty="0">
+                <a:latin typeface="Lucida Sans Typewriter" pitchFamily="49" charset="0"/>
+              </a:rPr>
+              <a:t>, </a:t>
+            </a:r>
+            <a:r>
+              <a:rPr lang="en-US" sz="1200" dirty="0" err="1">
+                <a:latin typeface="Lucida Sans Typewriter" pitchFamily="49" charset="0"/>
+              </a:rPr>
+              <a:t>output_dim</a:t>
+            </a:r>
+            <a:r>
+              <a:rPr lang="en-US" sz="1200" dirty="0">
+                <a:latin typeface="Lucida Sans Typewriter" pitchFamily="49" charset="0"/>
+              </a:rPr>
+              <a:t>)</a:t>
+            </a:r>
+          </a:p>
+          <a:p>
+            <a:r>
+              <a:rPr lang="en-US" sz="1200" dirty="0" err="1">
+                <a:latin typeface="Lucida Sans Typewriter" pitchFamily="49" charset="0"/>
+              </a:rPr>
+              <a:t>loss_fn</a:t>
+            </a:r>
+            <a:r>
+              <a:rPr lang="en-US" sz="1200" dirty="0">
+                <a:latin typeface="Lucida Sans Typewriter" pitchFamily="49" charset="0"/>
+              </a:rPr>
+              <a:t> = </a:t>
+            </a:r>
+            <a:r>
+              <a:rPr lang="en-US" sz="1200" dirty="0" err="1">
+                <a:latin typeface="Lucida Sans Typewriter" pitchFamily="49" charset="0"/>
+              </a:rPr>
+              <a:t>torch.nn.MSELoss</a:t>
+            </a:r>
+            <a:r>
+              <a:rPr lang="en-US" sz="1200" dirty="0">
+                <a:latin typeface="Lucida Sans Typewriter" pitchFamily="49" charset="0"/>
+              </a:rPr>
+              <a:t>()</a:t>
+            </a:r>
+          </a:p>
+          <a:p>
+            <a:r>
+              <a:rPr lang="en-US" sz="1200" dirty="0">
+                <a:latin typeface="Lucida Sans Typewriter" pitchFamily="49" charset="0"/>
+              </a:rPr>
+              <a:t>optimizer = </a:t>
+            </a:r>
+            <a:r>
+              <a:rPr lang="en-US" sz="1200" dirty="0" err="1">
+                <a:latin typeface="Lucida Sans Typewriter" pitchFamily="49" charset="0"/>
+              </a:rPr>
+              <a:t>torch.optim.Adam</a:t>
+            </a:r>
+            <a:r>
+              <a:rPr lang="en-US" sz="1200" dirty="0">
+                <a:latin typeface="Lucida Sans Typewriter" pitchFamily="49" charset="0"/>
+              </a:rPr>
+              <a:t>(</a:t>
+            </a:r>
+            <a:r>
+              <a:rPr lang="en-US" sz="1200" dirty="0" err="1">
+                <a:latin typeface="Lucida Sans Typewriter" pitchFamily="49" charset="0"/>
+              </a:rPr>
+              <a:t>model.parameters</a:t>
+            </a:r>
+            <a:r>
+              <a:rPr lang="en-US" sz="1200" dirty="0">
+                <a:latin typeface="Lucida Sans Typewriter" pitchFamily="49" charset="0"/>
+              </a:rPr>
+              <a:t>(), </a:t>
+            </a:r>
+            <a:r>
+              <a:rPr lang="en-US" sz="1200" dirty="0" err="1">
+                <a:latin typeface="Lucida Sans Typewriter" pitchFamily="49" charset="0"/>
+              </a:rPr>
+              <a:t>lr</a:t>
+            </a:r>
+            <a:r>
+              <a:rPr lang="en-US" sz="1200" dirty="0">
+                <a:latin typeface="Lucida Sans Typewriter" pitchFamily="49" charset="0"/>
+              </a:rPr>
+              <a:t>=</a:t>
+            </a:r>
+            <a:r>
+              <a:rPr lang="en-US" sz="1200" dirty="0" err="1">
+                <a:latin typeface="Lucida Sans Typewriter" pitchFamily="49" charset="0"/>
+              </a:rPr>
+              <a:t>learning_rate</a:t>
+            </a:r>
+            <a:r>
+              <a:rPr lang="en-US" sz="1200" dirty="0" smtClean="0">
+                <a:latin typeface="Lucida Sans Typewriter" pitchFamily="49" charset="0"/>
+              </a:rPr>
+              <a:t>)</a:t>
+            </a:r>
+          </a:p>
+          <a:p>
+            <a:r>
+              <a:rPr lang="en-US" sz="1200" dirty="0">
+                <a:latin typeface="Lucida Sans Typewriter" pitchFamily="49" charset="0"/>
+              </a:rPr>
+              <a:t>for epoch in range(</a:t>
+            </a:r>
+            <a:r>
+              <a:rPr lang="en-US" sz="1200" dirty="0" err="1">
+                <a:latin typeface="Lucida Sans Typewriter" pitchFamily="49" charset="0"/>
+              </a:rPr>
+              <a:t>num_epochs</a:t>
+            </a:r>
+            <a:r>
+              <a:rPr lang="en-US" sz="1200" dirty="0">
+                <a:latin typeface="Lucida Sans Typewriter" pitchFamily="49" charset="0"/>
+              </a:rPr>
+              <a:t>):</a:t>
+            </a:r>
+          </a:p>
+          <a:p>
+            <a:r>
+              <a:rPr lang="en-US" sz="1200" dirty="0">
+                <a:latin typeface="Lucida Sans Typewriter" pitchFamily="49" charset="0"/>
+              </a:rPr>
+              <a:t> </a:t>
+            </a:r>
+            <a:r>
+              <a:rPr lang="en-US" sz="1200" dirty="0" smtClean="0">
+                <a:latin typeface="Lucida Sans Typewriter" pitchFamily="49" charset="0"/>
+              </a:rPr>
+              <a:t> </a:t>
+            </a:r>
+            <a:r>
+              <a:rPr lang="en-US" sz="1200" dirty="0" err="1" smtClean="0">
+                <a:latin typeface="Lucida Sans Typewriter" pitchFamily="49" charset="0"/>
+              </a:rPr>
+              <a:t>y_pred</a:t>
+            </a:r>
+            <a:r>
+              <a:rPr lang="en-US" sz="1200" dirty="0" smtClean="0">
+                <a:latin typeface="Lucida Sans Typewriter" pitchFamily="49" charset="0"/>
+              </a:rPr>
+              <a:t> </a:t>
+            </a:r>
+            <a:r>
+              <a:rPr lang="en-US" sz="1200" dirty="0">
+                <a:latin typeface="Lucida Sans Typewriter" pitchFamily="49" charset="0"/>
+              </a:rPr>
+              <a:t>= </a:t>
+            </a:r>
+            <a:r>
+              <a:rPr lang="en-US" sz="1200" dirty="0" smtClean="0">
+                <a:latin typeface="Lucida Sans Typewriter" pitchFamily="49" charset="0"/>
+              </a:rPr>
+              <a:t>model(</a:t>
+            </a:r>
+            <a:r>
+              <a:rPr lang="en-US" sz="1200" dirty="0" err="1" smtClean="0">
+                <a:latin typeface="Lucida Sans Typewriter" pitchFamily="49" charset="0"/>
+              </a:rPr>
+              <a:t>X_train</a:t>
+            </a:r>
+            <a:r>
+              <a:rPr lang="en-US" sz="1200" dirty="0" smtClean="0">
+                <a:latin typeface="Lucida Sans Typewriter" pitchFamily="49" charset="0"/>
+              </a:rPr>
+              <a:t>)</a:t>
+            </a:r>
+            <a:endParaRPr lang="en-US" sz="1200" dirty="0">
+              <a:latin typeface="Lucida Sans Typewriter" pitchFamily="49" charset="0"/>
+            </a:endParaRPr>
+          </a:p>
+          <a:p>
+            <a:r>
+              <a:rPr lang="en-US" sz="1200" dirty="0">
+                <a:latin typeface="Lucida Sans Typewriter" pitchFamily="49" charset="0"/>
+              </a:rPr>
+              <a:t>  </a:t>
+            </a:r>
+            <a:r>
+              <a:rPr lang="en-US" sz="1200" dirty="0" err="1">
+                <a:latin typeface="Lucida Sans Typewriter" pitchFamily="49" charset="0"/>
+              </a:rPr>
+              <a:t>loss_var</a:t>
+            </a:r>
+            <a:r>
+              <a:rPr lang="en-US" sz="1200" dirty="0">
+                <a:latin typeface="Lucida Sans Typewriter" pitchFamily="49" charset="0"/>
+              </a:rPr>
+              <a:t> = </a:t>
+            </a:r>
+            <a:r>
+              <a:rPr lang="en-US" sz="1200" dirty="0" err="1">
+                <a:latin typeface="Lucida Sans Typewriter" pitchFamily="49" charset="0"/>
+              </a:rPr>
+              <a:t>loss_fn</a:t>
+            </a:r>
+            <a:r>
+              <a:rPr lang="en-US" sz="1200" dirty="0">
+                <a:latin typeface="Lucida Sans Typewriter" pitchFamily="49" charset="0"/>
+              </a:rPr>
+              <a:t>(</a:t>
+            </a:r>
+            <a:r>
+              <a:rPr lang="en-US" sz="1200" dirty="0" err="1">
+                <a:latin typeface="Lucida Sans Typewriter" pitchFamily="49" charset="0"/>
+              </a:rPr>
+              <a:t>y_pred</a:t>
+            </a:r>
+            <a:r>
+              <a:rPr lang="en-US" sz="1200" dirty="0">
+                <a:latin typeface="Lucida Sans Typewriter" pitchFamily="49" charset="0"/>
+              </a:rPr>
+              <a:t>, </a:t>
+            </a:r>
+            <a:r>
+              <a:rPr lang="en-US" sz="1200" dirty="0" err="1">
+                <a:latin typeface="Lucida Sans Typewriter" pitchFamily="49" charset="0"/>
+              </a:rPr>
+              <a:t>y_train</a:t>
+            </a:r>
+            <a:r>
+              <a:rPr lang="en-US" sz="1200" dirty="0" smtClean="0">
+                <a:latin typeface="Lucida Sans Typewriter" pitchFamily="49" charset="0"/>
+              </a:rPr>
+              <a:t>) </a:t>
+            </a:r>
+          </a:p>
+          <a:p>
+            <a:r>
+              <a:rPr lang="en-US" sz="1200" dirty="0">
+                <a:latin typeface="Lucida Sans Typewriter" pitchFamily="49" charset="0"/>
+              </a:rPr>
+              <a:t> </a:t>
+            </a:r>
+            <a:r>
+              <a:rPr lang="en-US" sz="1200" dirty="0" smtClean="0">
+                <a:latin typeface="Lucida Sans Typewriter" pitchFamily="49" charset="0"/>
+              </a:rPr>
+              <a:t> </a:t>
+            </a:r>
+            <a:r>
+              <a:rPr lang="en-US" sz="1200" dirty="0" err="1" smtClean="0">
+                <a:latin typeface="Lucida Sans Typewriter" pitchFamily="49" charset="0"/>
+              </a:rPr>
+              <a:t>optimizer.zero_grad</a:t>
+            </a:r>
+            <a:r>
+              <a:rPr lang="en-US" sz="1200" dirty="0" smtClean="0">
+                <a:latin typeface="Lucida Sans Typewriter" pitchFamily="49" charset="0"/>
+              </a:rPr>
+              <a:t>()</a:t>
+            </a:r>
+          </a:p>
+          <a:p>
+            <a:r>
+              <a:rPr lang="en-US" sz="1200" dirty="0" smtClean="0">
+                <a:latin typeface="Lucida Sans Typewriter" pitchFamily="49" charset="0"/>
+              </a:rPr>
+              <a:t>  </a:t>
+            </a:r>
+            <a:r>
+              <a:rPr lang="en-US" sz="1200" dirty="0" err="1" smtClean="0">
+                <a:latin typeface="Lucida Sans Typewriter" pitchFamily="49" charset="0"/>
+              </a:rPr>
+              <a:t>loss_var.backward</a:t>
+            </a:r>
+            <a:r>
+              <a:rPr lang="en-US" sz="1200" dirty="0" smtClean="0">
+                <a:latin typeface="Lucida Sans Typewriter" pitchFamily="49" charset="0"/>
+              </a:rPr>
+              <a:t>()</a:t>
+            </a:r>
+          </a:p>
+          <a:p>
+            <a:r>
+              <a:rPr lang="en-US" sz="1200" dirty="0" smtClean="0">
+                <a:latin typeface="Lucida Sans Typewriter" pitchFamily="49" charset="0"/>
+              </a:rPr>
+              <a:t>  </a:t>
+            </a:r>
+            <a:r>
+              <a:rPr lang="en-US" sz="1200" dirty="0" err="1" smtClean="0">
+                <a:latin typeface="Lucida Sans Typewriter" pitchFamily="49" charset="0"/>
+              </a:rPr>
+              <a:t>optimizer.step</a:t>
+            </a:r>
+            <a:r>
+              <a:rPr lang="en-US" sz="1200" dirty="0" smtClean="0">
+                <a:latin typeface="Lucida Sans Typewriter" pitchFamily="49" charset="0"/>
+              </a:rPr>
+              <a:t>() </a:t>
+            </a:r>
+          </a:p>
+        </p:txBody>
+      </p:sp>
+    </p:spTree>
+    <p:extLst>
+      <p:ext uri="{BB962C8B-B14F-4D97-AF65-F5344CB8AC3E}">
+        <p14:creationId xmlns:p14="http://schemas.microsoft.com/office/powerpoint/2010/main" val="1763595360"/>
+      </p:ext>
+    </p:extLst>
+  </p:cSld>
+  <p:clrMapOvr>
+    <a:masterClrMapping/>
+  </p:clrMapOvr>
+</p:sld>
+</file>
+
+<file path=ppt/slides/slide19.xml><?xml version="1.0" encoding="utf-8"?>
+<p:sld xmlns:a="http://schemas.openxmlformats.org/drawingml/2006/main" xmlns:r="http://schemas.openxmlformats.org/officeDocument/2006/relationships" xmlns:p="http://schemas.openxmlformats.org/presentationml/2006/main">
+  <p:cSld>
+    <p:spTree>
+      <p:nvGrpSpPr>
+        <p:cNvPr id="1" name=""/>
+        <p:cNvGrpSpPr/>
+        <p:nvPr/>
+      </p:nvGrpSpPr>
+      <p:grpSpPr>
+        <a:xfrm>
+          <a:off x="0" y="0"/>
+          <a:ext cx="0" cy="0"/>
+          <a:chOff x="0" y="0"/>
+          <a:chExt cx="0" cy="0"/>
+        </a:xfrm>
+      </p:grpSpPr>
+      <p:sp>
+        <p:nvSpPr>
+          <p:cNvPr id="2" name="Title 1"/>
+          <p:cNvSpPr>
+            <a:spLocks noGrp="1"/>
+          </p:cNvSpPr>
+          <p:nvPr>
+            <p:ph type="title"/>
+          </p:nvPr>
+        </p:nvSpPr>
+        <p:spPr/>
+        <p:txBody>
+          <a:bodyPr/>
+          <a:lstStyle/>
+          <a:p>
+            <a:r>
+              <a:rPr lang="en-US" dirty="0" smtClean="0"/>
+              <a:t>Case study: Distinguishing sports</a:t>
+            </a:r>
+            <a:endParaRPr lang="en-US" dirty="0"/>
+          </a:p>
+        </p:txBody>
+      </p:sp>
+      <p:sp>
+        <p:nvSpPr>
+          <p:cNvPr id="3" name="Footer Placeholder 2"/>
+          <p:cNvSpPr>
+            <a:spLocks noGrp="1"/>
+          </p:cNvSpPr>
+          <p:nvPr>
+            <p:ph type="ftr" sz="quarter" idx="10"/>
+          </p:nvPr>
+        </p:nvSpPr>
+        <p:spPr/>
+        <p:txBody>
+          <a:bodyPr/>
+          <a:lstStyle/>
+          <a:p>
+            <a:r>
+              <a:rPr lang="en-US" smtClean="0"/>
+              <a:t>Practical Deep Learning</a:t>
+            </a:r>
+            <a:endParaRPr lang="de-DE"/>
+          </a:p>
+        </p:txBody>
+      </p:sp>
+      <p:sp>
+        <p:nvSpPr>
+          <p:cNvPr id="4" name="Slide Number Placeholder 3"/>
+          <p:cNvSpPr>
+            <a:spLocks noGrp="1"/>
+          </p:cNvSpPr>
+          <p:nvPr>
+            <p:ph type="sldNum" sz="quarter" idx="11"/>
+          </p:nvPr>
+        </p:nvSpPr>
+        <p:spPr/>
+        <p:txBody>
+          <a:bodyPr/>
+          <a:lstStyle/>
+          <a:p>
+            <a:fld id="{CAA1D080-129B-CB43-9B9B-B053798F4C9F}" type="slidenum">
+              <a:rPr lang="de-DE" smtClean="0"/>
+              <a:pPr/>
+              <a:t>19</a:t>
             </a:fld>
             <a:endParaRPr lang="de-DE"/>
           </a:p>
@@ -17116,7 +17826,7 @@
 </p:sld>
 </file>
 
-<file path=ppt/slides/slide18.xml><?xml version="1.0" encoding="utf-8"?>
+<file path=ppt/slides/slide2.xml><?xml version="1.0" encoding="utf-8"?>
 <p:sld xmlns:a="http://schemas.openxmlformats.org/drawingml/2006/main" xmlns:r="http://schemas.openxmlformats.org/officeDocument/2006/relationships" xmlns:p="http://schemas.openxmlformats.org/presentationml/2006/main">
   <p:cSld>
     <p:spTree>
@@ -17133,6 +17843,1517 @@
           <a:chExt cx="0" cy="0"/>
         </a:xfrm>
       </p:grpSpPr>
+      <p:pic>
+        <p:nvPicPr>
+          <p:cNvPr id="332" name="Bild 21"/>
+          <p:cNvPicPr/>
+          <p:nvPr/>
+        </p:nvPicPr>
+        <p:blipFill>
+          <a:blip r:embed="rId3"/>
+          <a:srcRect t="5413"/>
+          <a:stretch/>
+        </p:blipFill>
+        <p:spPr>
+          <a:xfrm>
+            <a:off x="1140840" y="0"/>
+            <a:ext cx="3253320" cy="4894560"/>
+          </a:xfrm>
+          <a:prstGeom prst="rect">
+            <a:avLst/>
+          </a:prstGeom>
+          <a:ln>
+            <a:noFill/>
+          </a:ln>
+        </p:spPr>
+      </p:pic>
+      <p:sp>
+        <p:nvSpPr>
+          <p:cNvPr id="333" name="CustomShape 1"/>
+          <p:cNvSpPr/>
+          <p:nvPr/>
+        </p:nvSpPr>
+        <p:spPr>
+          <a:xfrm>
+            <a:off x="2885040" y="528120"/>
+            <a:ext cx="1194840" cy="318240"/>
+          </a:xfrm>
+          <a:prstGeom prst="rect">
+            <a:avLst/>
+          </a:prstGeom>
+          <a:noFill/>
+          <a:ln>
+            <a:noFill/>
+          </a:ln>
+        </p:spPr>
+        <p:style>
+          <a:lnRef idx="0">
+            <a:scrgbClr r="0" g="0" b="0"/>
+          </a:lnRef>
+          <a:fillRef idx="0">
+            <a:scrgbClr r="0" g="0" b="0"/>
+          </a:fillRef>
+          <a:effectRef idx="0">
+            <a:scrgbClr r="0" g="0" b="0"/>
+          </a:effectRef>
+          <a:fontRef idx="minor"/>
+        </p:style>
+        <p:txBody>
+          <a:bodyPr lIns="90000" tIns="45000" rIns="90000" bIns="45000"/>
+          <a:lstStyle/>
+          <a:p>
+            <a:pPr>
+              <a:lnSpc>
+                <a:spcPts val="1800"/>
+              </a:lnSpc>
+              <a:spcAft>
+                <a:spcPts val="601"/>
+              </a:spcAft>
+            </a:pPr>
+            <a:r>
+              <a:rPr lang="en-US" sz="900" b="1" strike="noStrike" spc="-1">
+                <a:solidFill>
+                  <a:srgbClr val="404040"/>
+                </a:solidFill>
+                <a:uFill>
+                  <a:solidFill>
+                    <a:srgbClr val="FFFFFF"/>
+                  </a:solidFill>
+                </a:uFill>
+                <a:latin typeface="Arial"/>
+              </a:rPr>
+              <a:t>COPENHAGEN</a:t>
+            </a:r>
+            <a:endParaRPr lang="en-US" sz="900" b="0" strike="noStrike" spc="-1">
+              <a:solidFill>
+                <a:srgbClr val="000000"/>
+              </a:solidFill>
+              <a:uFill>
+                <a:solidFill>
+                  <a:srgbClr val="FFFFFF"/>
+                </a:solidFill>
+              </a:uFill>
+              <a:latin typeface="Arial"/>
+            </a:endParaRPr>
+          </a:p>
+        </p:txBody>
+      </p:sp>
+      <p:sp>
+        <p:nvSpPr>
+          <p:cNvPr id="334" name="CustomShape 2"/>
+          <p:cNvSpPr/>
+          <p:nvPr/>
+        </p:nvSpPr>
+        <p:spPr>
+          <a:xfrm>
+            <a:off x="2781360" y="3732120"/>
+            <a:ext cx="897120" cy="318240"/>
+          </a:xfrm>
+          <a:prstGeom prst="rect">
+            <a:avLst/>
+          </a:prstGeom>
+          <a:noFill/>
+          <a:ln>
+            <a:noFill/>
+          </a:ln>
+        </p:spPr>
+        <p:style>
+          <a:lnRef idx="0">
+            <a:scrgbClr r="0" g="0" b="0"/>
+          </a:lnRef>
+          <a:fillRef idx="0">
+            <a:scrgbClr r="0" g="0" b="0"/>
+          </a:fillRef>
+          <a:effectRef idx="0">
+            <a:scrgbClr r="0" g="0" b="0"/>
+          </a:effectRef>
+          <a:fontRef idx="minor"/>
+        </p:style>
+        <p:txBody>
+          <a:bodyPr lIns="90000" tIns="45000" rIns="90000" bIns="45000"/>
+          <a:lstStyle/>
+          <a:p>
+            <a:pPr>
+              <a:lnSpc>
+                <a:spcPts val="1800"/>
+              </a:lnSpc>
+              <a:spcAft>
+                <a:spcPts val="601"/>
+              </a:spcAft>
+            </a:pPr>
+            <a:r>
+              <a:rPr lang="en-US" sz="900" b="1" strike="noStrike" spc="-1">
+                <a:solidFill>
+                  <a:srgbClr val="404040"/>
+                </a:solidFill>
+                <a:uFill>
+                  <a:solidFill>
+                    <a:srgbClr val="FFFFFF"/>
+                  </a:solidFill>
+                </a:uFill>
+                <a:latin typeface="Arial"/>
+              </a:rPr>
+              <a:t>MUNICH</a:t>
+            </a:r>
+            <a:endParaRPr lang="en-US" sz="900" b="0" strike="noStrike" spc="-1">
+              <a:solidFill>
+                <a:srgbClr val="000000"/>
+              </a:solidFill>
+              <a:uFill>
+                <a:solidFill>
+                  <a:srgbClr val="FFFFFF"/>
+                </a:solidFill>
+              </a:uFill>
+              <a:latin typeface="Arial"/>
+            </a:endParaRPr>
+          </a:p>
+        </p:txBody>
+      </p:sp>
+      <p:sp>
+        <p:nvSpPr>
+          <p:cNvPr id="335" name="CustomShape 3"/>
+          <p:cNvSpPr/>
+          <p:nvPr/>
+        </p:nvSpPr>
+        <p:spPr>
+          <a:xfrm>
+            <a:off x="1293120" y="4388040"/>
+            <a:ext cx="897120" cy="318240"/>
+          </a:xfrm>
+          <a:prstGeom prst="rect">
+            <a:avLst/>
+          </a:prstGeom>
+          <a:noFill/>
+          <a:ln>
+            <a:noFill/>
+          </a:ln>
+        </p:spPr>
+        <p:style>
+          <a:lnRef idx="0">
+            <a:scrgbClr r="0" g="0" b="0"/>
+          </a:lnRef>
+          <a:fillRef idx="0">
+            <a:scrgbClr r="0" g="0" b="0"/>
+          </a:fillRef>
+          <a:effectRef idx="0">
+            <a:scrgbClr r="0" g="0" b="0"/>
+          </a:effectRef>
+          <a:fontRef idx="minor"/>
+        </p:style>
+        <p:txBody>
+          <a:bodyPr lIns="90000" tIns="45000" rIns="90000" bIns="45000"/>
+          <a:lstStyle/>
+          <a:p>
+            <a:pPr>
+              <a:lnSpc>
+                <a:spcPts val="1800"/>
+              </a:lnSpc>
+              <a:spcAft>
+                <a:spcPts val="601"/>
+              </a:spcAft>
+            </a:pPr>
+            <a:r>
+              <a:rPr lang="en-US" sz="900" b="1" strike="noStrike" spc="-1">
+                <a:solidFill>
+                  <a:srgbClr val="404040"/>
+                </a:solidFill>
+                <a:uFill>
+                  <a:solidFill>
+                    <a:srgbClr val="FFFFFF"/>
+                  </a:solidFill>
+                </a:uFill>
+                <a:latin typeface="Arial"/>
+              </a:rPr>
+              <a:t>LAUSANNE</a:t>
+            </a:r>
+            <a:endParaRPr lang="en-US" sz="900" b="0" strike="noStrike" spc="-1">
+              <a:solidFill>
+                <a:srgbClr val="000000"/>
+              </a:solidFill>
+              <a:uFill>
+                <a:solidFill>
+                  <a:srgbClr val="FFFFFF"/>
+                </a:solidFill>
+              </a:uFill>
+              <a:latin typeface="Arial"/>
+            </a:endParaRPr>
+          </a:p>
+        </p:txBody>
+      </p:sp>
+      <p:sp>
+        <p:nvSpPr>
+          <p:cNvPr id="336" name="CustomShape 4"/>
+          <p:cNvSpPr/>
+          <p:nvPr/>
+        </p:nvSpPr>
+        <p:spPr>
+          <a:xfrm>
+            <a:off x="1544400" y="4215600"/>
+            <a:ext cx="897120" cy="318240"/>
+          </a:xfrm>
+          <a:prstGeom prst="rect">
+            <a:avLst/>
+          </a:prstGeom>
+          <a:noFill/>
+          <a:ln>
+            <a:noFill/>
+          </a:ln>
+        </p:spPr>
+        <p:style>
+          <a:lnRef idx="0">
+            <a:scrgbClr r="0" g="0" b="0"/>
+          </a:lnRef>
+          <a:fillRef idx="0">
+            <a:scrgbClr r="0" g="0" b="0"/>
+          </a:fillRef>
+          <a:effectRef idx="0">
+            <a:scrgbClr r="0" g="0" b="0"/>
+          </a:effectRef>
+          <a:fontRef idx="minor"/>
+        </p:style>
+        <p:txBody>
+          <a:bodyPr lIns="90000" tIns="45000" rIns="90000" bIns="45000"/>
+          <a:lstStyle/>
+          <a:p>
+            <a:pPr>
+              <a:lnSpc>
+                <a:spcPts val="1800"/>
+              </a:lnSpc>
+              <a:spcAft>
+                <a:spcPts val="601"/>
+              </a:spcAft>
+            </a:pPr>
+            <a:r>
+              <a:rPr lang="en-US" sz="900" b="1" strike="noStrike" spc="-1">
+                <a:solidFill>
+                  <a:srgbClr val="404040"/>
+                </a:solidFill>
+                <a:uFill>
+                  <a:solidFill>
+                    <a:srgbClr val="FFFFFF"/>
+                  </a:solidFill>
+                </a:uFill>
+                <a:latin typeface="Arial"/>
+              </a:rPr>
+              <a:t>BERN</a:t>
+            </a:r>
+            <a:endParaRPr lang="en-US" sz="900" b="0" strike="noStrike" spc="-1">
+              <a:solidFill>
+                <a:srgbClr val="000000"/>
+              </a:solidFill>
+              <a:uFill>
+                <a:solidFill>
+                  <a:srgbClr val="FFFFFF"/>
+                </a:solidFill>
+              </a:uFill>
+              <a:latin typeface="Arial"/>
+            </a:endParaRPr>
+          </a:p>
+        </p:txBody>
+      </p:sp>
+      <p:sp>
+        <p:nvSpPr>
+          <p:cNvPr id="337" name="CustomShape 5"/>
+          <p:cNvSpPr/>
+          <p:nvPr/>
+        </p:nvSpPr>
+        <p:spPr>
+          <a:xfrm>
+            <a:off x="1886760" y="4038480"/>
+            <a:ext cx="897120" cy="318240"/>
+          </a:xfrm>
+          <a:prstGeom prst="rect">
+            <a:avLst/>
+          </a:prstGeom>
+          <a:noFill/>
+          <a:ln>
+            <a:noFill/>
+          </a:ln>
+        </p:spPr>
+        <p:style>
+          <a:lnRef idx="0">
+            <a:scrgbClr r="0" g="0" b="0"/>
+          </a:lnRef>
+          <a:fillRef idx="0">
+            <a:scrgbClr r="0" g="0" b="0"/>
+          </a:fillRef>
+          <a:effectRef idx="0">
+            <a:scrgbClr r="0" g="0" b="0"/>
+          </a:effectRef>
+          <a:fontRef idx="minor"/>
+        </p:style>
+        <p:txBody>
+          <a:bodyPr lIns="90000" tIns="45000" rIns="90000" bIns="45000"/>
+          <a:lstStyle/>
+          <a:p>
+            <a:pPr>
+              <a:lnSpc>
+                <a:spcPts val="1800"/>
+              </a:lnSpc>
+              <a:spcAft>
+                <a:spcPts val="601"/>
+              </a:spcAft>
+            </a:pPr>
+            <a:r>
+              <a:rPr lang="en-US" sz="900" b="1" strike="noStrike" spc="-1">
+                <a:solidFill>
+                  <a:srgbClr val="404040"/>
+                </a:solidFill>
+                <a:uFill>
+                  <a:solidFill>
+                    <a:srgbClr val="FFFFFF"/>
+                  </a:solidFill>
+                </a:uFill>
+                <a:latin typeface="Arial"/>
+              </a:rPr>
+              <a:t>ZURICH</a:t>
+            </a:r>
+            <a:endParaRPr lang="en-US" sz="900" b="0" strike="noStrike" spc="-1">
+              <a:solidFill>
+                <a:srgbClr val="000000"/>
+              </a:solidFill>
+              <a:uFill>
+                <a:solidFill>
+                  <a:srgbClr val="FFFFFF"/>
+                </a:solidFill>
+              </a:uFill>
+              <a:latin typeface="Arial"/>
+            </a:endParaRPr>
+          </a:p>
+        </p:txBody>
+      </p:sp>
+      <p:sp>
+        <p:nvSpPr>
+          <p:cNvPr id="338" name="CustomShape 6"/>
+          <p:cNvSpPr/>
+          <p:nvPr/>
+        </p:nvSpPr>
+        <p:spPr>
+          <a:xfrm>
+            <a:off x="1785600" y="3884760"/>
+            <a:ext cx="880200" cy="318240"/>
+          </a:xfrm>
+          <a:prstGeom prst="rect">
+            <a:avLst/>
+          </a:prstGeom>
+          <a:noFill/>
+          <a:ln>
+            <a:noFill/>
+          </a:ln>
+        </p:spPr>
+        <p:style>
+          <a:lnRef idx="0">
+            <a:scrgbClr r="0" g="0" b="0"/>
+          </a:lnRef>
+          <a:fillRef idx="0">
+            <a:scrgbClr r="0" g="0" b="0"/>
+          </a:fillRef>
+          <a:effectRef idx="0">
+            <a:scrgbClr r="0" g="0" b="0"/>
+          </a:effectRef>
+          <a:fontRef idx="minor"/>
+        </p:style>
+        <p:txBody>
+          <a:bodyPr lIns="90000" tIns="45000" rIns="90000" bIns="45000"/>
+          <a:lstStyle/>
+          <a:p>
+            <a:pPr>
+              <a:lnSpc>
+                <a:spcPts val="1800"/>
+              </a:lnSpc>
+              <a:spcAft>
+                <a:spcPts val="601"/>
+              </a:spcAft>
+            </a:pPr>
+            <a:r>
+              <a:rPr lang="en-US" sz="900" b="1" strike="noStrike" spc="-1">
+                <a:solidFill>
+                  <a:srgbClr val="404040"/>
+                </a:solidFill>
+                <a:uFill>
+                  <a:solidFill>
+                    <a:srgbClr val="FFFFFF"/>
+                  </a:solidFill>
+                </a:uFill>
+                <a:latin typeface="Arial"/>
+              </a:rPr>
+              <a:t>BRUGG</a:t>
+            </a:r>
+            <a:endParaRPr lang="en-US" sz="900" b="0" strike="noStrike" spc="-1">
+              <a:solidFill>
+                <a:srgbClr val="000000"/>
+              </a:solidFill>
+              <a:uFill>
+                <a:solidFill>
+                  <a:srgbClr val="FFFFFF"/>
+                </a:solidFill>
+              </a:uFill>
+              <a:latin typeface="Arial"/>
+            </a:endParaRPr>
+          </a:p>
+        </p:txBody>
+      </p:sp>
+      <p:sp>
+        <p:nvSpPr>
+          <p:cNvPr id="339" name="CustomShape 7"/>
+          <p:cNvSpPr/>
+          <p:nvPr/>
+        </p:nvSpPr>
+        <p:spPr>
+          <a:xfrm>
+            <a:off x="590040" y="4366080"/>
+            <a:ext cx="707760" cy="318240"/>
+          </a:xfrm>
+          <a:prstGeom prst="rect">
+            <a:avLst/>
+          </a:prstGeom>
+          <a:noFill/>
+          <a:ln>
+            <a:noFill/>
+          </a:ln>
+        </p:spPr>
+        <p:style>
+          <a:lnRef idx="0">
+            <a:scrgbClr r="0" g="0" b="0"/>
+          </a:lnRef>
+          <a:fillRef idx="0">
+            <a:scrgbClr r="0" g="0" b="0"/>
+          </a:fillRef>
+          <a:effectRef idx="0">
+            <a:scrgbClr r="0" g="0" b="0"/>
+          </a:effectRef>
+          <a:fontRef idx="minor"/>
+        </p:style>
+        <p:txBody>
+          <a:bodyPr lIns="90000" tIns="45000" rIns="90000" bIns="45000"/>
+          <a:lstStyle/>
+          <a:p>
+            <a:pPr>
+              <a:lnSpc>
+                <a:spcPts val="1800"/>
+              </a:lnSpc>
+              <a:spcAft>
+                <a:spcPts val="601"/>
+              </a:spcAft>
+            </a:pPr>
+            <a:r>
+              <a:rPr lang="en-US" sz="900" b="1" strike="noStrike" spc="-1">
+                <a:solidFill>
+                  <a:srgbClr val="404040"/>
+                </a:solidFill>
+                <a:uFill>
+                  <a:solidFill>
+                    <a:srgbClr val="FFFFFF"/>
+                  </a:solidFill>
+                </a:uFill>
+                <a:latin typeface="Arial"/>
+              </a:rPr>
+              <a:t>GENEVA</a:t>
+            </a:r>
+            <a:endParaRPr lang="en-US" sz="900" b="0" strike="noStrike" spc="-1">
+              <a:solidFill>
+                <a:srgbClr val="000000"/>
+              </a:solidFill>
+              <a:uFill>
+                <a:solidFill>
+                  <a:srgbClr val="FFFFFF"/>
+                </a:solidFill>
+              </a:uFill>
+              <a:latin typeface="Arial"/>
+            </a:endParaRPr>
+          </a:p>
+        </p:txBody>
+      </p:sp>
+      <p:sp>
+        <p:nvSpPr>
+          <p:cNvPr id="340" name="CustomShape 8"/>
+          <p:cNvSpPr/>
+          <p:nvPr/>
+        </p:nvSpPr>
+        <p:spPr>
+          <a:xfrm>
+            <a:off x="2208240" y="1392120"/>
+            <a:ext cx="897120" cy="318240"/>
+          </a:xfrm>
+          <a:prstGeom prst="rect">
+            <a:avLst/>
+          </a:prstGeom>
+          <a:noFill/>
+          <a:ln>
+            <a:noFill/>
+          </a:ln>
+        </p:spPr>
+        <p:style>
+          <a:lnRef idx="0">
+            <a:scrgbClr r="0" g="0" b="0"/>
+          </a:lnRef>
+          <a:fillRef idx="0">
+            <a:scrgbClr r="0" g="0" b="0"/>
+          </a:fillRef>
+          <a:effectRef idx="0">
+            <a:scrgbClr r="0" g="0" b="0"/>
+          </a:effectRef>
+          <a:fontRef idx="minor"/>
+        </p:style>
+        <p:txBody>
+          <a:bodyPr lIns="90000" tIns="45000" rIns="90000" bIns="45000"/>
+          <a:lstStyle/>
+          <a:p>
+            <a:pPr>
+              <a:lnSpc>
+                <a:spcPts val="1800"/>
+              </a:lnSpc>
+              <a:spcAft>
+                <a:spcPts val="601"/>
+              </a:spcAft>
+            </a:pPr>
+            <a:r>
+              <a:rPr lang="en-US" sz="900" b="1" strike="noStrike" spc="-1">
+                <a:solidFill>
+                  <a:srgbClr val="404040"/>
+                </a:solidFill>
+                <a:uFill>
+                  <a:solidFill>
+                    <a:srgbClr val="FFFFFF"/>
+                  </a:solidFill>
+                </a:uFill>
+                <a:latin typeface="Arial"/>
+              </a:rPr>
+              <a:t>HAMBURG</a:t>
+            </a:r>
+            <a:endParaRPr lang="en-US" sz="900" b="0" strike="noStrike" spc="-1">
+              <a:solidFill>
+                <a:srgbClr val="000000"/>
+              </a:solidFill>
+              <a:uFill>
+                <a:solidFill>
+                  <a:srgbClr val="FFFFFF"/>
+                </a:solidFill>
+              </a:uFill>
+              <a:latin typeface="Arial"/>
+            </a:endParaRPr>
+          </a:p>
+        </p:txBody>
+      </p:sp>
+      <p:sp>
+        <p:nvSpPr>
+          <p:cNvPr id="341" name="CustomShape 9"/>
+          <p:cNvSpPr/>
+          <p:nvPr/>
+        </p:nvSpPr>
+        <p:spPr>
+          <a:xfrm>
+            <a:off x="1439640" y="2418840"/>
+            <a:ext cx="1075320" cy="318240"/>
+          </a:xfrm>
+          <a:prstGeom prst="rect">
+            <a:avLst/>
+          </a:prstGeom>
+          <a:noFill/>
+          <a:ln>
+            <a:noFill/>
+          </a:ln>
+        </p:spPr>
+        <p:style>
+          <a:lnRef idx="0">
+            <a:scrgbClr r="0" g="0" b="0"/>
+          </a:lnRef>
+          <a:fillRef idx="0">
+            <a:scrgbClr r="0" g="0" b="0"/>
+          </a:fillRef>
+          <a:effectRef idx="0">
+            <a:scrgbClr r="0" g="0" b="0"/>
+          </a:effectRef>
+          <a:fontRef idx="minor"/>
+        </p:style>
+        <p:txBody>
+          <a:bodyPr lIns="90000" tIns="45000" rIns="90000" bIns="45000"/>
+          <a:lstStyle/>
+          <a:p>
+            <a:pPr>
+              <a:lnSpc>
+                <a:spcPts val="1800"/>
+              </a:lnSpc>
+              <a:spcAft>
+                <a:spcPts val="601"/>
+              </a:spcAft>
+            </a:pPr>
+            <a:r>
+              <a:rPr lang="en-US" sz="900" b="1" strike="noStrike" spc="-1">
+                <a:solidFill>
+                  <a:srgbClr val="404040"/>
+                </a:solidFill>
+                <a:uFill>
+                  <a:solidFill>
+                    <a:srgbClr val="FFFFFF"/>
+                  </a:solidFill>
+                </a:uFill>
+                <a:latin typeface="Arial"/>
+              </a:rPr>
+              <a:t>DÜSSELDORF</a:t>
+            </a:r>
+            <a:endParaRPr lang="en-US" sz="900" b="0" strike="noStrike" spc="-1">
+              <a:solidFill>
+                <a:srgbClr val="000000"/>
+              </a:solidFill>
+              <a:uFill>
+                <a:solidFill>
+                  <a:srgbClr val="FFFFFF"/>
+                </a:solidFill>
+              </a:uFill>
+              <a:latin typeface="Arial"/>
+            </a:endParaRPr>
+          </a:p>
+        </p:txBody>
+      </p:sp>
+      <p:sp>
+        <p:nvSpPr>
+          <p:cNvPr id="342" name="CustomShape 10"/>
+          <p:cNvSpPr/>
+          <p:nvPr/>
+        </p:nvSpPr>
+        <p:spPr>
+          <a:xfrm>
+            <a:off x="1800360" y="2858400"/>
+            <a:ext cx="1023840" cy="318240"/>
+          </a:xfrm>
+          <a:prstGeom prst="rect">
+            <a:avLst/>
+          </a:prstGeom>
+          <a:noFill/>
+          <a:ln>
+            <a:noFill/>
+          </a:ln>
+        </p:spPr>
+        <p:style>
+          <a:lnRef idx="0">
+            <a:scrgbClr r="0" g="0" b="0"/>
+          </a:lnRef>
+          <a:fillRef idx="0">
+            <a:scrgbClr r="0" g="0" b="0"/>
+          </a:fillRef>
+          <a:effectRef idx="0">
+            <a:scrgbClr r="0" g="0" b="0"/>
+          </a:effectRef>
+          <a:fontRef idx="minor"/>
+        </p:style>
+        <p:txBody>
+          <a:bodyPr lIns="90000" tIns="45000" rIns="90000" bIns="45000"/>
+          <a:lstStyle/>
+          <a:p>
+            <a:pPr>
+              <a:lnSpc>
+                <a:spcPts val="1800"/>
+              </a:lnSpc>
+              <a:spcAft>
+                <a:spcPts val="601"/>
+              </a:spcAft>
+            </a:pPr>
+            <a:r>
+              <a:rPr lang="en-US" sz="900" b="1" strike="noStrike" spc="-1">
+                <a:solidFill>
+                  <a:srgbClr val="404040"/>
+                </a:solidFill>
+                <a:uFill>
+                  <a:solidFill>
+                    <a:srgbClr val="FFFFFF"/>
+                  </a:solidFill>
+                </a:uFill>
+                <a:latin typeface="Arial"/>
+              </a:rPr>
+              <a:t>FRANKFURT</a:t>
+            </a:r>
+            <a:endParaRPr lang="en-US" sz="900" b="0" strike="noStrike" spc="-1">
+              <a:solidFill>
+                <a:srgbClr val="000000"/>
+              </a:solidFill>
+              <a:uFill>
+                <a:solidFill>
+                  <a:srgbClr val="FFFFFF"/>
+                </a:solidFill>
+              </a:uFill>
+              <a:latin typeface="Arial"/>
+            </a:endParaRPr>
+          </a:p>
+        </p:txBody>
+      </p:sp>
+      <p:sp>
+        <p:nvSpPr>
+          <p:cNvPr id="343" name="CustomShape 11"/>
+          <p:cNvSpPr/>
+          <p:nvPr/>
+        </p:nvSpPr>
+        <p:spPr>
+          <a:xfrm>
+            <a:off x="2022480" y="3290400"/>
+            <a:ext cx="897120" cy="318240"/>
+          </a:xfrm>
+          <a:prstGeom prst="rect">
+            <a:avLst/>
+          </a:prstGeom>
+          <a:noFill/>
+          <a:ln>
+            <a:noFill/>
+          </a:ln>
+        </p:spPr>
+        <p:style>
+          <a:lnRef idx="0">
+            <a:scrgbClr r="0" g="0" b="0"/>
+          </a:lnRef>
+          <a:fillRef idx="0">
+            <a:scrgbClr r="0" g="0" b="0"/>
+          </a:fillRef>
+          <a:effectRef idx="0">
+            <a:scrgbClr r="0" g="0" b="0"/>
+          </a:effectRef>
+          <a:fontRef idx="minor"/>
+        </p:style>
+        <p:txBody>
+          <a:bodyPr lIns="90000" tIns="45000" rIns="90000" bIns="45000"/>
+          <a:lstStyle/>
+          <a:p>
+            <a:pPr>
+              <a:lnSpc>
+                <a:spcPts val="1800"/>
+              </a:lnSpc>
+              <a:spcAft>
+                <a:spcPts val="601"/>
+              </a:spcAft>
+            </a:pPr>
+            <a:r>
+              <a:rPr lang="en-US" sz="900" b="1" strike="noStrike" spc="-1">
+                <a:solidFill>
+                  <a:srgbClr val="404040"/>
+                </a:solidFill>
+                <a:uFill>
+                  <a:solidFill>
+                    <a:srgbClr val="FFFFFF"/>
+                  </a:solidFill>
+                </a:uFill>
+                <a:latin typeface="Arial"/>
+              </a:rPr>
+              <a:t>STUTTGART</a:t>
+            </a:r>
+            <a:endParaRPr lang="en-US" sz="900" b="0" strike="noStrike" spc="-1">
+              <a:solidFill>
+                <a:srgbClr val="000000"/>
+              </a:solidFill>
+              <a:uFill>
+                <a:solidFill>
+                  <a:srgbClr val="FFFFFF"/>
+                </a:solidFill>
+              </a:uFill>
+              <a:latin typeface="Arial"/>
+            </a:endParaRPr>
+          </a:p>
+        </p:txBody>
+      </p:sp>
+      <p:sp>
+        <p:nvSpPr>
+          <p:cNvPr id="344" name="CustomShape 12"/>
+          <p:cNvSpPr/>
+          <p:nvPr/>
+        </p:nvSpPr>
+        <p:spPr>
+          <a:xfrm>
+            <a:off x="1699560" y="3646440"/>
+            <a:ext cx="897120" cy="318240"/>
+          </a:xfrm>
+          <a:prstGeom prst="rect">
+            <a:avLst/>
+          </a:prstGeom>
+          <a:noFill/>
+          <a:ln>
+            <a:noFill/>
+          </a:ln>
+        </p:spPr>
+        <p:style>
+          <a:lnRef idx="0">
+            <a:scrgbClr r="0" g="0" b="0"/>
+          </a:lnRef>
+          <a:fillRef idx="0">
+            <a:scrgbClr r="0" g="0" b="0"/>
+          </a:fillRef>
+          <a:effectRef idx="0">
+            <a:scrgbClr r="0" g="0" b="0"/>
+          </a:effectRef>
+          <a:fontRef idx="minor"/>
+        </p:style>
+        <p:txBody>
+          <a:bodyPr lIns="90000" tIns="45000" rIns="90000" bIns="45000"/>
+          <a:lstStyle/>
+          <a:p>
+            <a:pPr>
+              <a:lnSpc>
+                <a:spcPts val="1800"/>
+              </a:lnSpc>
+              <a:spcAft>
+                <a:spcPts val="601"/>
+              </a:spcAft>
+            </a:pPr>
+            <a:r>
+              <a:rPr lang="en-US" sz="900" b="1" strike="noStrike" spc="-1">
+                <a:solidFill>
+                  <a:srgbClr val="404040"/>
+                </a:solidFill>
+                <a:uFill>
+                  <a:solidFill>
+                    <a:srgbClr val="FFFFFF"/>
+                  </a:solidFill>
+                </a:uFill>
+                <a:latin typeface="Arial"/>
+              </a:rPr>
+              <a:t>FREIBURG</a:t>
+            </a:r>
+            <a:endParaRPr lang="en-US" sz="900" b="0" strike="noStrike" spc="-1">
+              <a:solidFill>
+                <a:srgbClr val="000000"/>
+              </a:solidFill>
+              <a:uFill>
+                <a:solidFill>
+                  <a:srgbClr val="FFFFFF"/>
+                </a:solidFill>
+              </a:uFill>
+              <a:latin typeface="Arial"/>
+            </a:endParaRPr>
+          </a:p>
+        </p:txBody>
+      </p:sp>
+      <p:sp>
+        <p:nvSpPr>
+          <p:cNvPr id="345" name="CustomShape 13"/>
+          <p:cNvSpPr/>
+          <p:nvPr/>
+        </p:nvSpPr>
+        <p:spPr>
+          <a:xfrm>
+            <a:off x="1164240" y="3991320"/>
+            <a:ext cx="666720" cy="318240"/>
+          </a:xfrm>
+          <a:prstGeom prst="rect">
+            <a:avLst/>
+          </a:prstGeom>
+          <a:noFill/>
+          <a:ln>
+            <a:noFill/>
+          </a:ln>
+        </p:spPr>
+        <p:style>
+          <a:lnRef idx="0">
+            <a:scrgbClr r="0" g="0" b="0"/>
+          </a:lnRef>
+          <a:fillRef idx="0">
+            <a:scrgbClr r="0" g="0" b="0"/>
+          </a:fillRef>
+          <a:effectRef idx="0">
+            <a:scrgbClr r="0" g="0" b="0"/>
+          </a:effectRef>
+          <a:fontRef idx="minor"/>
+        </p:style>
+        <p:txBody>
+          <a:bodyPr lIns="90000" tIns="45000" rIns="90000" bIns="45000"/>
+          <a:lstStyle/>
+          <a:p>
+            <a:pPr>
+              <a:lnSpc>
+                <a:spcPts val="1800"/>
+              </a:lnSpc>
+              <a:spcAft>
+                <a:spcPts val="601"/>
+              </a:spcAft>
+            </a:pPr>
+            <a:r>
+              <a:rPr lang="en-US" sz="900" b="1" strike="noStrike" spc="-1">
+                <a:solidFill>
+                  <a:srgbClr val="404040"/>
+                </a:solidFill>
+                <a:uFill>
+                  <a:solidFill>
+                    <a:srgbClr val="FFFFFF"/>
+                  </a:solidFill>
+                </a:uFill>
+                <a:latin typeface="Arial"/>
+              </a:rPr>
+              <a:t>BASEL</a:t>
+            </a:r>
+            <a:endParaRPr lang="en-US" sz="900" b="0" strike="noStrike" spc="-1">
+              <a:solidFill>
+                <a:srgbClr val="000000"/>
+              </a:solidFill>
+              <a:uFill>
+                <a:solidFill>
+                  <a:srgbClr val="FFFFFF"/>
+                </a:solidFill>
+              </a:uFill>
+              <a:latin typeface="Arial"/>
+            </a:endParaRPr>
+          </a:p>
+        </p:txBody>
+      </p:sp>
+      <p:sp>
+        <p:nvSpPr>
+          <p:cNvPr id="346" name="CustomShape 14"/>
+          <p:cNvSpPr/>
+          <p:nvPr/>
+        </p:nvSpPr>
+        <p:spPr>
+          <a:xfrm>
+            <a:off x="3610800" y="3631680"/>
+            <a:ext cx="744120" cy="318240"/>
+          </a:xfrm>
+          <a:prstGeom prst="rect">
+            <a:avLst/>
+          </a:prstGeom>
+          <a:noFill/>
+          <a:ln>
+            <a:noFill/>
+          </a:ln>
+        </p:spPr>
+        <p:style>
+          <a:lnRef idx="0">
+            <a:scrgbClr r="0" g="0" b="0"/>
+          </a:lnRef>
+          <a:fillRef idx="0">
+            <a:scrgbClr r="0" g="0" b="0"/>
+          </a:fillRef>
+          <a:effectRef idx="0">
+            <a:scrgbClr r="0" g="0" b="0"/>
+          </a:effectRef>
+          <a:fontRef idx="minor"/>
+        </p:style>
+        <p:txBody>
+          <a:bodyPr lIns="90000" tIns="45000" rIns="90000" bIns="45000"/>
+          <a:lstStyle/>
+          <a:p>
+            <a:pPr>
+              <a:lnSpc>
+                <a:spcPts val="1800"/>
+              </a:lnSpc>
+              <a:spcAft>
+                <a:spcPts val="601"/>
+              </a:spcAft>
+            </a:pPr>
+            <a:r>
+              <a:rPr lang="en-US" sz="900" b="1" strike="noStrike" spc="-1">
+                <a:solidFill>
+                  <a:srgbClr val="404040"/>
+                </a:solidFill>
+                <a:uFill>
+                  <a:solidFill>
+                    <a:srgbClr val="FFFFFF"/>
+                  </a:solidFill>
+                </a:uFill>
+                <a:latin typeface="Arial"/>
+              </a:rPr>
+              <a:t>VIENNA</a:t>
+            </a:r>
+            <a:endParaRPr lang="en-US" sz="900" b="0" strike="noStrike" spc="-1">
+              <a:solidFill>
+                <a:srgbClr val="000000"/>
+              </a:solidFill>
+              <a:uFill>
+                <a:solidFill>
+                  <a:srgbClr val="FFFFFF"/>
+                </a:solidFill>
+              </a:uFill>
+              <a:latin typeface="Arial"/>
+            </a:endParaRPr>
+          </a:p>
+        </p:txBody>
+      </p:sp>
+      <p:sp>
+        <p:nvSpPr>
+          <p:cNvPr id="347" name="TextShape 15"/>
+          <p:cNvSpPr txBox="1"/>
+          <p:nvPr/>
+        </p:nvSpPr>
+        <p:spPr>
+          <a:xfrm>
+            <a:off x="633600" y="127800"/>
+            <a:ext cx="8151120" cy="721080"/>
+          </a:xfrm>
+          <a:prstGeom prst="rect">
+            <a:avLst/>
+          </a:prstGeom>
+          <a:noFill/>
+          <a:ln>
+            <a:noFill/>
+          </a:ln>
+        </p:spPr>
+        <p:txBody>
+          <a:bodyPr lIns="108000" tIns="46800" rIns="108000" bIns="46800"/>
+          <a:lstStyle/>
+          <a:p>
+            <a:pPr>
+              <a:lnSpc>
+                <a:spcPts val="3101"/>
+              </a:lnSpc>
+            </a:pPr>
+            <a:r>
+              <a:rPr lang="de-DE" sz="2500" b="0" strike="noStrike" spc="-1">
+                <a:solidFill>
+                  <a:srgbClr val="141313"/>
+                </a:solidFill>
+                <a:uFill>
+                  <a:solidFill>
+                    <a:srgbClr val="FFFFFF"/>
+                  </a:solidFill>
+                </a:uFill>
+                <a:latin typeface="Arial"/>
+              </a:rPr>
+              <a:t>With over 600 specialists and IT experts in your region.</a:t>
+            </a:r>
+            <a:endParaRPr lang="de-DE" sz="2500" b="0" strike="noStrike" spc="-1">
+              <a:solidFill>
+                <a:srgbClr val="636466"/>
+              </a:solidFill>
+              <a:uFill>
+                <a:solidFill>
+                  <a:srgbClr val="FFFFFF"/>
+                </a:solidFill>
+              </a:uFill>
+              <a:latin typeface="Segoe UI"/>
+            </a:endParaRPr>
+          </a:p>
+        </p:txBody>
+      </p:sp>
+      <p:sp>
+        <p:nvSpPr>
+          <p:cNvPr id="348" name="TextShape 16"/>
+          <p:cNvSpPr txBox="1"/>
+          <p:nvPr/>
+        </p:nvSpPr>
+        <p:spPr>
+          <a:xfrm>
+            <a:off x="1545120" y="4808880"/>
+            <a:ext cx="3920040" cy="274320"/>
+          </a:xfrm>
+          <a:prstGeom prst="rect">
+            <a:avLst/>
+          </a:prstGeom>
+          <a:noFill/>
+          <a:ln>
+            <a:noFill/>
+          </a:ln>
+        </p:spPr>
+        <p:txBody>
+          <a:bodyPr anchor="ctr"/>
+          <a:lstStyle/>
+          <a:p>
+            <a:pPr>
+              <a:defRPr/>
+            </a:pPr>
+            <a:r>
+              <a:rPr lang="en-US" sz="1100" dirty="0">
+                <a:solidFill>
+                  <a:srgbClr val="87888A"/>
+                </a:solidFill>
+              </a:rPr>
+              <a:t>Practical Deep Learning</a:t>
+            </a:r>
+            <a:endParaRPr lang="de-DE" sz="1100" dirty="0">
+              <a:solidFill>
+                <a:srgbClr val="87888A"/>
+              </a:solidFill>
+            </a:endParaRPr>
+          </a:p>
+        </p:txBody>
+      </p:sp>
+      <p:sp>
+        <p:nvSpPr>
+          <p:cNvPr id="349" name="TextShape 17"/>
+          <p:cNvSpPr txBox="1"/>
+          <p:nvPr/>
+        </p:nvSpPr>
+        <p:spPr>
+          <a:xfrm>
+            <a:off x="261360" y="4808880"/>
+            <a:ext cx="496440" cy="274320"/>
+          </a:xfrm>
+          <a:prstGeom prst="rect">
+            <a:avLst/>
+          </a:prstGeom>
+          <a:noFill/>
+          <a:ln>
+            <a:noFill/>
+          </a:ln>
+        </p:spPr>
+        <p:txBody>
+          <a:bodyPr anchor="ctr"/>
+          <a:lstStyle/>
+          <a:p>
+            <a:pPr>
+              <a:lnSpc>
+                <a:spcPct val="100000"/>
+              </a:lnSpc>
+            </a:pPr>
+            <a:fld id="{0F98E6A1-9B2F-47DE-BB9C-1462DFC12C78}" type="slidenum">
+              <a:rPr lang="en-US" sz="1100" b="0" strike="noStrike" spc="-1">
+                <a:solidFill>
+                  <a:srgbClr val="A6A6A6"/>
+                </a:solidFill>
+                <a:uFill>
+                  <a:solidFill>
+                    <a:srgbClr val="FFFFFF"/>
+                  </a:solidFill>
+                </a:uFill>
+                <a:latin typeface="Arial"/>
+              </a:rPr>
+              <a:t>2</a:t>
+            </a:fld>
+            <a:endParaRPr lang="en-US" sz="1100" b="0" strike="noStrike" spc="-1">
+              <a:solidFill>
+                <a:srgbClr val="000000"/>
+              </a:solidFill>
+              <a:uFill>
+                <a:solidFill>
+                  <a:srgbClr val="FFFFFF"/>
+                </a:solidFill>
+              </a:uFill>
+              <a:latin typeface="Times New Roman"/>
+            </a:endParaRPr>
+          </a:p>
+        </p:txBody>
+      </p:sp>
+      <p:sp>
+        <p:nvSpPr>
+          <p:cNvPr id="350" name="TextShape 18"/>
+          <p:cNvSpPr txBox="1"/>
+          <p:nvPr/>
+        </p:nvSpPr>
+        <p:spPr>
+          <a:xfrm>
+            <a:off x="668880" y="4808880"/>
+            <a:ext cx="899640" cy="274320"/>
+          </a:xfrm>
+          <a:prstGeom prst="rect">
+            <a:avLst/>
+          </a:prstGeom>
+          <a:noFill/>
+          <a:ln>
+            <a:noFill/>
+          </a:ln>
+        </p:spPr>
+        <p:txBody>
+          <a:bodyPr anchor="ctr"/>
+          <a:lstStyle/>
+          <a:p>
+            <a:pPr>
+              <a:defRPr/>
+            </a:pPr>
+            <a:r>
+              <a:rPr lang="en-US" sz="1100" dirty="0">
+                <a:solidFill>
+                  <a:srgbClr val="87888A"/>
+                </a:solidFill>
+              </a:rPr>
+              <a:t>2017/13/12</a:t>
+            </a:r>
+            <a:endParaRPr lang="de-DE" sz="1100" dirty="0">
+              <a:solidFill>
+                <a:srgbClr val="87888A"/>
+              </a:solidFill>
+            </a:endParaRPr>
+          </a:p>
+        </p:txBody>
+      </p:sp>
+      <p:sp>
+        <p:nvSpPr>
+          <p:cNvPr id="351" name="TextShape 19"/>
+          <p:cNvSpPr txBox="1"/>
+          <p:nvPr/>
+        </p:nvSpPr>
+        <p:spPr>
+          <a:xfrm>
+            <a:off x="4607280" y="927000"/>
+            <a:ext cx="4176000" cy="3265200"/>
+          </a:xfrm>
+          <a:prstGeom prst="rect">
+            <a:avLst/>
+          </a:prstGeom>
+          <a:noFill/>
+          <a:ln>
+            <a:noFill/>
+          </a:ln>
+        </p:spPr>
+        <p:txBody>
+          <a:bodyPr lIns="108000" tIns="46800" rIns="108000" bIns="46800"/>
+          <a:lstStyle/>
+          <a:p>
+            <a:pPr marL="270000" indent="-269640">
+              <a:lnSpc>
+                <a:spcPct val="100000"/>
+              </a:lnSpc>
+              <a:spcBef>
+                <a:spcPts val="901"/>
+              </a:spcBef>
+              <a:buBlip>
+                <a:blip r:embed="rId4"/>
+              </a:buBlip>
+            </a:pPr>
+            <a:r>
+              <a:rPr lang="de-DE" sz="1600" b="0" strike="noStrike" spc="-1">
+                <a:solidFill>
+                  <a:srgbClr val="666666"/>
+                </a:solidFill>
+                <a:uFill>
+                  <a:solidFill>
+                    <a:srgbClr val="FFFFFF"/>
+                  </a:solidFill>
+                </a:uFill>
+                <a:latin typeface="Arial"/>
+              </a:rPr>
+              <a:t>14 Trivadis branches and more than</a:t>
+            </a:r>
+            <a:r>
+              <a:t/>
+            </a:r>
+            <a:br/>
+            <a:r>
+              <a:rPr lang="de-DE" sz="1600" b="0" strike="noStrike" spc="-1">
+                <a:solidFill>
+                  <a:srgbClr val="666666"/>
+                </a:solidFill>
+                <a:uFill>
+                  <a:solidFill>
+                    <a:srgbClr val="FFFFFF"/>
+                  </a:solidFill>
+                </a:uFill>
+                <a:latin typeface="Arial"/>
+              </a:rPr>
+              <a:t>600 employees</a:t>
+            </a:r>
+          </a:p>
+          <a:p>
+            <a:pPr marL="270000" indent="-269640">
+              <a:lnSpc>
+                <a:spcPct val="100000"/>
+              </a:lnSpc>
+              <a:spcBef>
+                <a:spcPts val="901"/>
+              </a:spcBef>
+              <a:buBlip>
+                <a:blip r:embed="rId4"/>
+              </a:buBlip>
+            </a:pPr>
+            <a:r>
+              <a:rPr lang="de-DE" sz="1600" b="0" strike="noStrike" spc="-1">
+                <a:solidFill>
+                  <a:srgbClr val="666666"/>
+                </a:solidFill>
+                <a:uFill>
+                  <a:solidFill>
+                    <a:srgbClr val="FFFFFF"/>
+                  </a:solidFill>
+                </a:uFill>
+                <a:latin typeface="Arial"/>
+              </a:rPr>
+              <a:t>200 Service Level Agreements</a:t>
+            </a:r>
+          </a:p>
+          <a:p>
+            <a:pPr marL="270000" indent="-269640">
+              <a:lnSpc>
+                <a:spcPct val="100000"/>
+              </a:lnSpc>
+              <a:spcBef>
+                <a:spcPts val="901"/>
+              </a:spcBef>
+              <a:buBlip>
+                <a:blip r:embed="rId4"/>
+              </a:buBlip>
+            </a:pPr>
+            <a:r>
+              <a:rPr lang="de-DE" sz="1600" b="0" strike="noStrike" spc="-1">
+                <a:solidFill>
+                  <a:srgbClr val="666666"/>
+                </a:solidFill>
+                <a:uFill>
+                  <a:solidFill>
+                    <a:srgbClr val="FFFFFF"/>
+                  </a:solidFill>
+                </a:uFill>
+                <a:latin typeface="Arial"/>
+              </a:rPr>
+              <a:t>Over 4,000 training participants</a:t>
+            </a:r>
+          </a:p>
+          <a:p>
+            <a:pPr marL="270000" indent="-269640">
+              <a:lnSpc>
+                <a:spcPct val="100000"/>
+              </a:lnSpc>
+              <a:spcBef>
+                <a:spcPts val="901"/>
+              </a:spcBef>
+              <a:buBlip>
+                <a:blip r:embed="rId4"/>
+              </a:buBlip>
+            </a:pPr>
+            <a:r>
+              <a:rPr lang="de-DE" sz="1600" b="0" strike="noStrike" spc="-1">
+                <a:solidFill>
+                  <a:srgbClr val="666666"/>
+                </a:solidFill>
+                <a:uFill>
+                  <a:solidFill>
+                    <a:srgbClr val="FFFFFF"/>
+                  </a:solidFill>
+                </a:uFill>
+                <a:latin typeface="Arial"/>
+              </a:rPr>
+              <a:t>Research and development budget:</a:t>
+            </a:r>
+            <a:r>
+              <a:t/>
+            </a:r>
+            <a:br/>
+            <a:r>
+              <a:rPr lang="de-DE" sz="1600" b="0" strike="noStrike" spc="-1">
+                <a:solidFill>
+                  <a:srgbClr val="666666"/>
+                </a:solidFill>
+                <a:uFill>
+                  <a:solidFill>
+                    <a:srgbClr val="FFFFFF"/>
+                  </a:solidFill>
+                </a:uFill>
+                <a:latin typeface="Arial"/>
+              </a:rPr>
+              <a:t>CHF 5.0 million</a:t>
+            </a:r>
+          </a:p>
+          <a:p>
+            <a:pPr marL="270000" indent="-269640">
+              <a:lnSpc>
+                <a:spcPct val="100000"/>
+              </a:lnSpc>
+              <a:spcBef>
+                <a:spcPts val="901"/>
+              </a:spcBef>
+              <a:buBlip>
+                <a:blip r:embed="rId4"/>
+              </a:buBlip>
+            </a:pPr>
+            <a:r>
+              <a:rPr lang="de-DE" sz="1600" b="0" strike="noStrike" spc="-1">
+                <a:solidFill>
+                  <a:srgbClr val="666666"/>
+                </a:solidFill>
+                <a:uFill>
+                  <a:solidFill>
+                    <a:srgbClr val="FFFFFF"/>
+                  </a:solidFill>
+                </a:uFill>
+                <a:latin typeface="Arial"/>
+              </a:rPr>
+              <a:t>Financially self-supporting and sustainably profitable</a:t>
+            </a:r>
+          </a:p>
+          <a:p>
+            <a:pPr marL="270000" indent="-269640">
+              <a:lnSpc>
+                <a:spcPct val="100000"/>
+              </a:lnSpc>
+              <a:spcBef>
+                <a:spcPts val="901"/>
+              </a:spcBef>
+              <a:buBlip>
+                <a:blip r:embed="rId4"/>
+              </a:buBlip>
+            </a:pPr>
+            <a:r>
+              <a:rPr lang="de-DE" sz="1600" b="0" strike="noStrike" spc="-1">
+                <a:solidFill>
+                  <a:srgbClr val="666666"/>
+                </a:solidFill>
+                <a:uFill>
+                  <a:solidFill>
+                    <a:srgbClr val="FFFFFF"/>
+                  </a:solidFill>
+                </a:uFill>
+                <a:latin typeface="Arial"/>
+              </a:rPr>
+              <a:t>Experience from more than 1,900 projects per year at over 800</a:t>
+            </a:r>
+            <a:r>
+              <a:t/>
+            </a:r>
+            <a:br/>
+            <a:r>
+              <a:rPr lang="de-DE" sz="1600" b="0" strike="noStrike" spc="-1">
+                <a:solidFill>
+                  <a:srgbClr val="666666"/>
+                </a:solidFill>
+                <a:uFill>
+                  <a:solidFill>
+                    <a:srgbClr val="FFFFFF"/>
+                  </a:solidFill>
+                </a:uFill>
+                <a:latin typeface="Arial"/>
+              </a:rPr>
+              <a:t>customers</a:t>
+            </a:r>
+          </a:p>
+        </p:txBody>
+      </p:sp>
+    </p:spTree>
+    <p:extLst>
+      <p:ext uri="{BB962C8B-B14F-4D97-AF65-F5344CB8AC3E}">
+        <p14:creationId xmlns:p14="http://schemas.microsoft.com/office/powerpoint/2010/main" val="2254582705"/>
+      </p:ext>
+    </p:extLst>
+  </p:cSld>
+  <p:clrMapOvr>
+    <a:masterClrMapping/>
+  </p:clrMapOvr>
+  <p:timing>
+    <p:tnLst>
+      <p:par>
+        <p:cTn id="1" dur="indefinite" restart="never" nodeType="tmRoot">
+          <p:childTnLst>
+            <p:seq>
+              <p:cTn id="2" nodeType="mainSeq"/>
+              <p:prevCondLst>
+                <p:cond evt="onPrev" delay="0">
+                  <p:tgtEl>
+                    <p:sldTgt/>
+                  </p:tgtEl>
+                </p:cond>
+              </p:prevCondLst>
+              <p:nextCondLst>
+                <p:cond evt="onNext" delay="0">
+                  <p:tgtEl>
+                    <p:sldTgt/>
+                  </p:tgtEl>
+                </p:cond>
+              </p:nextCondLst>
+            </p:seq>
+          </p:childTnLst>
+        </p:cTn>
+      </p:par>
+    </p:tnLst>
+  </p:timing>
+</p:sld>
+</file>
+
+<file path=ppt/slides/slide20.xml><?xml version="1.0" encoding="utf-8"?>
+<p:sld xmlns:a="http://schemas.openxmlformats.org/drawingml/2006/main" xmlns:r="http://schemas.openxmlformats.org/officeDocument/2006/relationships" xmlns:p="http://schemas.openxmlformats.org/presentationml/2006/main">
+  <p:cSld>
+    <p:spTree>
+      <p:nvGrpSpPr>
+        <p:cNvPr id="1" name=""/>
+        <p:cNvGrpSpPr/>
+        <p:nvPr/>
+      </p:nvGrpSpPr>
+      <p:grpSpPr>
+        <a:xfrm>
+          <a:off x="0" y="0"/>
+          <a:ext cx="0" cy="0"/>
+          <a:chOff x="0" y="0"/>
+          <a:chExt cx="0" cy="0"/>
+        </a:xfrm>
+      </p:grpSpPr>
       <p:sp>
         <p:nvSpPr>
           <p:cNvPr id="2" name="Title 1"/>
@@ -17205,7 +19426,7 @@
             <a:fld id="{CAA1D080-129B-CB43-9B9B-B053798F4C9F}" type="slidenum">
               <a:rPr lang="de-DE" smtClean="0"/>
               <a:pPr/>
-              <a:t>18</a:t>
+              <a:t>20</a:t>
             </a:fld>
             <a:endParaRPr lang="de-DE"/>
           </a:p>
@@ -17276,7 +19497,7 @@
 </p:sld>
 </file>
 
-<file path=ppt/slides/slide19.xml><?xml version="1.0" encoding="utf-8"?>
+<file path=ppt/slides/slide21.xml><?xml version="1.0" encoding="utf-8"?>
 <p:sld xmlns:a="http://schemas.openxmlformats.org/drawingml/2006/main" xmlns:r="http://schemas.openxmlformats.org/officeDocument/2006/relationships" xmlns:p="http://schemas.openxmlformats.org/presentationml/2006/main">
   <p:cSld>
     <p:spTree>
@@ -17357,7 +19578,7 @@
             <a:fld id="{CAA1D080-129B-CB43-9B9B-B053798F4C9F}" type="slidenum">
               <a:rPr lang="de-DE" smtClean="0"/>
               <a:pPr/>
-              <a:t>19</a:t>
+              <a:t>21</a:t>
             </a:fld>
             <a:endParaRPr lang="de-DE"/>
           </a:p>
@@ -17469,7 +19690,7 @@
 </p:sld>
 </file>
 
-<file path=ppt/slides/slide2.xml><?xml version="1.0" encoding="utf-8"?>
+<file path=ppt/slides/slide22.xml><?xml version="1.0" encoding="utf-8"?>
 <p:sld xmlns:a="http://schemas.openxmlformats.org/drawingml/2006/main" xmlns:r="http://schemas.openxmlformats.org/officeDocument/2006/relationships" xmlns:p="http://schemas.openxmlformats.org/presentationml/2006/main">
   <p:cSld>
     <p:spTree>
@@ -17488,7 +19709,30 @@
       </p:grpSpPr>
       <p:sp>
         <p:nvSpPr>
-          <p:cNvPr id="3" name="Fußzeilenplatzhalter 2"/>
+          <p:cNvPr id="2" name="Title 1"/>
+          <p:cNvSpPr>
+            <a:spLocks noGrp="1"/>
+          </p:cNvSpPr>
+          <p:nvPr>
+            <p:ph type="title"/>
+          </p:nvPr>
+        </p:nvSpPr>
+        <p:spPr/>
+        <p:txBody>
+          <a:bodyPr/>
+          <a:lstStyle/>
+          <a:p>
+            <a:r>
+              <a:rPr lang="en-US" dirty="0" smtClean="0"/>
+              <a:t>Demo time!</a:t>
+            </a:r>
+            <a:endParaRPr lang="en-US" dirty="0"/>
+          </a:p>
+        </p:txBody>
+      </p:sp>
+      <p:sp>
+        <p:nvSpPr>
+          <p:cNvPr id="3" name="Footer Placeholder 2"/>
           <p:cNvSpPr>
             <a:spLocks noGrp="1"/>
           </p:cNvSpPr>
@@ -17501,20 +19745,17 @@
           <a:bodyPr/>
           <a:lstStyle/>
           <a:p>
-            <a:pPr>
-              <a:defRPr/>
-            </a:pPr>
             <a:r>
               <a:rPr lang="en-US" smtClean="0"/>
               <a:t>Practical Deep Learning</a:t>
             </a:r>
-            <a:endParaRPr lang="de-DE" dirty="0"/>
-          </a:p>
-        </p:txBody>
-      </p:sp>
-      <p:sp>
-        <p:nvSpPr>
-          <p:cNvPr id="5" name="Foliennummernplatzhalter 4"/>
+            <a:endParaRPr lang="de-DE"/>
+          </a:p>
+        </p:txBody>
+      </p:sp>
+      <p:sp>
+        <p:nvSpPr>
+          <p:cNvPr id="4" name="Slide Number Placeholder 3"/>
           <p:cNvSpPr>
             <a:spLocks noGrp="1"/>
           </p:cNvSpPr>
@@ -17527,23 +19768,18 @@
           <a:bodyPr/>
           <a:lstStyle/>
           <a:p>
-            <a:pPr>
-              <a:defRPr/>
-            </a:pPr>
-            <a:fld id="{204C193F-02F4-43ED-A231-A7849CCE32B0}" type="slidenum">
+            <a:fld id="{CAA1D080-129B-CB43-9B9B-B053798F4C9F}" type="slidenum">
               <a:rPr lang="de-DE" smtClean="0"/>
-              <a:pPr>
-                <a:defRPr/>
-              </a:pPr>
-              <a:t>2</a:t>
+              <a:pPr/>
+              <a:t>22</a:t>
             </a:fld>
-            <a:endParaRPr lang="de-DE" dirty="0"/>
-          </a:p>
-        </p:txBody>
-      </p:sp>
-      <p:sp>
-        <p:nvSpPr>
-          <p:cNvPr id="2" name="Datumsplatzhalter 1"/>
+            <a:endParaRPr lang="de-DE"/>
+          </a:p>
+        </p:txBody>
+      </p:sp>
+      <p:sp>
+        <p:nvSpPr>
+          <p:cNvPr id="5" name="Date Placeholder 4"/>
           <p:cNvSpPr>
             <a:spLocks noGrp="1"/>
           </p:cNvSpPr>
@@ -17556,25 +19792,22 @@
           <a:bodyPr/>
           <a:lstStyle/>
           <a:p>
-            <a:pPr>
-              <a:defRPr/>
-            </a:pPr>
             <a:r>
               <a:rPr lang="en-US" smtClean="0"/>
               <a:t>2017/13/12</a:t>
             </a:r>
-            <a:endParaRPr lang="de-DE" dirty="0"/>
-          </a:p>
-        </p:txBody>
-      </p:sp>
-      <p:sp>
-        <p:nvSpPr>
-          <p:cNvPr id="11" name="Textplatzhalter 10"/>
-          <p:cNvSpPr>
-            <a:spLocks noGrp="1"/>
-          </p:cNvSpPr>
-          <p:nvPr>
-            <p:ph type="body" sz="quarter" idx="13"/>
+            <a:endParaRPr lang="de-DE"/>
+          </a:p>
+        </p:txBody>
+      </p:sp>
+      <p:sp>
+        <p:nvSpPr>
+          <p:cNvPr id="6" name="Content Placeholder 5"/>
+          <p:cNvSpPr>
+            <a:spLocks noGrp="1"/>
+          </p:cNvSpPr>
+          <p:nvPr>
+            <p:ph sz="quarter" idx="13"/>
           </p:nvPr>
         </p:nvSpPr>
         <p:spPr/>
@@ -17584,130 +19817,112 @@
           <a:p>
             <a:r>
               <a:rPr lang="en-US" dirty="0" smtClean="0"/>
-              <a:t>Why deep learning?</a:t>
-            </a:r>
+              <a:t>Notebooks:</a:t>
+            </a:r>
+          </a:p>
+          <a:p>
             <a:endParaRPr lang="en-US" dirty="0"/>
           </a:p>
-        </p:txBody>
-      </p:sp>
-      <p:sp>
-        <p:nvSpPr>
-          <p:cNvPr id="6" name="Diagonal liegende Ecken des Rechtecks abrunden 5"/>
-          <p:cNvSpPr/>
-          <p:nvPr/>
-        </p:nvSpPr>
-        <p:spPr bwMode="gray">
-          <a:xfrm>
-            <a:off x="-3149600" y="1"/>
-            <a:ext cx="3067050" cy="1689652"/>
-          </a:xfrm>
-          <a:prstGeom prst="round2DiagRect">
-            <a:avLst>
-              <a:gd name="adj1" fmla="val 5144"/>
-              <a:gd name="adj2" fmla="val 0"/>
-            </a:avLst>
-          </a:prstGeom>
-          <a:solidFill>
-            <a:schemeClr val="accent3"/>
-          </a:solidFill>
-          <a:ln w="9525">
-            <a:solidFill>
-              <a:schemeClr val="tx2"/>
-            </a:solidFill>
-          </a:ln>
-        </p:spPr>
-        <p:style>
-          <a:lnRef idx="2">
-            <a:schemeClr val="accent1">
-              <a:shade val="50000"/>
-            </a:schemeClr>
-          </a:lnRef>
-          <a:fillRef idx="1">
-            <a:schemeClr val="accent1"/>
-          </a:fillRef>
-          <a:effectRef idx="0">
-            <a:schemeClr val="accent1"/>
-          </a:effectRef>
-          <a:fontRef idx="minor">
-            <a:schemeClr val="lt1"/>
-          </a:fontRef>
-        </p:style>
-        <p:txBody>
-          <a:bodyPr tIns="108000" rtlCol="0" anchor="t" anchorCtr="0"/>
-          <a:lstStyle/>
-          <a:p>
-            <a:r>
-              <a:rPr lang="en-US" sz="1100" b="1" dirty="0" smtClean="0">
-                <a:solidFill>
-                  <a:schemeClr val="bg1"/>
-                </a:solidFill>
-                <a:latin typeface="Arial"/>
+          <a:p>
+            <a:pPr marL="285750" indent="-285750">
+              <a:buFontTx/>
+              <a:buChar char="-"/>
+            </a:pPr>
+            <a:r>
+              <a:rPr lang="en-US" sz="1400" dirty="0" smtClean="0">
+                <a:hlinkClick r:id="rId2"/>
               </a:rPr>
-              <a:t>INFOBOX – Read and delete</a:t>
-            </a:r>
-          </a:p>
-          <a:p>
-            <a:endParaRPr lang="en-US" sz="1100" b="1" dirty="0">
-              <a:solidFill>
-                <a:schemeClr val="bg1"/>
-              </a:solidFill>
-              <a:latin typeface="Arial"/>
-              <a:cs typeface="Arial"/>
-            </a:endParaRPr>
-          </a:p>
-          <a:p>
-            <a:pPr marL="174625" indent="-174625">
-              <a:buFont typeface="Arial" pitchFamily="34" charset="0"/>
-              <a:buChar char="•"/>
+              <a:t>https</a:t>
+            </a:r>
+            <a:r>
+              <a:rPr lang="en-US" sz="1400" dirty="0">
+                <a:hlinkClick r:id="rId2"/>
+              </a:rPr>
+              <a:t>://</a:t>
+            </a:r>
+            <a:r>
+              <a:rPr lang="en-US" sz="1400" dirty="0" smtClean="0">
+                <a:hlinkClick r:id="rId2"/>
+              </a:rPr>
+              <a:t>github.com/skeydan/deeplearning_keras_tf_pytorch/blob/master/cnn_keras.ipynb</a:t>
+            </a:r>
+            <a:endParaRPr lang="en-US" sz="1400" dirty="0" smtClean="0"/>
+          </a:p>
+          <a:p>
+            <a:pPr marL="285750" indent="-285750">
+              <a:buFontTx/>
+              <a:buChar char="-"/>
             </a:pPr>
-            <a:r>
-              <a:rPr lang="en-US" sz="1100" b="1" dirty="0" smtClean="0">
-                <a:solidFill>
-                  <a:schemeClr val="tx1"/>
-                </a:solidFill>
-                <a:latin typeface="Arial"/>
+            <a:endParaRPr lang="en-US" sz="1400" dirty="0" smtClean="0"/>
+          </a:p>
+          <a:p>
+            <a:pPr marL="285750" indent="-285750">
+              <a:buFontTx/>
+              <a:buChar char="-"/>
+            </a:pPr>
+            <a:r>
+              <a:rPr lang="en-US" sz="1400" dirty="0">
+                <a:hlinkClick r:id="rId3"/>
               </a:rPr>
-              <a:t>In the chapter divider, the chapter text is written centered in the text field</a:t>
-            </a:r>
-          </a:p>
-          <a:p>
-            <a:pPr marL="174625" indent="-174625">
-              <a:buFont typeface="Arial" pitchFamily="34" charset="0"/>
-              <a:buChar char="•"/>
+              <a:t>https://</a:t>
+            </a:r>
+            <a:r>
+              <a:rPr lang="en-US" sz="1400" dirty="0" smtClean="0">
+                <a:hlinkClick r:id="rId3"/>
+              </a:rPr>
+              <a:t>github.com/skeydan/deeplearning_keras_tf_pytorch/blob/master/cnn_tensorflow.ipynb</a:t>
+            </a:r>
+            <a:endParaRPr lang="en-US" sz="1400" dirty="0" smtClean="0"/>
+          </a:p>
+          <a:p>
+            <a:pPr marL="285750" indent="-285750">
+              <a:buFontTx/>
+              <a:buChar char="-"/>
             </a:pPr>
-            <a:r>
-              <a:rPr lang="en-US" sz="1100" b="1" dirty="0" smtClean="0">
-                <a:solidFill>
-                  <a:schemeClr val="tx1"/>
-                </a:solidFill>
-                <a:latin typeface="Arial"/>
+            <a:endParaRPr lang="en-US" sz="1400" dirty="0" smtClean="0"/>
+          </a:p>
+          <a:p>
+            <a:pPr marL="285750" indent="-285750">
+              <a:buFontTx/>
+              <a:buChar char="-"/>
+            </a:pPr>
+            <a:r>
+              <a:rPr lang="en-US" sz="1400" dirty="0">
+                <a:hlinkClick r:id="rId4"/>
               </a:rPr>
-              <a:t>Please keep chapter names as short as possible, less text and punchy titles are better!</a:t>
-            </a:r>
+              <a:t>https://</a:t>
+            </a:r>
+            <a:r>
+              <a:rPr lang="en-US" sz="1400" dirty="0" smtClean="0">
+                <a:hlinkClick r:id="rId4"/>
+              </a:rPr>
+              <a:t>github.com/skeydan/deeplearning_keras_tf_pytorch/blob/master/cnn_pytorch.ipynb</a:t>
+            </a:r>
+            <a:endParaRPr lang="en-US" sz="1400" dirty="0" smtClean="0"/>
+          </a:p>
+          <a:p>
+            <a:pPr marL="285750" indent="-285750">
+              <a:buFontTx/>
+              <a:buChar char="-"/>
+            </a:pPr>
+            <a:endParaRPr lang="en-US" dirty="0"/>
           </a:p>
         </p:txBody>
       </p:sp>
     </p:spTree>
     <p:extLst>
       <p:ext uri="{BB962C8B-B14F-4D97-AF65-F5344CB8AC3E}">
-        <p14:creationId xmlns:p14="http://schemas.microsoft.com/office/powerpoint/2010/main" val="604989280"/>
+        <p14:creationId xmlns:p14="http://schemas.microsoft.com/office/powerpoint/2010/main" val="1434590844"/>
       </p:ext>
     </p:extLst>
   </p:cSld>
   <p:clrMapOvr>
     <a:masterClrMapping/>
   </p:clrMapOvr>
-  <p:timing>
-    <p:tnLst>
-      <p:par>
-        <p:cTn id="1" dur="indefinite" restart="never" nodeType="tmRoot"/>
-      </p:par>
-    </p:tnLst>
-  </p:timing>
 </p:sld>
 </file>
 
-<file path=ppt/slides/slide20.xml><?xml version="1.0" encoding="utf-8"?>
+<file path=ppt/slides/slide23.xml><?xml version="1.0" encoding="utf-8"?>
 <p:sld xmlns:a="http://schemas.openxmlformats.org/drawingml/2006/main" xmlns:r="http://schemas.openxmlformats.org/officeDocument/2006/relationships" xmlns:p="http://schemas.openxmlformats.org/presentationml/2006/main">
   <p:cSld>
     <p:spTree>
@@ -17726,238 +19941,6 @@
       </p:grpSpPr>
       <p:sp>
         <p:nvSpPr>
-          <p:cNvPr id="2" name="Title 1"/>
-          <p:cNvSpPr>
-            <a:spLocks noGrp="1"/>
-          </p:cNvSpPr>
-          <p:nvPr>
-            <p:ph type="title"/>
-          </p:nvPr>
-        </p:nvSpPr>
-        <p:spPr/>
-        <p:txBody>
-          <a:bodyPr/>
-          <a:lstStyle/>
-          <a:p>
-            <a:r>
-              <a:rPr lang="en-US" dirty="0" smtClean="0"/>
-              <a:t>Demo time!</a:t>
-            </a:r>
-            <a:endParaRPr lang="en-US" dirty="0"/>
-          </a:p>
-        </p:txBody>
-      </p:sp>
-      <p:sp>
-        <p:nvSpPr>
-          <p:cNvPr id="3" name="Footer Placeholder 2"/>
-          <p:cNvSpPr>
-            <a:spLocks noGrp="1"/>
-          </p:cNvSpPr>
-          <p:nvPr>
-            <p:ph type="ftr" sz="quarter" idx="10"/>
-          </p:nvPr>
-        </p:nvSpPr>
-        <p:spPr/>
-        <p:txBody>
-          <a:bodyPr/>
-          <a:lstStyle/>
-          <a:p>
-            <a:r>
-              <a:rPr lang="en-US" smtClean="0"/>
-              <a:t>Practical Deep Learning</a:t>
-            </a:r>
-            <a:endParaRPr lang="de-DE"/>
-          </a:p>
-        </p:txBody>
-      </p:sp>
-      <p:sp>
-        <p:nvSpPr>
-          <p:cNvPr id="4" name="Slide Number Placeholder 3"/>
-          <p:cNvSpPr>
-            <a:spLocks noGrp="1"/>
-          </p:cNvSpPr>
-          <p:nvPr>
-            <p:ph type="sldNum" sz="quarter" idx="11"/>
-          </p:nvPr>
-        </p:nvSpPr>
-        <p:spPr/>
-        <p:txBody>
-          <a:bodyPr/>
-          <a:lstStyle/>
-          <a:p>
-            <a:fld id="{CAA1D080-129B-CB43-9B9B-B053798F4C9F}" type="slidenum">
-              <a:rPr lang="de-DE" smtClean="0"/>
-              <a:pPr/>
-              <a:t>20</a:t>
-            </a:fld>
-            <a:endParaRPr lang="de-DE"/>
-          </a:p>
-        </p:txBody>
-      </p:sp>
-      <p:sp>
-        <p:nvSpPr>
-          <p:cNvPr id="5" name="Date Placeholder 4"/>
-          <p:cNvSpPr>
-            <a:spLocks noGrp="1"/>
-          </p:cNvSpPr>
-          <p:nvPr>
-            <p:ph type="dt" sz="half" idx="12"/>
-          </p:nvPr>
-        </p:nvSpPr>
-        <p:spPr/>
-        <p:txBody>
-          <a:bodyPr/>
-          <a:lstStyle/>
-          <a:p>
-            <a:r>
-              <a:rPr lang="en-US" smtClean="0"/>
-              <a:t>2017/13/12</a:t>
-            </a:r>
-            <a:endParaRPr lang="de-DE"/>
-          </a:p>
-        </p:txBody>
-      </p:sp>
-      <p:sp>
-        <p:nvSpPr>
-          <p:cNvPr id="6" name="Content Placeholder 5"/>
-          <p:cNvSpPr>
-            <a:spLocks noGrp="1"/>
-          </p:cNvSpPr>
-          <p:nvPr>
-            <p:ph sz="quarter" idx="13"/>
-          </p:nvPr>
-        </p:nvSpPr>
-        <p:spPr/>
-        <p:txBody>
-          <a:bodyPr/>
-          <a:lstStyle/>
-          <a:p>
-            <a:r>
-              <a:rPr lang="en-US" dirty="0" smtClean="0"/>
-              <a:t>Notebooks:</a:t>
-            </a:r>
-          </a:p>
-          <a:p>
-            <a:endParaRPr lang="en-US" dirty="0"/>
-          </a:p>
-          <a:p>
-            <a:pPr marL="285750" indent="-285750">
-              <a:buFontTx/>
-              <a:buChar char="-"/>
-            </a:pPr>
-            <a:r>
-              <a:rPr lang="en-US" sz="1400" dirty="0" smtClean="0">
-                <a:hlinkClick r:id="rId2"/>
-              </a:rPr>
-              <a:t>https</a:t>
-            </a:r>
-            <a:r>
-              <a:rPr lang="en-US" sz="1400" dirty="0">
-                <a:hlinkClick r:id="rId2"/>
-              </a:rPr>
-              <a:t>://</a:t>
-            </a:r>
-            <a:r>
-              <a:rPr lang="en-US" sz="1400" dirty="0" smtClean="0">
-                <a:hlinkClick r:id="rId2"/>
-              </a:rPr>
-              <a:t>github.com/skeydan/deeplearning_keras_tf_pytorch/blob/master/cnn_keras.ipynb</a:t>
-            </a:r>
-            <a:endParaRPr lang="en-US" sz="1400" dirty="0" smtClean="0"/>
-          </a:p>
-          <a:p>
-            <a:pPr marL="285750" indent="-285750">
-              <a:buFontTx/>
-              <a:buChar char="-"/>
-            </a:pPr>
-            <a:endParaRPr lang="en-US" sz="1400" dirty="0" smtClean="0"/>
-          </a:p>
-          <a:p>
-            <a:pPr marL="285750" indent="-285750">
-              <a:buFontTx/>
-              <a:buChar char="-"/>
-            </a:pPr>
-            <a:r>
-              <a:rPr lang="en-US" sz="1400" dirty="0">
-                <a:hlinkClick r:id="rId3"/>
-              </a:rPr>
-              <a:t>https://</a:t>
-            </a:r>
-            <a:r>
-              <a:rPr lang="en-US" sz="1400" dirty="0" smtClean="0">
-                <a:hlinkClick r:id="rId3"/>
-              </a:rPr>
-              <a:t>github.com/skeydan/deeplearning_keras_tf_pytorch/blob/master/cnn_tensorflow.ipynb</a:t>
-            </a:r>
-            <a:endParaRPr lang="en-US" sz="1400" dirty="0" smtClean="0"/>
-          </a:p>
-          <a:p>
-            <a:pPr marL="285750" indent="-285750">
-              <a:buFontTx/>
-              <a:buChar char="-"/>
-            </a:pPr>
-            <a:endParaRPr lang="en-US" sz="1400" dirty="0" smtClean="0"/>
-          </a:p>
-          <a:p>
-            <a:pPr marL="285750" indent="-285750">
-              <a:buFontTx/>
-              <a:buChar char="-"/>
-            </a:pPr>
-            <a:r>
-              <a:rPr lang="en-US" sz="1400" dirty="0">
-                <a:hlinkClick r:id="rId4"/>
-              </a:rPr>
-              <a:t>https://</a:t>
-            </a:r>
-            <a:r>
-              <a:rPr lang="en-US" sz="1400" dirty="0" smtClean="0">
-                <a:hlinkClick r:id="rId4"/>
-              </a:rPr>
-              <a:t>github.com/skeydan/deeplearning_keras_tf_pytorch/blob/master/cnn_pytorch.ipynb</a:t>
-            </a:r>
-            <a:endParaRPr lang="en-US" sz="1400" dirty="0" smtClean="0"/>
-          </a:p>
-          <a:p>
-            <a:pPr marL="285750" indent="-285750">
-              <a:buFontTx/>
-              <a:buChar char="-"/>
-            </a:pPr>
-            <a:endParaRPr lang="en-US" dirty="0"/>
-          </a:p>
-        </p:txBody>
-      </p:sp>
-    </p:spTree>
-    <p:extLst>
-      <p:ext uri="{BB962C8B-B14F-4D97-AF65-F5344CB8AC3E}">
-        <p14:creationId xmlns:p14="http://schemas.microsoft.com/office/powerpoint/2010/main" val="1434590844"/>
-      </p:ext>
-    </p:extLst>
-  </p:cSld>
-  <p:clrMapOvr>
-    <a:masterClrMapping/>
-  </p:clrMapOvr>
-</p:sld>
-</file>
-
-<file path=ppt/slides/slide21.xml><?xml version="1.0" encoding="utf-8"?>
-<p:sld xmlns:a="http://schemas.openxmlformats.org/drawingml/2006/main" xmlns:r="http://schemas.openxmlformats.org/officeDocument/2006/relationships" xmlns:p="http://schemas.openxmlformats.org/presentationml/2006/main">
-  <p:cSld>
-    <p:spTree>
-      <p:nvGrpSpPr>
-        <p:cNvPr id="1" name=""/>
-        <p:cNvGrpSpPr/>
-        <p:nvPr/>
-      </p:nvGrpSpPr>
-      <p:grpSpPr>
-        <a:xfrm>
-          <a:off x="0" y="0"/>
-          <a:ext cx="0" cy="0"/>
-          <a:chOff x="0" y="0"/>
-          <a:chExt cx="0" cy="0"/>
-        </a:xfrm>
-      </p:grpSpPr>
-      <p:sp>
-        <p:nvSpPr>
           <p:cNvPr id="9" name="Titel 8"/>
           <p:cNvSpPr>
             <a:spLocks noGrp="1"/>
@@ -18059,7 +20042,7 @@
               <a:pPr>
                 <a:defRPr/>
               </a:pPr>
-              <a:t>21</a:t>
+              <a:t>23</a:t>
             </a:fld>
             <a:endParaRPr lang="de-CH" noProof="0" dirty="0"/>
           </a:p>
@@ -18233,47 +20216,898 @@
       </p:grpSpPr>
       <p:sp>
         <p:nvSpPr>
-          <p:cNvPr id="7" name="Titel 6"/>
-          <p:cNvSpPr>
-            <a:spLocks noGrp="1"/>
-          </p:cNvSpPr>
-          <p:nvPr>
-            <p:ph type="title"/>
-          </p:nvPr>
-        </p:nvSpPr>
-        <p:spPr bwMode="gray"/>
-        <p:txBody>
-          <a:bodyPr/>
-          <a:lstStyle/>
-          <a:p>
-            <a:r>
-              <a:rPr lang="en-US" dirty="0" smtClean="0"/>
-              <a:t>Task: Separate the green triangles from the blue circles</a:t>
-            </a:r>
-            <a:endParaRPr lang="de-DE" dirty="0"/>
-          </a:p>
-        </p:txBody>
-      </p:sp>
-      <p:sp>
-        <p:nvSpPr>
-          <p:cNvPr id="12" name="Fußzeilenplatzhalter 11"/>
-          <p:cNvSpPr>
-            <a:spLocks noGrp="1"/>
-          </p:cNvSpPr>
-          <p:nvPr>
-            <p:ph type="ftr" sz="quarter" idx="10"/>
-          </p:nvPr>
-        </p:nvSpPr>
-        <p:spPr/>
-        <p:txBody>
-          <a:bodyPr/>
+          <p:cNvPr id="411" name="TextShape 1"/>
+          <p:cNvSpPr txBox="1"/>
+          <p:nvPr/>
+        </p:nvSpPr>
+        <p:spPr>
+          <a:xfrm>
+            <a:off x="633600" y="127800"/>
+            <a:ext cx="8151120" cy="721080"/>
+          </a:xfrm>
+          <a:prstGeom prst="rect">
+            <a:avLst/>
+          </a:prstGeom>
+          <a:noFill/>
+          <a:ln>
+            <a:noFill/>
+          </a:ln>
+        </p:spPr>
+        <p:txBody>
+          <a:bodyPr lIns="108000" tIns="46800" rIns="108000" bIns="46800"/>
+          <a:lstStyle/>
+          <a:p>
+            <a:pPr>
+              <a:lnSpc>
+                <a:spcPts val="3101"/>
+              </a:lnSpc>
+            </a:pPr>
+            <a:r>
+              <a:rPr lang="de-DE" sz="2500" b="0" strike="noStrike" spc="-1" dirty="0" smtClean="0">
+                <a:solidFill>
+                  <a:srgbClr val="141313"/>
+                </a:solidFill>
+                <a:uFill>
+                  <a:solidFill>
+                    <a:srgbClr val="FFFFFF"/>
+                  </a:solidFill>
+                </a:uFill>
+                <a:latin typeface="Arial"/>
+              </a:rPr>
+              <a:t>About me</a:t>
+            </a:r>
+            <a:endParaRPr lang="de-DE" sz="2500" b="0" strike="noStrike" spc="-1" dirty="0">
+              <a:solidFill>
+                <a:srgbClr val="636466"/>
+              </a:solidFill>
+              <a:uFill>
+                <a:solidFill>
+                  <a:srgbClr val="FFFFFF"/>
+                </a:solidFill>
+              </a:uFill>
+              <a:latin typeface="Segoe UI"/>
+            </a:endParaRPr>
+          </a:p>
+        </p:txBody>
+      </p:sp>
+      <p:sp>
+        <p:nvSpPr>
+          <p:cNvPr id="412" name="TextShape 2"/>
+          <p:cNvSpPr txBox="1"/>
+          <p:nvPr/>
+        </p:nvSpPr>
+        <p:spPr>
+          <a:xfrm>
+            <a:off x="1545120" y="4808880"/>
+            <a:ext cx="3920040" cy="274320"/>
+          </a:xfrm>
+          <a:prstGeom prst="rect">
+            <a:avLst/>
+          </a:prstGeom>
+          <a:noFill/>
+          <a:ln>
+            <a:noFill/>
+          </a:ln>
+        </p:spPr>
+        <p:txBody>
+          <a:bodyPr anchor="ctr"/>
           <a:lstStyle/>
           <a:p>
             <a:pPr>
               <a:defRPr/>
             </a:pPr>
             <a:r>
+              <a:rPr lang="en-US" sz="1100" dirty="0">
+                <a:solidFill>
+                  <a:srgbClr val="87888A"/>
+                </a:solidFill>
+              </a:rPr>
+              <a:t>Practical Deep Learning</a:t>
+            </a:r>
+            <a:endParaRPr lang="de-DE" sz="1100" dirty="0">
+              <a:solidFill>
+                <a:srgbClr val="87888A"/>
+              </a:solidFill>
+            </a:endParaRPr>
+          </a:p>
+        </p:txBody>
+      </p:sp>
+      <p:sp>
+        <p:nvSpPr>
+          <p:cNvPr id="413" name="TextShape 3"/>
+          <p:cNvSpPr txBox="1"/>
+          <p:nvPr/>
+        </p:nvSpPr>
+        <p:spPr>
+          <a:xfrm>
+            <a:off x="261360" y="4808880"/>
+            <a:ext cx="496440" cy="274320"/>
+          </a:xfrm>
+          <a:prstGeom prst="rect">
+            <a:avLst/>
+          </a:prstGeom>
+          <a:noFill/>
+          <a:ln>
+            <a:noFill/>
+          </a:ln>
+        </p:spPr>
+        <p:txBody>
+          <a:bodyPr anchor="ctr"/>
+          <a:lstStyle/>
+          <a:p>
+            <a:pPr>
+              <a:lnSpc>
+                <a:spcPct val="100000"/>
+              </a:lnSpc>
+            </a:pPr>
+            <a:fld id="{38EAE34F-292A-443D-8692-A7C30A06EF8E}" type="slidenum">
+              <a:rPr lang="en-US" sz="1100" b="0" strike="noStrike" spc="-1">
+                <a:solidFill>
+                  <a:srgbClr val="A6A6A6"/>
+                </a:solidFill>
+                <a:uFill>
+                  <a:solidFill>
+                    <a:srgbClr val="FFFFFF"/>
+                  </a:solidFill>
+                </a:uFill>
+                <a:latin typeface="Arial"/>
+              </a:rPr>
+              <a:t>3</a:t>
+            </a:fld>
+            <a:endParaRPr lang="en-US" sz="1100" b="0" strike="noStrike" spc="-1">
+              <a:solidFill>
+                <a:srgbClr val="000000"/>
+              </a:solidFill>
+              <a:uFill>
+                <a:solidFill>
+                  <a:srgbClr val="FFFFFF"/>
+                </a:solidFill>
+              </a:uFill>
+              <a:latin typeface="Times New Roman"/>
+            </a:endParaRPr>
+          </a:p>
+        </p:txBody>
+      </p:sp>
+      <p:sp>
+        <p:nvSpPr>
+          <p:cNvPr id="414" name="TextShape 4"/>
+          <p:cNvSpPr txBox="1"/>
+          <p:nvPr/>
+        </p:nvSpPr>
+        <p:spPr>
+          <a:xfrm>
+            <a:off x="668880" y="4808880"/>
+            <a:ext cx="899640" cy="274320"/>
+          </a:xfrm>
+          <a:prstGeom prst="rect">
+            <a:avLst/>
+          </a:prstGeom>
+          <a:noFill/>
+          <a:ln>
+            <a:noFill/>
+          </a:ln>
+        </p:spPr>
+        <p:txBody>
+          <a:bodyPr anchor="ctr"/>
+          <a:lstStyle/>
+          <a:p>
+            <a:pPr algn="r">
+              <a:defRPr/>
+            </a:pPr>
+            <a:r>
+              <a:rPr lang="en-US" sz="1100" dirty="0">
+                <a:solidFill>
+                  <a:srgbClr val="87888A"/>
+                </a:solidFill>
+              </a:rPr>
+              <a:t>2017/13/12</a:t>
+            </a:r>
+            <a:endParaRPr lang="de-DE" sz="1100" dirty="0">
+              <a:solidFill>
+                <a:srgbClr val="87888A"/>
+              </a:solidFill>
+            </a:endParaRPr>
+          </a:p>
+        </p:txBody>
+      </p:sp>
+      <p:sp>
+        <p:nvSpPr>
+          <p:cNvPr id="415" name="TextShape 5"/>
+          <p:cNvSpPr txBox="1"/>
+          <p:nvPr/>
+        </p:nvSpPr>
+        <p:spPr>
+          <a:xfrm>
+            <a:off x="649080" y="927000"/>
+            <a:ext cx="8135640" cy="3271320"/>
+          </a:xfrm>
+          <a:prstGeom prst="rect">
+            <a:avLst/>
+          </a:prstGeom>
+          <a:noFill/>
+          <a:ln>
+            <a:noFill/>
+          </a:ln>
+        </p:spPr>
+        <p:txBody>
+          <a:bodyPr lIns="108000" tIns="46800" rIns="108000" bIns="46800"/>
+          <a:lstStyle/>
+          <a:p>
+            <a:pPr>
+              <a:lnSpc>
+                <a:spcPts val="1899"/>
+              </a:lnSpc>
+            </a:pPr>
+            <a:endParaRPr lang="de-DE" sz="1600" b="0" strike="noStrike" spc="-1" dirty="0" smtClean="0">
+              <a:solidFill>
+                <a:srgbClr val="666666"/>
+              </a:solidFill>
+              <a:uFill>
+                <a:solidFill>
+                  <a:srgbClr val="FFFFFF"/>
+                </a:solidFill>
+              </a:uFill>
+              <a:latin typeface="Arial"/>
+            </a:endParaRPr>
+          </a:p>
+          <a:p>
+            <a:pPr>
+              <a:lnSpc>
+                <a:spcPts val="1899"/>
+              </a:lnSpc>
+            </a:pPr>
+            <a:r>
+              <a:rPr lang="de-DE" sz="1600" b="0" strike="noStrike" spc="-1" dirty="0" smtClean="0">
+                <a:solidFill>
+                  <a:srgbClr val="666666"/>
+                </a:solidFill>
+                <a:uFill>
+                  <a:solidFill>
+                    <a:srgbClr val="FFFFFF"/>
+                  </a:solidFill>
+                </a:uFill>
+                <a:latin typeface="Arial"/>
+              </a:rPr>
+              <a:t>My background</a:t>
+            </a:r>
+          </a:p>
+          <a:p>
+            <a:pPr marL="285750" indent="-285750">
+              <a:lnSpc>
+                <a:spcPts val="1899"/>
+              </a:lnSpc>
+              <a:buFont typeface="Arial" pitchFamily="34" charset="0"/>
+              <a:buChar char="•"/>
+            </a:pPr>
+            <a:r>
+              <a:rPr lang="de-DE" sz="1600" spc="-1" dirty="0" smtClean="0">
+                <a:solidFill>
+                  <a:srgbClr val="666666"/>
+                </a:solidFill>
+                <a:uFill>
+                  <a:solidFill>
+                    <a:srgbClr val="FFFFFF"/>
+                  </a:solidFill>
+                </a:uFill>
+                <a:latin typeface="Arial"/>
+              </a:rPr>
+              <a:t>from psychology/statistics via software development and database engineering to data science/ML/DL</a:t>
+            </a:r>
+          </a:p>
+          <a:p>
+            <a:pPr marL="285750" indent="-285750">
+              <a:lnSpc>
+                <a:spcPts val="1899"/>
+              </a:lnSpc>
+              <a:buFont typeface="Arial" pitchFamily="34" charset="0"/>
+              <a:buChar char="•"/>
+            </a:pPr>
+            <a:endParaRPr lang="de-DE" sz="1600" b="0" strike="noStrike" spc="-1" dirty="0">
+              <a:solidFill>
+                <a:srgbClr val="666666"/>
+              </a:solidFill>
+              <a:uFill>
+                <a:solidFill>
+                  <a:srgbClr val="FFFFFF"/>
+                </a:solidFill>
+              </a:uFill>
+              <a:latin typeface="Arial"/>
+            </a:endParaRPr>
+          </a:p>
+          <a:p>
+            <a:pPr>
+              <a:lnSpc>
+                <a:spcPts val="1899"/>
+              </a:lnSpc>
+            </a:pPr>
+            <a:r>
+              <a:rPr lang="de-DE" sz="1600" spc="-1" dirty="0" smtClean="0">
+                <a:solidFill>
+                  <a:srgbClr val="666666"/>
+                </a:solidFill>
+                <a:uFill>
+                  <a:solidFill>
+                    <a:srgbClr val="FFFFFF"/>
+                  </a:solidFill>
+                </a:uFill>
+                <a:latin typeface="Arial"/>
+              </a:rPr>
+              <a:t>My passion</a:t>
+            </a:r>
+          </a:p>
+          <a:p>
+            <a:pPr marL="285750" indent="-285750">
+              <a:lnSpc>
+                <a:spcPts val="1899"/>
+              </a:lnSpc>
+              <a:buFont typeface="Arial" pitchFamily="34" charset="0"/>
+              <a:buChar char="•"/>
+            </a:pPr>
+            <a:r>
+              <a:rPr lang="de-DE" sz="1600" spc="-1" dirty="0">
+                <a:solidFill>
+                  <a:srgbClr val="666666"/>
+                </a:solidFill>
+                <a:uFill>
+                  <a:solidFill>
+                    <a:srgbClr val="FFFFFF"/>
+                  </a:solidFill>
+                </a:uFill>
+                <a:latin typeface="Arial"/>
+              </a:rPr>
+              <a:t>m</a:t>
+            </a:r>
+            <a:r>
+              <a:rPr lang="de-DE" sz="1600" b="0" strike="noStrike" spc="-1" dirty="0" smtClean="0">
+                <a:solidFill>
+                  <a:srgbClr val="666666"/>
+                </a:solidFill>
+                <a:uFill>
+                  <a:solidFill>
+                    <a:srgbClr val="FFFFFF"/>
+                  </a:solidFill>
+                </a:uFill>
+                <a:latin typeface="Arial"/>
+              </a:rPr>
+              <a:t>achine learning and deep learning</a:t>
+            </a:r>
+          </a:p>
+          <a:p>
+            <a:pPr marL="285750" indent="-285750">
+              <a:lnSpc>
+                <a:spcPts val="1899"/>
+              </a:lnSpc>
+              <a:buFont typeface="Arial" pitchFamily="34" charset="0"/>
+              <a:buChar char="•"/>
+            </a:pPr>
+            <a:r>
+              <a:rPr lang="de-DE" sz="1600" spc="-1" dirty="0" smtClean="0">
+                <a:solidFill>
+                  <a:srgbClr val="666666"/>
+                </a:solidFill>
+                <a:uFill>
+                  <a:solidFill>
+                    <a:srgbClr val="FFFFFF"/>
+                  </a:solidFill>
+                </a:uFill>
+                <a:latin typeface="Arial"/>
+              </a:rPr>
+              <a:t>data science and (Bayesian) statistics</a:t>
+            </a:r>
+          </a:p>
+          <a:p>
+            <a:pPr marL="285750" indent="-285750">
+              <a:lnSpc>
+                <a:spcPts val="1899"/>
+              </a:lnSpc>
+              <a:buFont typeface="Arial" pitchFamily="34" charset="0"/>
+              <a:buChar char="•"/>
+            </a:pPr>
+            <a:r>
+              <a:rPr lang="de-DE" sz="1600" spc="-1" dirty="0">
+                <a:solidFill>
+                  <a:srgbClr val="666666"/>
+                </a:solidFill>
+                <a:uFill>
+                  <a:solidFill>
+                    <a:srgbClr val="FFFFFF"/>
+                  </a:solidFill>
+                </a:uFill>
+                <a:latin typeface="Arial"/>
+              </a:rPr>
+              <a:t>e</a:t>
+            </a:r>
+            <a:r>
+              <a:rPr lang="de-DE" sz="1600" b="0" strike="noStrike" spc="-1" dirty="0" smtClean="0">
+                <a:solidFill>
+                  <a:srgbClr val="666666"/>
+                </a:solidFill>
+                <a:uFill>
+                  <a:solidFill>
+                    <a:srgbClr val="FFFFFF"/>
+                  </a:solidFill>
+                </a:uFill>
+                <a:latin typeface="Arial"/>
+              </a:rPr>
+              <a:t>xplanation/understanding over prediction accuracy</a:t>
+            </a:r>
+          </a:p>
+          <a:p>
+            <a:pPr marL="285750" indent="-285750">
+              <a:lnSpc>
+                <a:spcPts val="1899"/>
+              </a:lnSpc>
+              <a:buFont typeface="Arial" pitchFamily="34" charset="0"/>
+              <a:buChar char="•"/>
+            </a:pPr>
+            <a:endParaRPr lang="de-DE" sz="1600" spc="-1" dirty="0">
+              <a:solidFill>
+                <a:srgbClr val="666666"/>
+              </a:solidFill>
+              <a:uFill>
+                <a:solidFill>
+                  <a:srgbClr val="FFFFFF"/>
+                </a:solidFill>
+              </a:uFill>
+              <a:latin typeface="Arial"/>
+            </a:endParaRPr>
+          </a:p>
+          <a:p>
+            <a:pPr>
+              <a:lnSpc>
+                <a:spcPts val="1899"/>
+              </a:lnSpc>
+            </a:pPr>
+            <a:r>
+              <a:rPr lang="de-DE" sz="1600" b="0" strike="noStrike" spc="-1" dirty="0" smtClean="0">
+                <a:solidFill>
+                  <a:srgbClr val="666666"/>
+                </a:solidFill>
+                <a:uFill>
+                  <a:solidFill>
+                    <a:srgbClr val="FFFFFF"/>
+                  </a:solidFill>
+                </a:uFill>
+                <a:latin typeface="Arial"/>
+              </a:rPr>
+              <a:t>Where to find me</a:t>
+            </a:r>
+          </a:p>
+          <a:p>
+            <a:pPr marL="285750" indent="-285750">
+              <a:lnSpc>
+                <a:spcPts val="1899"/>
+              </a:lnSpc>
+              <a:buFont typeface="Arial" pitchFamily="34" charset="0"/>
+              <a:buChar char="•"/>
+            </a:pPr>
+            <a:r>
+              <a:rPr lang="de-DE" sz="1600" spc="-1" dirty="0" smtClean="0">
+                <a:solidFill>
+                  <a:srgbClr val="666666"/>
+                </a:solidFill>
+                <a:uFill>
+                  <a:solidFill>
+                    <a:srgbClr val="FFFFFF"/>
+                  </a:solidFill>
+                </a:uFill>
+                <a:latin typeface="Arial"/>
+              </a:rPr>
+              <a:t>blog: </a:t>
+            </a:r>
+            <a:r>
+              <a:rPr lang="de-DE" sz="1600" spc="-1" dirty="0" smtClean="0">
+                <a:solidFill>
+                  <a:srgbClr val="666666"/>
+                </a:solidFill>
+                <a:uFill>
+                  <a:solidFill>
+                    <a:srgbClr val="FFFFFF"/>
+                  </a:solidFill>
+                </a:uFill>
+                <a:latin typeface="Arial"/>
+                <a:hlinkClick r:id="rId2"/>
+              </a:rPr>
+              <a:t>http://recurrentnull.wordpress.com</a:t>
+            </a:r>
+            <a:endParaRPr lang="de-DE" sz="1600" spc="-1" dirty="0" smtClean="0">
+              <a:solidFill>
+                <a:srgbClr val="666666"/>
+              </a:solidFill>
+              <a:uFill>
+                <a:solidFill>
+                  <a:srgbClr val="FFFFFF"/>
+                </a:solidFill>
+              </a:uFill>
+              <a:latin typeface="Arial"/>
+            </a:endParaRPr>
+          </a:p>
+          <a:p>
+            <a:pPr marL="285750" indent="-285750">
+              <a:lnSpc>
+                <a:spcPts val="1899"/>
+              </a:lnSpc>
+              <a:buFont typeface="Arial" pitchFamily="34" charset="0"/>
+              <a:buChar char="•"/>
+            </a:pPr>
+            <a:r>
+              <a:rPr lang="de-DE" sz="1600" spc="-1" dirty="0">
+                <a:solidFill>
+                  <a:srgbClr val="666666"/>
+                </a:solidFill>
+                <a:uFill>
+                  <a:solidFill>
+                    <a:srgbClr val="FFFFFF"/>
+                  </a:solidFill>
+                </a:uFill>
+                <a:latin typeface="Arial"/>
+              </a:rPr>
+              <a:t>t</a:t>
+            </a:r>
+            <a:r>
+              <a:rPr lang="de-DE" sz="1600" b="0" strike="noStrike" spc="-1" dirty="0" smtClean="0">
+                <a:solidFill>
+                  <a:srgbClr val="666666"/>
+                </a:solidFill>
+                <a:uFill>
+                  <a:solidFill>
+                    <a:srgbClr val="FFFFFF"/>
+                  </a:solidFill>
+                </a:uFill>
+                <a:latin typeface="Arial"/>
+              </a:rPr>
+              <a:t>witter: @zkajdan</a:t>
+            </a:r>
+          </a:p>
+          <a:p>
+            <a:pPr>
+              <a:lnSpc>
+                <a:spcPct val="100000"/>
+              </a:lnSpc>
+            </a:pPr>
+            <a:endParaRPr lang="de-DE" sz="1600" b="0" strike="noStrike" spc="-1" dirty="0">
+              <a:solidFill>
+                <a:srgbClr val="666666"/>
+              </a:solidFill>
+              <a:uFill>
+                <a:solidFill>
+                  <a:srgbClr val="FFFFFF"/>
+                </a:solidFill>
+              </a:uFill>
+              <a:latin typeface="Arial"/>
+            </a:endParaRPr>
+          </a:p>
+          <a:p>
+            <a:pPr>
+              <a:lnSpc>
+                <a:spcPct val="100000"/>
+              </a:lnSpc>
+            </a:pPr>
+            <a:endParaRPr lang="de-DE" sz="1600" b="0" strike="noStrike" spc="-1" dirty="0">
+              <a:solidFill>
+                <a:srgbClr val="666666"/>
+              </a:solidFill>
+              <a:uFill>
+                <a:solidFill>
+                  <a:srgbClr val="FFFFFF"/>
+                </a:solidFill>
+              </a:uFill>
+              <a:latin typeface="Arial"/>
+            </a:endParaRPr>
+          </a:p>
+        </p:txBody>
+      </p:sp>
+    </p:spTree>
+    <p:extLst>
+      <p:ext uri="{BB962C8B-B14F-4D97-AF65-F5344CB8AC3E}">
+        <p14:creationId xmlns:p14="http://schemas.microsoft.com/office/powerpoint/2010/main" val="3162901227"/>
+      </p:ext>
+    </p:extLst>
+  </p:cSld>
+  <p:clrMapOvr>
+    <a:masterClrMapping/>
+  </p:clrMapOvr>
+</p:sld>
+</file>
+
+<file path=ppt/slides/slide4.xml><?xml version="1.0" encoding="utf-8"?>
+<p:sld xmlns:a="http://schemas.openxmlformats.org/drawingml/2006/main" xmlns:r="http://schemas.openxmlformats.org/officeDocument/2006/relationships" xmlns:p="http://schemas.openxmlformats.org/presentationml/2006/main">
+  <p:cSld>
+    <p:spTree>
+      <p:nvGrpSpPr>
+        <p:cNvPr id="1" name=""/>
+        <p:cNvGrpSpPr/>
+        <p:nvPr/>
+      </p:nvGrpSpPr>
+      <p:grpSpPr>
+        <a:xfrm>
+          <a:off x="0" y="0"/>
+          <a:ext cx="0" cy="0"/>
+          <a:chOff x="0" y="0"/>
+          <a:chExt cx="0" cy="0"/>
+        </a:xfrm>
+      </p:grpSpPr>
+      <p:sp>
+        <p:nvSpPr>
+          <p:cNvPr id="3" name="Fußzeilenplatzhalter 2"/>
+          <p:cNvSpPr>
+            <a:spLocks noGrp="1"/>
+          </p:cNvSpPr>
+          <p:nvPr>
+            <p:ph type="ftr" sz="quarter" idx="10"/>
+          </p:nvPr>
+        </p:nvSpPr>
+        <p:spPr/>
+        <p:txBody>
+          <a:bodyPr/>
+          <a:lstStyle/>
+          <a:p>
+            <a:pPr>
+              <a:defRPr/>
+            </a:pPr>
+            <a:r>
               <a:rPr lang="en-US" smtClean="0"/>
+              <a:t>Practical Deep Learning</a:t>
+            </a:r>
+            <a:endParaRPr lang="de-DE" dirty="0"/>
+          </a:p>
+        </p:txBody>
+      </p:sp>
+      <p:sp>
+        <p:nvSpPr>
+          <p:cNvPr id="5" name="Foliennummernplatzhalter 4"/>
+          <p:cNvSpPr>
+            <a:spLocks noGrp="1"/>
+          </p:cNvSpPr>
+          <p:nvPr>
+            <p:ph type="sldNum" sz="quarter" idx="11"/>
+          </p:nvPr>
+        </p:nvSpPr>
+        <p:spPr/>
+        <p:txBody>
+          <a:bodyPr/>
+          <a:lstStyle/>
+          <a:p>
+            <a:pPr>
+              <a:defRPr/>
+            </a:pPr>
+            <a:fld id="{204C193F-02F4-43ED-A231-A7849CCE32B0}" type="slidenum">
+              <a:rPr lang="de-DE" smtClean="0"/>
+              <a:pPr>
+                <a:defRPr/>
+              </a:pPr>
+              <a:t>4</a:t>
+            </a:fld>
+            <a:endParaRPr lang="de-DE" dirty="0"/>
+          </a:p>
+        </p:txBody>
+      </p:sp>
+      <p:sp>
+        <p:nvSpPr>
+          <p:cNvPr id="2" name="Datumsplatzhalter 1"/>
+          <p:cNvSpPr>
+            <a:spLocks noGrp="1"/>
+          </p:cNvSpPr>
+          <p:nvPr>
+            <p:ph type="dt" sz="half" idx="12"/>
+          </p:nvPr>
+        </p:nvSpPr>
+        <p:spPr/>
+        <p:txBody>
+          <a:bodyPr/>
+          <a:lstStyle/>
+          <a:p>
+            <a:pPr>
+              <a:defRPr/>
+            </a:pPr>
+            <a:r>
+              <a:rPr lang="en-US" smtClean="0"/>
+              <a:t>2017/13/12</a:t>
+            </a:r>
+            <a:endParaRPr lang="de-DE" dirty="0"/>
+          </a:p>
+        </p:txBody>
+      </p:sp>
+      <p:sp>
+        <p:nvSpPr>
+          <p:cNvPr id="11" name="Textplatzhalter 10"/>
+          <p:cNvSpPr>
+            <a:spLocks noGrp="1"/>
+          </p:cNvSpPr>
+          <p:nvPr>
+            <p:ph type="body" sz="quarter" idx="13"/>
+          </p:nvPr>
+        </p:nvSpPr>
+        <p:spPr/>
+        <p:txBody>
+          <a:bodyPr/>
+          <a:lstStyle/>
+          <a:p>
+            <a:r>
+              <a:rPr lang="en-US" dirty="0" smtClean="0"/>
+              <a:t>Why deep learning?</a:t>
+            </a:r>
+            <a:endParaRPr lang="en-US" dirty="0"/>
+          </a:p>
+        </p:txBody>
+      </p:sp>
+      <p:sp>
+        <p:nvSpPr>
+          <p:cNvPr id="6" name="Diagonal liegende Ecken des Rechtecks abrunden 5"/>
+          <p:cNvSpPr/>
+          <p:nvPr/>
+        </p:nvSpPr>
+        <p:spPr bwMode="gray">
+          <a:xfrm>
+            <a:off x="-3149600" y="1"/>
+            <a:ext cx="3067050" cy="1689652"/>
+          </a:xfrm>
+          <a:prstGeom prst="round2DiagRect">
+            <a:avLst>
+              <a:gd name="adj1" fmla="val 5144"/>
+              <a:gd name="adj2" fmla="val 0"/>
+            </a:avLst>
+          </a:prstGeom>
+          <a:solidFill>
+            <a:schemeClr val="accent3"/>
+          </a:solidFill>
+          <a:ln w="9525">
+            <a:solidFill>
+              <a:schemeClr val="tx2"/>
+            </a:solidFill>
+          </a:ln>
+        </p:spPr>
+        <p:style>
+          <a:lnRef idx="2">
+            <a:schemeClr val="accent1">
+              <a:shade val="50000"/>
+            </a:schemeClr>
+          </a:lnRef>
+          <a:fillRef idx="1">
+            <a:schemeClr val="accent1"/>
+          </a:fillRef>
+          <a:effectRef idx="0">
+            <a:schemeClr val="accent1"/>
+          </a:effectRef>
+          <a:fontRef idx="minor">
+            <a:schemeClr val="lt1"/>
+          </a:fontRef>
+        </p:style>
+        <p:txBody>
+          <a:bodyPr tIns="108000" rtlCol="0" anchor="t" anchorCtr="0"/>
+          <a:lstStyle/>
+          <a:p>
+            <a:r>
+              <a:rPr lang="en-US" sz="1100" b="1" dirty="0" smtClean="0">
+                <a:solidFill>
+                  <a:schemeClr val="bg1"/>
+                </a:solidFill>
+                <a:latin typeface="Arial"/>
+              </a:rPr>
+              <a:t>INFOBOX – Read and delete</a:t>
+            </a:r>
+          </a:p>
+          <a:p>
+            <a:endParaRPr lang="en-US" sz="1100" b="1" dirty="0">
+              <a:solidFill>
+                <a:schemeClr val="bg1"/>
+              </a:solidFill>
+              <a:latin typeface="Arial"/>
+              <a:cs typeface="Arial"/>
+            </a:endParaRPr>
+          </a:p>
+          <a:p>
+            <a:pPr marL="174625" indent="-174625">
+              <a:buFont typeface="Arial" pitchFamily="34" charset="0"/>
+              <a:buChar char="•"/>
+            </a:pPr>
+            <a:r>
+              <a:rPr lang="en-US" sz="1100" b="1" dirty="0" smtClean="0">
+                <a:solidFill>
+                  <a:schemeClr val="tx1"/>
+                </a:solidFill>
+                <a:latin typeface="Arial"/>
+              </a:rPr>
+              <a:t>In the chapter divider, the chapter text is written centered in the text field</a:t>
+            </a:r>
+          </a:p>
+          <a:p>
+            <a:pPr marL="174625" indent="-174625">
+              <a:buFont typeface="Arial" pitchFamily="34" charset="0"/>
+              <a:buChar char="•"/>
+            </a:pPr>
+            <a:r>
+              <a:rPr lang="en-US" sz="1100" b="1" dirty="0" smtClean="0">
+                <a:solidFill>
+                  <a:schemeClr val="tx1"/>
+                </a:solidFill>
+                <a:latin typeface="Arial"/>
+              </a:rPr>
+              <a:t>Please keep chapter names as short as possible, less text and punchy titles are better!</a:t>
+            </a:r>
+          </a:p>
+        </p:txBody>
+      </p:sp>
+    </p:spTree>
+    <p:extLst>
+      <p:ext uri="{BB962C8B-B14F-4D97-AF65-F5344CB8AC3E}">
+        <p14:creationId xmlns:p14="http://schemas.microsoft.com/office/powerpoint/2010/main" val="604989280"/>
+      </p:ext>
+    </p:extLst>
+  </p:cSld>
+  <p:clrMapOvr>
+    <a:masterClrMapping/>
+  </p:clrMapOvr>
+  <p:timing>
+    <p:tnLst>
+      <p:par>
+        <p:cTn id="1" dur="indefinite" restart="never" nodeType="tmRoot"/>
+      </p:par>
+    </p:tnLst>
+  </p:timing>
+</p:sld>
+</file>
+
+<file path=ppt/slides/slide5.xml><?xml version="1.0" encoding="utf-8"?>
+<p:sld xmlns:a="http://schemas.openxmlformats.org/drawingml/2006/main" xmlns:r="http://schemas.openxmlformats.org/officeDocument/2006/relationships" xmlns:p="http://schemas.openxmlformats.org/presentationml/2006/main">
+  <p:cSld>
+    <p:spTree>
+      <p:nvGrpSpPr>
+        <p:cNvPr id="1" name=""/>
+        <p:cNvGrpSpPr/>
+        <p:nvPr/>
+      </p:nvGrpSpPr>
+      <p:grpSpPr>
+        <a:xfrm>
+          <a:off x="0" y="0"/>
+          <a:ext cx="0" cy="0"/>
+          <a:chOff x="0" y="0"/>
+          <a:chExt cx="0" cy="0"/>
+        </a:xfrm>
+      </p:grpSpPr>
+      <p:sp>
+        <p:nvSpPr>
+          <p:cNvPr id="7" name="Titel 6"/>
+          <p:cNvSpPr>
+            <a:spLocks noGrp="1"/>
+          </p:cNvSpPr>
+          <p:nvPr>
+            <p:ph type="title"/>
+          </p:nvPr>
+        </p:nvSpPr>
+        <p:spPr bwMode="gray"/>
+        <p:txBody>
+          <a:bodyPr/>
+          <a:lstStyle/>
+          <a:p>
+            <a:r>
+              <a:rPr lang="en-US" dirty="0" smtClean="0"/>
+              <a:t>Task: Separate the green triangles from the blue circles</a:t>
+            </a:r>
+            <a:endParaRPr lang="de-DE" dirty="0"/>
+          </a:p>
+        </p:txBody>
+      </p:sp>
+      <p:sp>
+        <p:nvSpPr>
+          <p:cNvPr id="12" name="Fußzeilenplatzhalter 11"/>
+          <p:cNvSpPr>
+            <a:spLocks noGrp="1"/>
+          </p:cNvSpPr>
+          <p:nvPr>
+            <p:ph type="ftr" sz="quarter" idx="10"/>
+          </p:nvPr>
+        </p:nvSpPr>
+        <p:spPr/>
+        <p:txBody>
+          <a:bodyPr/>
+          <a:lstStyle/>
+          <a:p>
+            <a:pPr>
+              <a:defRPr/>
+            </a:pPr>
+            <a:r>
+              <a:rPr lang="en-US" dirty="0" smtClean="0"/>
               <a:t>Practical Deep Learning</a:t>
             </a:r>
             <a:endParaRPr lang="de-DE" dirty="0"/>
@@ -18303,7 +21137,7 @@
               <a:pPr>
                 <a:defRPr/>
               </a:pPr>
-              <a:t>3</a:t>
+              <a:t>5</a:t>
             </a:fld>
             <a:endParaRPr lang="de-DE" dirty="0"/>
           </a:p>
@@ -18328,10 +21162,10 @@
               <a:defRPr/>
             </a:pPr>
             <a:r>
-              <a:rPr lang="en-US" smtClean="0"/>
+              <a:rPr lang="en-US" dirty="0" smtClean="0"/>
               <a:t>2017/13/12</a:t>
             </a:r>
-            <a:endParaRPr lang="de-DE"/>
+            <a:endParaRPr lang="de-DE" dirty="0"/>
           </a:p>
         </p:txBody>
       </p:sp>
@@ -18425,7 +21259,7 @@
 </p:sld>
 </file>
 
-<file path=ppt/slides/slide4.xml><?xml version="1.0" encoding="utf-8"?>
+<file path=ppt/slides/slide6.xml><?xml version="1.0" encoding="utf-8"?>
 <p:sld xmlns:a="http://schemas.openxmlformats.org/drawingml/2006/main" xmlns:r="http://schemas.openxmlformats.org/officeDocument/2006/relationships" xmlns:p="http://schemas.openxmlformats.org/presentationml/2006/main">
   <p:cSld>
     <p:spTree>
@@ -18506,7 +21340,7 @@
             <a:fld id="{CAA1D080-129B-CB43-9B9B-B053798F4C9F}" type="slidenum">
               <a:rPr lang="de-DE" smtClean="0"/>
               <a:pPr/>
-              <a:t>4</a:t>
+              <a:t>6</a:t>
             </a:fld>
             <a:endParaRPr lang="de-DE"/>
           </a:p>
@@ -18670,7 +21504,7 @@
 </p:sld>
 </file>
 
-<file path=ppt/slides/slide5.xml><?xml version="1.0" encoding="utf-8"?>
+<file path=ppt/slides/slide7.xml><?xml version="1.0" encoding="utf-8"?>
 <p:sld xmlns:a="http://schemas.openxmlformats.org/drawingml/2006/main" xmlns:r="http://schemas.openxmlformats.org/officeDocument/2006/relationships" xmlns:p="http://schemas.openxmlformats.org/presentationml/2006/main">
   <p:cSld>
     <p:spTree>
@@ -18767,7 +21601,7 @@
               <a:pPr>
                 <a:defRPr/>
               </a:pPr>
-              <a:t>5</a:t>
+              <a:t>7</a:t>
             </a:fld>
             <a:endParaRPr lang="de-DE" dirty="0"/>
           </a:p>
@@ -18889,7 +21723,7 @@
 </p:sld>
 </file>
 
-<file path=ppt/slides/slide6.xml><?xml version="1.0" encoding="utf-8"?>
+<file path=ppt/slides/slide8.xml><?xml version="1.0" encoding="utf-8"?>
 <p:sld xmlns:a="http://schemas.openxmlformats.org/drawingml/2006/main" xmlns:r="http://schemas.openxmlformats.org/officeDocument/2006/relationships" xmlns:p="http://schemas.openxmlformats.org/presentationml/2006/main">
   <p:cSld>
     <p:spTree>
@@ -18992,7 +21826,7 @@
               <a:pPr>
                 <a:defRPr/>
               </a:pPr>
-              <a:t>6</a:t>
+              <a:t>8</a:t>
             </a:fld>
             <a:endParaRPr lang="de-DE" dirty="0"/>
           </a:p>
@@ -20606,7 +23440,7 @@
 </p:sld>
 </file>
 
-<file path=ppt/slides/slide7.xml><?xml version="1.0" encoding="utf-8"?>
+<file path=ppt/slides/slide9.xml><?xml version="1.0" encoding="utf-8"?>
 <p:sld xmlns:a="http://schemas.openxmlformats.org/drawingml/2006/main" xmlns:r="http://schemas.openxmlformats.org/officeDocument/2006/relationships" xmlns:p="http://schemas.openxmlformats.org/presentationml/2006/main">
   <p:cSld>
     <p:spTree>
@@ -20672,7 +23506,7 @@
               <a:pPr>
                 <a:defRPr/>
               </a:pPr>
-              <a:t>7</a:t>
+              <a:t>9</a:t>
             </a:fld>
             <a:endParaRPr lang="de-DE" dirty="0"/>
           </a:p>
@@ -20828,524 +23662,6 @@
     <p:extLst>
       <p:ext uri="{BB962C8B-B14F-4D97-AF65-F5344CB8AC3E}">
         <p14:creationId xmlns:p14="http://schemas.microsoft.com/office/powerpoint/2010/main" val="996754548"/>
-      </p:ext>
-    </p:extLst>
-  </p:cSld>
-  <p:clrMapOvr>
-    <a:masterClrMapping/>
-  </p:clrMapOvr>
-  <p:timing>
-    <p:tnLst>
-      <p:par>
-        <p:cTn id="1" dur="indefinite" restart="never" nodeType="tmRoot"/>
-      </p:par>
-    </p:tnLst>
-  </p:timing>
-</p:sld>
-</file>
-
-<file path=ppt/slides/slide8.xml><?xml version="1.0" encoding="utf-8"?>
-<p:sld xmlns:a="http://schemas.openxmlformats.org/drawingml/2006/main" xmlns:r="http://schemas.openxmlformats.org/officeDocument/2006/relationships" xmlns:p="http://schemas.openxmlformats.org/presentationml/2006/main">
-  <p:cSld>
-    <p:spTree>
-      <p:nvGrpSpPr>
-        <p:cNvPr id="1" name=""/>
-        <p:cNvGrpSpPr/>
-        <p:nvPr/>
-      </p:nvGrpSpPr>
-      <p:grpSpPr>
-        <a:xfrm>
-          <a:off x="0" y="0"/>
-          <a:ext cx="0" cy="0"/>
-          <a:chOff x="0" y="0"/>
-          <a:chExt cx="0" cy="0"/>
-        </a:xfrm>
-      </p:grpSpPr>
-      <p:sp>
-        <p:nvSpPr>
-          <p:cNvPr id="2" name="Title 1"/>
-          <p:cNvSpPr>
-            <a:spLocks noGrp="1"/>
-          </p:cNvSpPr>
-          <p:nvPr>
-            <p:ph type="title"/>
-          </p:nvPr>
-        </p:nvSpPr>
-        <p:spPr/>
-        <p:txBody>
-          <a:bodyPr/>
-          <a:lstStyle/>
-          <a:p>
-            <a:r>
-              <a:rPr lang="en-US" dirty="0" smtClean="0"/>
-              <a:t>A deep neural network </a:t>
-            </a:r>
-            <a:endParaRPr lang="en-US" dirty="0"/>
-          </a:p>
-        </p:txBody>
-      </p:sp>
-      <p:sp>
-        <p:nvSpPr>
-          <p:cNvPr id="3" name="Footer Placeholder 2"/>
-          <p:cNvSpPr>
-            <a:spLocks noGrp="1"/>
-          </p:cNvSpPr>
-          <p:nvPr>
-            <p:ph type="ftr" sz="quarter" idx="10"/>
-          </p:nvPr>
-        </p:nvSpPr>
-        <p:spPr/>
-        <p:txBody>
-          <a:bodyPr/>
-          <a:lstStyle/>
-          <a:p>
-            <a:r>
-              <a:rPr lang="en-US" smtClean="0"/>
-              <a:t>Practical Deep Learning</a:t>
-            </a:r>
-            <a:endParaRPr lang="de-DE"/>
-          </a:p>
-        </p:txBody>
-      </p:sp>
-      <p:sp>
-        <p:nvSpPr>
-          <p:cNvPr id="4" name="Slide Number Placeholder 3"/>
-          <p:cNvSpPr>
-            <a:spLocks noGrp="1"/>
-          </p:cNvSpPr>
-          <p:nvPr>
-            <p:ph type="sldNum" sz="quarter" idx="11"/>
-          </p:nvPr>
-        </p:nvSpPr>
-        <p:spPr/>
-        <p:txBody>
-          <a:bodyPr/>
-          <a:lstStyle/>
-          <a:p>
-            <a:fld id="{CAA1D080-129B-CB43-9B9B-B053798F4C9F}" type="slidenum">
-              <a:rPr lang="de-DE" smtClean="0"/>
-              <a:pPr/>
-              <a:t>8</a:t>
-            </a:fld>
-            <a:endParaRPr lang="de-DE"/>
-          </a:p>
-        </p:txBody>
-      </p:sp>
-      <p:sp>
-        <p:nvSpPr>
-          <p:cNvPr id="5" name="Date Placeholder 4"/>
-          <p:cNvSpPr>
-            <a:spLocks noGrp="1"/>
-          </p:cNvSpPr>
-          <p:nvPr>
-            <p:ph type="dt" sz="half" idx="12"/>
-          </p:nvPr>
-        </p:nvSpPr>
-        <p:spPr/>
-        <p:txBody>
-          <a:bodyPr/>
-          <a:lstStyle/>
-          <a:p>
-            <a:r>
-              <a:rPr lang="en-US" smtClean="0"/>
-              <a:t>2017/13/12</a:t>
-            </a:r>
-            <a:endParaRPr lang="en-US"/>
-          </a:p>
-        </p:txBody>
-      </p:sp>
-      <p:sp>
-        <p:nvSpPr>
-          <p:cNvPr id="11" name="TextBox 10"/>
-          <p:cNvSpPr txBox="1"/>
-          <p:nvPr/>
-        </p:nvSpPr>
-        <p:spPr>
-          <a:xfrm>
-            <a:off x="916806" y="4017844"/>
-            <a:ext cx="2983216" cy="123111"/>
-          </a:xfrm>
-          <a:prstGeom prst="rect">
-            <a:avLst/>
-          </a:prstGeom>
-          <a:noFill/>
-        </p:spPr>
-        <p:txBody>
-          <a:bodyPr wrap="square" lIns="0" tIns="0" rIns="0" bIns="0" rtlCol="0">
-            <a:spAutoFit/>
-          </a:bodyPr>
-          <a:lstStyle/>
-          <a:p>
-            <a:r>
-              <a:rPr lang="en-US" sz="800" dirty="0"/>
-              <a:t>Source: </a:t>
-            </a:r>
-            <a:r>
-              <a:rPr lang="en-US" sz="800" dirty="0" err="1" smtClean="0"/>
-              <a:t>Stergiou</a:t>
-            </a:r>
-            <a:r>
-              <a:rPr lang="en-US" sz="800" dirty="0" smtClean="0"/>
-              <a:t> &amp; </a:t>
-            </a:r>
-            <a:r>
-              <a:rPr lang="en-US" sz="800" dirty="0" err="1" smtClean="0"/>
-              <a:t>Siganos</a:t>
-            </a:r>
-            <a:r>
-              <a:rPr lang="en-US" sz="800" dirty="0" smtClean="0"/>
-              <a:t>, Artificial Neurons</a:t>
-            </a:r>
-          </a:p>
-        </p:txBody>
-      </p:sp>
-      <p:pic>
-        <p:nvPicPr>
-          <p:cNvPr id="7" name="Picture 6"/>
-          <p:cNvPicPr>
-            <a:picLocks noChangeAspect="1"/>
-          </p:cNvPicPr>
-          <p:nvPr/>
-        </p:nvPicPr>
-        <p:blipFill>
-          <a:blip r:embed="rId2">
-            <a:extLst>
-              <a:ext uri="{28A0092B-C50C-407E-A947-70E740481C1C}">
-                <a14:useLocalDpi xmlns:a14="http://schemas.microsoft.com/office/drawing/2010/main" val="0"/>
-              </a:ext>
-            </a:extLst>
-          </a:blip>
-          <a:stretch>
-            <a:fillRect/>
-          </a:stretch>
-        </p:blipFill>
-        <p:spPr>
-          <a:xfrm>
-            <a:off x="627233" y="1068609"/>
-            <a:ext cx="4497768" cy="2825111"/>
-          </a:xfrm>
-          <a:prstGeom prst="rect">
-            <a:avLst/>
-          </a:prstGeom>
-        </p:spPr>
-      </p:pic>
-    </p:spTree>
-    <p:extLst>
-      <p:ext uri="{BB962C8B-B14F-4D97-AF65-F5344CB8AC3E}">
-        <p14:creationId xmlns:p14="http://schemas.microsoft.com/office/powerpoint/2010/main" val="2370443966"/>
-      </p:ext>
-    </p:extLst>
-  </p:cSld>
-  <p:clrMapOvr>
-    <a:masterClrMapping/>
-  </p:clrMapOvr>
-  <p:timing>
-    <p:tnLst>
-      <p:par>
-        <p:cTn id="1" dur="indefinite" restart="never" nodeType="tmRoot"/>
-      </p:par>
-    </p:tnLst>
-  </p:timing>
-</p:sld>
-</file>
-
-<file path=ppt/slides/slide9.xml><?xml version="1.0" encoding="utf-8"?>
-<p:sld xmlns:a="http://schemas.openxmlformats.org/drawingml/2006/main" xmlns:r="http://schemas.openxmlformats.org/officeDocument/2006/relationships" xmlns:p="http://schemas.openxmlformats.org/presentationml/2006/main">
-  <p:cSld>
-    <p:spTree>
-      <p:nvGrpSpPr>
-        <p:cNvPr id="1" name=""/>
-        <p:cNvGrpSpPr/>
-        <p:nvPr/>
-      </p:nvGrpSpPr>
-      <p:grpSpPr>
-        <a:xfrm>
-          <a:off x="0" y="0"/>
-          <a:ext cx="0" cy="0"/>
-          <a:chOff x="0" y="0"/>
-          <a:chExt cx="0" cy="0"/>
-        </a:xfrm>
-      </p:grpSpPr>
-      <p:sp>
-        <p:nvSpPr>
-          <p:cNvPr id="2" name="Title 1"/>
-          <p:cNvSpPr>
-            <a:spLocks noGrp="1"/>
-          </p:cNvSpPr>
-          <p:nvPr>
-            <p:ph type="title"/>
-          </p:nvPr>
-        </p:nvSpPr>
-        <p:spPr/>
-        <p:txBody>
-          <a:bodyPr/>
-          <a:lstStyle/>
-          <a:p>
-            <a:r>
-              <a:rPr lang="en-US" dirty="0" smtClean="0"/>
-              <a:t>First, we need a loss function</a:t>
-            </a:r>
-            <a:endParaRPr lang="en-US" dirty="0"/>
-          </a:p>
-        </p:txBody>
-      </p:sp>
-      <p:sp>
-        <p:nvSpPr>
-          <p:cNvPr id="3" name="Footer Placeholder 2"/>
-          <p:cNvSpPr>
-            <a:spLocks noGrp="1"/>
-          </p:cNvSpPr>
-          <p:nvPr>
-            <p:ph type="ftr" sz="quarter" idx="10"/>
-          </p:nvPr>
-        </p:nvSpPr>
-        <p:spPr/>
-        <p:txBody>
-          <a:bodyPr/>
-          <a:lstStyle/>
-          <a:p>
-            <a:r>
-              <a:rPr lang="en-US" smtClean="0"/>
-              <a:t>Practical Deep Learning</a:t>
-            </a:r>
-            <a:endParaRPr lang="de-DE"/>
-          </a:p>
-        </p:txBody>
-      </p:sp>
-      <p:sp>
-        <p:nvSpPr>
-          <p:cNvPr id="4" name="Slide Number Placeholder 3"/>
-          <p:cNvSpPr>
-            <a:spLocks noGrp="1"/>
-          </p:cNvSpPr>
-          <p:nvPr>
-            <p:ph type="sldNum" sz="quarter" idx="11"/>
-          </p:nvPr>
-        </p:nvSpPr>
-        <p:spPr/>
-        <p:txBody>
-          <a:bodyPr/>
-          <a:lstStyle/>
-          <a:p>
-            <a:fld id="{CAA1D080-129B-CB43-9B9B-B053798F4C9F}" type="slidenum">
-              <a:rPr lang="de-DE" smtClean="0"/>
-              <a:pPr/>
-              <a:t>9</a:t>
-            </a:fld>
-            <a:endParaRPr lang="de-DE"/>
-          </a:p>
-        </p:txBody>
-      </p:sp>
-      <p:sp>
-        <p:nvSpPr>
-          <p:cNvPr id="5" name="Date Placeholder 4"/>
-          <p:cNvSpPr>
-            <a:spLocks noGrp="1"/>
-          </p:cNvSpPr>
-          <p:nvPr>
-            <p:ph type="dt" sz="half" idx="12"/>
-          </p:nvPr>
-        </p:nvSpPr>
-        <p:spPr/>
-        <p:txBody>
-          <a:bodyPr/>
-          <a:lstStyle/>
-          <a:p>
-            <a:r>
-              <a:rPr lang="en-US" smtClean="0"/>
-              <a:t>2017/13/12</a:t>
-            </a:r>
-            <a:endParaRPr lang="en-US"/>
-          </a:p>
-        </p:txBody>
-      </p:sp>
-      <p:sp>
-        <p:nvSpPr>
-          <p:cNvPr id="6" name="Content Placeholder 5"/>
-          <p:cNvSpPr>
-            <a:spLocks noGrp="1"/>
-          </p:cNvSpPr>
-          <p:nvPr>
-            <p:ph sz="quarter" idx="13"/>
-          </p:nvPr>
-        </p:nvSpPr>
-        <p:spPr/>
-        <p:txBody>
-          <a:bodyPr/>
-          <a:lstStyle/>
-          <a:p>
-            <a:endParaRPr lang="en-US" dirty="0" smtClean="0"/>
-          </a:p>
-          <a:p>
-            <a:endParaRPr lang="en-US" dirty="0" smtClean="0"/>
-          </a:p>
-          <a:p>
-            <a:endParaRPr lang="en-US" dirty="0"/>
-          </a:p>
-          <a:p>
-            <a:r>
-              <a:rPr lang="en-US" dirty="0" smtClean="0"/>
-              <a:t>… that is, a way to quantify our current error.</a:t>
-            </a:r>
-          </a:p>
-          <a:p>
-            <a:endParaRPr lang="en-US" dirty="0" smtClean="0"/>
-          </a:p>
-          <a:p>
-            <a:endParaRPr lang="en-US" dirty="0" smtClean="0"/>
-          </a:p>
-          <a:p>
-            <a:endParaRPr lang="en-US" dirty="0" smtClean="0"/>
-          </a:p>
-          <a:p>
-            <a:endParaRPr lang="en-US" dirty="0" smtClean="0"/>
-          </a:p>
-          <a:p>
-            <a:endParaRPr lang="en-US" dirty="0"/>
-          </a:p>
-          <a:p>
-            <a:endParaRPr lang="en-US" sz="1400" i="1" dirty="0" smtClean="0"/>
-          </a:p>
-          <a:p>
-            <a:r>
-              <a:rPr lang="en-US" sz="1400" i="1" dirty="0" smtClean="0">
-                <a:solidFill>
-                  <a:schemeClr val="accent2"/>
-                </a:solidFill>
-              </a:rPr>
-              <a:t>You said 98% probability it was a cat… but it’s a dog!</a:t>
-            </a:r>
-          </a:p>
-          <a:p>
-            <a:endParaRPr lang="en-US" dirty="0"/>
-          </a:p>
-          <a:p>
-            <a:r>
-              <a:rPr lang="en-US" sz="1400" i="1" dirty="0" smtClean="0">
-                <a:solidFill>
-                  <a:schemeClr val="accent2"/>
-                </a:solidFill>
-              </a:rPr>
-              <a:t>You said sales were </a:t>
-            </a:r>
-            <a:r>
-              <a:rPr lang="en-US" sz="1400" i="1" dirty="0" err="1" smtClean="0">
-                <a:solidFill>
-                  <a:schemeClr val="accent2"/>
-                </a:solidFill>
-              </a:rPr>
-              <a:t>gonna</a:t>
-            </a:r>
-            <a:r>
-              <a:rPr lang="en-US" sz="1400" i="1" dirty="0" smtClean="0">
-                <a:solidFill>
-                  <a:schemeClr val="accent2"/>
-                </a:solidFill>
-              </a:rPr>
-              <a:t> to up by 5%... but really they went down by 0.7%!</a:t>
-            </a:r>
-            <a:endParaRPr lang="en-US" sz="1400" i="1" dirty="0">
-              <a:solidFill>
-                <a:schemeClr val="accent2"/>
-              </a:solidFill>
-            </a:endParaRPr>
-          </a:p>
-        </p:txBody>
-      </p:sp>
-      <p:pic>
-        <p:nvPicPr>
-          <p:cNvPr id="7" name="Picture 6"/>
-          <p:cNvPicPr>
-            <a:picLocks noChangeAspect="1"/>
-          </p:cNvPicPr>
-          <p:nvPr/>
-        </p:nvPicPr>
-        <p:blipFill>
-          <a:blip r:embed="rId2">
-            <a:extLst>
-              <a:ext uri="{28A0092B-C50C-407E-A947-70E740481C1C}">
-                <a14:useLocalDpi xmlns:a14="http://schemas.microsoft.com/office/drawing/2010/main" val="0"/>
-              </a:ext>
-            </a:extLst>
-          </a:blip>
-          <a:stretch>
-            <a:fillRect/>
-          </a:stretch>
-        </p:blipFill>
-        <p:spPr>
-          <a:xfrm>
-            <a:off x="6109855" y="917469"/>
-            <a:ext cx="2569388" cy="1613868"/>
-          </a:xfrm>
-          <a:prstGeom prst="rect">
-            <a:avLst/>
-          </a:prstGeom>
-        </p:spPr>
-      </p:pic>
-      <p:pic>
-        <p:nvPicPr>
-          <p:cNvPr id="8" name="Picture 7"/>
-          <p:cNvPicPr>
-            <a:picLocks noChangeAspect="1"/>
-          </p:cNvPicPr>
-          <p:nvPr/>
-        </p:nvPicPr>
-        <p:blipFill>
-          <a:blip r:embed="rId3">
-            <a:extLst>
-              <a:ext uri="{28A0092B-C50C-407E-A947-70E740481C1C}">
-                <a14:useLocalDpi xmlns:a14="http://schemas.microsoft.com/office/drawing/2010/main" val="0"/>
-              </a:ext>
-            </a:extLst>
-          </a:blip>
-          <a:stretch>
-            <a:fillRect/>
-          </a:stretch>
-        </p:blipFill>
-        <p:spPr>
-          <a:xfrm>
-            <a:off x="6798056" y="2708683"/>
-            <a:ext cx="2189648" cy="851530"/>
-          </a:xfrm>
-          <a:prstGeom prst="rect">
-            <a:avLst/>
-          </a:prstGeom>
-        </p:spPr>
-      </p:pic>
-      <p:pic>
-        <p:nvPicPr>
-          <p:cNvPr id="9" name="Picture 8"/>
-          <p:cNvPicPr>
-            <a:picLocks noChangeAspect="1"/>
-          </p:cNvPicPr>
-          <p:nvPr/>
-        </p:nvPicPr>
-        <p:blipFill>
-          <a:blip r:embed="rId4">
-            <a:extLst>
-              <a:ext uri="{28A0092B-C50C-407E-A947-70E740481C1C}">
-                <a14:useLocalDpi xmlns:a14="http://schemas.microsoft.com/office/drawing/2010/main" val="0"/>
-              </a:ext>
-            </a:extLst>
-          </a:blip>
-          <a:stretch>
-            <a:fillRect/>
-          </a:stretch>
-        </p:blipFill>
-        <p:spPr>
-          <a:xfrm>
-            <a:off x="4875818" y="2358325"/>
-            <a:ext cx="1922238" cy="700717"/>
-          </a:xfrm>
-          <a:prstGeom prst="rect">
-            <a:avLst/>
-          </a:prstGeom>
-        </p:spPr>
-      </p:pic>
-    </p:spTree>
-    <p:extLst>
-      <p:ext uri="{BB962C8B-B14F-4D97-AF65-F5344CB8AC3E}">
-        <p14:creationId xmlns:p14="http://schemas.microsoft.com/office/powerpoint/2010/main" val="3885465388"/>
       </p:ext>
     </p:extLst>
   </p:cSld>
@@ -21638,7 +23954,7 @@
   <a:extraClrSchemeLst/>
   <a:extLst>
     <a:ext uri="{05A4C25C-085E-4340-85A3-A5531E510DB2}">
-      <thm15:themeFamily xmlns:thm15="http://schemas.microsoft.com/office/thememl/2012/main" xmlns="" name="TVD_PPT_Template_2015_16zu9_EN" id="{F393887C-EAB3-4964-9CF9-B05264B499B8}" vid="{503BEFE1-278E-4A27-A22C-0466040C4085}"/>
+      <thm15:themeFamily xmlns="" xmlns:thm15="http://schemas.microsoft.com/office/thememl/2012/main" name="TVD_PPT_Template_2015_16zu9_EN" id="{F393887C-EAB3-4964-9CF9-B05264B499B8}" vid="{503BEFE1-278E-4A27-A22C-0466040C4085}"/>
     </a:ext>
   </a:extLst>
 </a:theme>
@@ -23881,20 +26197,6 @@
 </file>
 
 <file path=customXml/item1.xml><?xml version="1.0" encoding="utf-8"?>
-<?mso-contentType ?>
-<SharedContentType xmlns="Microsoft.SharePoint.Taxonomy.ContentTypeSync" SourceId="a65b2c18-bff2-4ef1-b402-d17a1d2fd91d" ContentTypeId="0x0101003E03BD88464FD44EBFDF5226D4636C49" PreviousValue="false"/>
-</file>
-
-<file path=customXml/item2.xml><?xml version="1.0" encoding="utf-8"?>
-<?mso-contentType ?>
-<FormTemplates xmlns="http://schemas.microsoft.com/sharepoint/v3/contenttype/forms">
-  <Display>DocumentLibraryForm</Display>
-  <Edit>DocumentLibraryForm</Edit>
-  <New>DocumentLibraryForm</New>
-</FormTemplates>
-</file>
-
-<file path=customXml/item3.xml><?xml version="1.0" encoding="utf-8"?>
 <p:properties xmlns:p="http://schemas.microsoft.com/office/2006/metadata/properties" xmlns:xsi="http://www.w3.org/2001/XMLSchema-instance" xmlns:pc="http://schemas.microsoft.com/office/infopath/2007/PartnerControls">
   <documentManagement>
     <Responsible xmlns="http://schemas.microsoft.com/sharepoint/v3">
@@ -23908,6 +26210,20 @@
     <ValidTo xmlns="http://schemas.microsoft.com/sharepoint/v3">2016-10-06T22:00:00+00:00</ValidTo>
   </documentManagement>
 </p:properties>
+</file>
+
+<file path=customXml/item2.xml><?xml version="1.0" encoding="utf-8"?>
+<?mso-contentType ?>
+<FormTemplates xmlns="http://schemas.microsoft.com/sharepoint/v3/contenttype/forms">
+  <Display>DocumentLibraryForm</Display>
+  <Edit>DocumentLibraryForm</Edit>
+  <New>DocumentLibraryForm</New>
+</FormTemplates>
+</file>
+
+<file path=customXml/item3.xml><?xml version="1.0" encoding="utf-8"?>
+<?mso-contentType ?>
+<SharedContentType xmlns="Microsoft.SharePoint.Taxonomy.ContentTypeSync" SourceId="a65b2c18-bff2-4ef1-b402-d17a1d2fd91d" ContentTypeId="0x0101003E03BD88464FD44EBFDF5226D4636C49" PreviousValue="false"/>
 </file>
 
 <file path=customXml/item4.xml><?xml version="1.0" encoding="utf-8"?>
@@ -24068,9 +26384,17 @@
 </file>
 
 <file path=customXml/itemProps1.xml><?xml version="1.0" encoding="utf-8"?>
-<ds:datastoreItem xmlns:ds="http://schemas.openxmlformats.org/officeDocument/2006/customXml" ds:itemID="{6E7CD471-F64E-4411-BFA0-C30B2C654F2E}">
+<ds:datastoreItem xmlns:ds="http://schemas.openxmlformats.org/officeDocument/2006/customXml" ds:itemID="{59B6694F-3729-4114-98C3-788E7B8B82D9}">
   <ds:schemaRefs>
-    <ds:schemaRef ds:uri="Microsoft.SharePoint.Taxonomy.ContentTypeSync"/>
+    <ds:schemaRef ds:uri="http://schemas.microsoft.com/office/2006/metadata/properties"/>
+    <ds:schemaRef ds:uri="http://schemas.microsoft.com/sharepoint/v3"/>
+    <ds:schemaRef ds:uri="http://purl.org/dc/terms/"/>
+    <ds:schemaRef ds:uri="http://schemas.openxmlformats.org/package/2006/metadata/core-properties"/>
+    <ds:schemaRef ds:uri="http://schemas.microsoft.com/office/2006/documentManagement/types"/>
+    <ds:schemaRef ds:uri="http://www.w3.org/XML/1998/namespace"/>
+    <ds:schemaRef ds:uri="http://schemas.microsoft.com/office/infopath/2007/PartnerControls"/>
+    <ds:schemaRef ds:uri="http://purl.org/dc/elements/1.1/"/>
+    <ds:schemaRef ds:uri="http://purl.org/dc/dcmitype/"/>
   </ds:schemaRefs>
 </ds:datastoreItem>
 </file>
@@ -24084,17 +26408,9 @@
 </file>
 
 <file path=customXml/itemProps3.xml><?xml version="1.0" encoding="utf-8"?>
-<ds:datastoreItem xmlns:ds="http://schemas.openxmlformats.org/officeDocument/2006/customXml" ds:itemID="{59B6694F-3729-4114-98C3-788E7B8B82D9}">
+<ds:datastoreItem xmlns:ds="http://schemas.openxmlformats.org/officeDocument/2006/customXml" ds:itemID="{6E7CD471-F64E-4411-BFA0-C30B2C654F2E}">
   <ds:schemaRefs>
-    <ds:schemaRef ds:uri="http://schemas.microsoft.com/office/2006/metadata/properties"/>
-    <ds:schemaRef ds:uri="http://schemas.microsoft.com/sharepoint/v3"/>
-    <ds:schemaRef ds:uri="http://purl.org/dc/terms/"/>
-    <ds:schemaRef ds:uri="http://schemas.openxmlformats.org/package/2006/metadata/core-properties"/>
-    <ds:schemaRef ds:uri="http://schemas.microsoft.com/office/2006/documentManagement/types"/>
-    <ds:schemaRef ds:uri="http://www.w3.org/XML/1998/namespace"/>
-    <ds:schemaRef ds:uri="http://schemas.microsoft.com/office/infopath/2007/PartnerControls"/>
-    <ds:schemaRef ds:uri="http://purl.org/dc/elements/1.1/"/>
-    <ds:schemaRef ds:uri="http://purl.org/dc/dcmitype/"/>
+    <ds:schemaRef ds:uri="Microsoft.SharePoint.Taxonomy.ContentTypeSync"/>
   </ds:schemaRefs>
 </ds:datastoreItem>
 </file>
